--- a/PowerPoint Animated Text Template.pptx
+++ b/PowerPoint Animated Text Template.pptx
@@ -5,8 +5,12 @@
     <p:sldMasterId id="2147483648" r:id="rId1"/>
   </p:sldMasterIdLst>
   <p:sldIdLst>
-    <p:sldId id="256" r:id="rId2"/>
-    <p:sldId id="267" r:id="rId3"/>
+    <p:sldId id="261" r:id="rId2"/>
+    <p:sldId id="257" r:id="rId3"/>
+    <p:sldId id="258" r:id="rId4"/>
+    <p:sldId id="259" r:id="rId5"/>
+    <p:sldId id="260" r:id="rId6"/>
+    <p:sldId id="256" r:id="rId7"/>
   </p:sldIdLst>
   <p:sldSz cx="12192000" cy="6858000"/>
   <p:notesSz cx="6858000" cy="9144000"/>
@@ -107,7 +111,7 @@
   </p:defaultTextStyle>
   <p:extLst>
     <p:ext uri="{EFAFB233-063F-42B5-8137-9DF3F51BA10A}">
-      <p15:sldGuideLst xmlns:p15="http://schemas.microsoft.com/office/powerpoint/2012/main" xmlns=""/>
+      <p15:sldGuideLst xmlns="" xmlns:p15="http://schemas.microsoft.com/office/powerpoint/2012/main"/>
     </p:ext>
   </p:extLst>
 </p:presentation>
@@ -135,7 +139,7 @@
           <p:cNvPr id="2" name="Title 1">
             <a:extLst>
               <a:ext uri="{FF2B5EF4-FFF2-40B4-BE49-F238E27FC236}">
-                <a16:creationId xmlns:a16="http://schemas.microsoft.com/office/drawing/2014/main" xmlns="" id="{C0496787-1716-41CE-B20A-FBE66993AB3E}"/>
+                <a16:creationId xmlns="" xmlns:a16="http://schemas.microsoft.com/office/drawing/2014/main" id="{C0496787-1716-41CE-B20A-FBE66993AB3E}"/>
               </a:ext>
             </a:extLst>
           </p:cNvPr>
@@ -172,7 +176,7 @@
           <p:cNvPr id="3" name="Subtitle 2">
             <a:extLst>
               <a:ext uri="{FF2B5EF4-FFF2-40B4-BE49-F238E27FC236}">
-                <a16:creationId xmlns:a16="http://schemas.microsoft.com/office/drawing/2014/main" xmlns="" id="{AD7420C3-8C07-478E-AC77-60855A253D52}"/>
+                <a16:creationId xmlns="" xmlns:a16="http://schemas.microsoft.com/office/drawing/2014/main" id="{AD7420C3-8C07-478E-AC77-60855A253D52}"/>
               </a:ext>
             </a:extLst>
           </p:cNvPr>
@@ -242,7 +246,7 @@
           <p:cNvPr id="4" name="Date Placeholder 3">
             <a:extLst>
               <a:ext uri="{FF2B5EF4-FFF2-40B4-BE49-F238E27FC236}">
-                <a16:creationId xmlns:a16="http://schemas.microsoft.com/office/drawing/2014/main" xmlns="" id="{6C92F556-1B69-4EAC-BEDB-EBBF501F3615}"/>
+                <a16:creationId xmlns="" xmlns:a16="http://schemas.microsoft.com/office/drawing/2014/main" id="{6C92F556-1B69-4EAC-BEDB-EBBF501F3615}"/>
               </a:ext>
             </a:extLst>
           </p:cNvPr>
@@ -260,7 +264,7 @@
           <a:p>
             <a:fld id="{A7601A20-E751-4D0C-AA95-928C4A20D2A8}" type="datetimeFigureOut">
               <a:rPr lang="en-US" smtClean="0"/>
-              <a:t>12/14/2022</a:t>
+              <a:t>12/15/2022</a:t>
             </a:fld>
             <a:endParaRPr lang="en-US"/>
           </a:p>
@@ -271,7 +275,7 @@
           <p:cNvPr id="5" name="Footer Placeholder 4">
             <a:extLst>
               <a:ext uri="{FF2B5EF4-FFF2-40B4-BE49-F238E27FC236}">
-                <a16:creationId xmlns:a16="http://schemas.microsoft.com/office/drawing/2014/main" xmlns="" id="{056AC87D-9B4B-4C84-AC45-D83043637B72}"/>
+                <a16:creationId xmlns="" xmlns:a16="http://schemas.microsoft.com/office/drawing/2014/main" id="{056AC87D-9B4B-4C84-AC45-D83043637B72}"/>
               </a:ext>
             </a:extLst>
           </p:cNvPr>
@@ -296,7 +300,7 @@
           <p:cNvPr id="6" name="Slide Number Placeholder 5">
             <a:extLst>
               <a:ext uri="{FF2B5EF4-FFF2-40B4-BE49-F238E27FC236}">
-                <a16:creationId xmlns:a16="http://schemas.microsoft.com/office/drawing/2014/main" xmlns="" id="{75A27CA0-E5AE-454D-A285-9B8522DC3E47}"/>
+                <a16:creationId xmlns="" xmlns:a16="http://schemas.microsoft.com/office/drawing/2014/main" id="{75A27CA0-E5AE-454D-A285-9B8522DC3E47}"/>
               </a:ext>
             </a:extLst>
           </p:cNvPr>
@@ -355,7 +359,7 @@
           <p:cNvPr id="2" name="Title 1">
             <a:extLst>
               <a:ext uri="{FF2B5EF4-FFF2-40B4-BE49-F238E27FC236}">
-                <a16:creationId xmlns:a16="http://schemas.microsoft.com/office/drawing/2014/main" xmlns="" id="{6002C501-EE58-4C61-ADFF-663998831D93}"/>
+                <a16:creationId xmlns="" xmlns:a16="http://schemas.microsoft.com/office/drawing/2014/main" id="{6002C501-EE58-4C61-ADFF-663998831D93}"/>
               </a:ext>
             </a:extLst>
           </p:cNvPr>
@@ -383,7 +387,7 @@
           <p:cNvPr id="3" name="Vertical Text Placeholder 2">
             <a:extLst>
               <a:ext uri="{FF2B5EF4-FFF2-40B4-BE49-F238E27FC236}">
-                <a16:creationId xmlns:a16="http://schemas.microsoft.com/office/drawing/2014/main" xmlns="" id="{FC2FD528-A738-4E2F-8F63-8A7B2AF0C001}"/>
+                <a16:creationId xmlns="" xmlns:a16="http://schemas.microsoft.com/office/drawing/2014/main" id="{FC2FD528-A738-4E2F-8F63-8A7B2AF0C001}"/>
               </a:ext>
             </a:extLst>
           </p:cNvPr>
@@ -440,7 +444,7 @@
           <p:cNvPr id="4" name="Date Placeholder 3">
             <a:extLst>
               <a:ext uri="{FF2B5EF4-FFF2-40B4-BE49-F238E27FC236}">
-                <a16:creationId xmlns:a16="http://schemas.microsoft.com/office/drawing/2014/main" xmlns="" id="{20178873-BD72-4370-A57F-F39EA957718B}"/>
+                <a16:creationId xmlns="" xmlns:a16="http://schemas.microsoft.com/office/drawing/2014/main" id="{20178873-BD72-4370-A57F-F39EA957718B}"/>
               </a:ext>
             </a:extLst>
           </p:cNvPr>
@@ -458,7 +462,7 @@
           <a:p>
             <a:fld id="{A7601A20-E751-4D0C-AA95-928C4A20D2A8}" type="datetimeFigureOut">
               <a:rPr lang="en-US" smtClean="0"/>
-              <a:t>12/14/2022</a:t>
+              <a:t>12/15/2022</a:t>
             </a:fld>
             <a:endParaRPr lang="en-US"/>
           </a:p>
@@ -469,7 +473,7 @@
           <p:cNvPr id="5" name="Footer Placeholder 4">
             <a:extLst>
               <a:ext uri="{FF2B5EF4-FFF2-40B4-BE49-F238E27FC236}">
-                <a16:creationId xmlns:a16="http://schemas.microsoft.com/office/drawing/2014/main" xmlns="" id="{C3AB02D4-6C2F-4133-98DE-27632AEF6F32}"/>
+                <a16:creationId xmlns="" xmlns:a16="http://schemas.microsoft.com/office/drawing/2014/main" id="{C3AB02D4-6C2F-4133-98DE-27632AEF6F32}"/>
               </a:ext>
             </a:extLst>
           </p:cNvPr>
@@ -494,7 +498,7 @@
           <p:cNvPr id="6" name="Slide Number Placeholder 5">
             <a:extLst>
               <a:ext uri="{FF2B5EF4-FFF2-40B4-BE49-F238E27FC236}">
-                <a16:creationId xmlns:a16="http://schemas.microsoft.com/office/drawing/2014/main" xmlns="" id="{E73372A9-CDFA-49B3-B59E-F7943BF4EC79}"/>
+                <a16:creationId xmlns="" xmlns:a16="http://schemas.microsoft.com/office/drawing/2014/main" id="{E73372A9-CDFA-49B3-B59E-F7943BF4EC79}"/>
               </a:ext>
             </a:extLst>
           </p:cNvPr>
@@ -553,7 +557,7 @@
           <p:cNvPr id="2" name="Vertical Title 1">
             <a:extLst>
               <a:ext uri="{FF2B5EF4-FFF2-40B4-BE49-F238E27FC236}">
-                <a16:creationId xmlns:a16="http://schemas.microsoft.com/office/drawing/2014/main" xmlns="" id="{B56D07F8-B44D-4DC0-818F-DC37BE4E7998}"/>
+                <a16:creationId xmlns="" xmlns:a16="http://schemas.microsoft.com/office/drawing/2014/main" id="{B56D07F8-B44D-4DC0-818F-DC37BE4E7998}"/>
               </a:ext>
             </a:extLst>
           </p:cNvPr>
@@ -586,7 +590,7 @@
           <p:cNvPr id="3" name="Vertical Text Placeholder 2">
             <a:extLst>
               <a:ext uri="{FF2B5EF4-FFF2-40B4-BE49-F238E27FC236}">
-                <a16:creationId xmlns:a16="http://schemas.microsoft.com/office/drawing/2014/main" xmlns="" id="{03FA619B-AB33-45A7-8665-521BE2F930ED}"/>
+                <a16:creationId xmlns="" xmlns:a16="http://schemas.microsoft.com/office/drawing/2014/main" id="{03FA619B-AB33-45A7-8665-521BE2F930ED}"/>
               </a:ext>
             </a:extLst>
           </p:cNvPr>
@@ -648,7 +652,7 @@
           <p:cNvPr id="4" name="Date Placeholder 3">
             <a:extLst>
               <a:ext uri="{FF2B5EF4-FFF2-40B4-BE49-F238E27FC236}">
-                <a16:creationId xmlns:a16="http://schemas.microsoft.com/office/drawing/2014/main" xmlns="" id="{06D729ED-D536-4E32-8A0F-A68BC0FAB3D2}"/>
+                <a16:creationId xmlns="" xmlns:a16="http://schemas.microsoft.com/office/drawing/2014/main" id="{06D729ED-D536-4E32-8A0F-A68BC0FAB3D2}"/>
               </a:ext>
             </a:extLst>
           </p:cNvPr>
@@ -666,7 +670,7 @@
           <a:p>
             <a:fld id="{A7601A20-E751-4D0C-AA95-928C4A20D2A8}" type="datetimeFigureOut">
               <a:rPr lang="en-US" smtClean="0"/>
-              <a:t>12/14/2022</a:t>
+              <a:t>12/15/2022</a:t>
             </a:fld>
             <a:endParaRPr lang="en-US"/>
           </a:p>
@@ -677,7 +681,7 @@
           <p:cNvPr id="5" name="Footer Placeholder 4">
             <a:extLst>
               <a:ext uri="{FF2B5EF4-FFF2-40B4-BE49-F238E27FC236}">
-                <a16:creationId xmlns:a16="http://schemas.microsoft.com/office/drawing/2014/main" xmlns="" id="{4A3B3653-A96F-4DBF-AEA6-AA5A4EAD8734}"/>
+                <a16:creationId xmlns="" xmlns:a16="http://schemas.microsoft.com/office/drawing/2014/main" id="{4A3B3653-A96F-4DBF-AEA6-AA5A4EAD8734}"/>
               </a:ext>
             </a:extLst>
           </p:cNvPr>
@@ -702,7 +706,7 @@
           <p:cNvPr id="6" name="Slide Number Placeholder 5">
             <a:extLst>
               <a:ext uri="{FF2B5EF4-FFF2-40B4-BE49-F238E27FC236}">
-                <a16:creationId xmlns:a16="http://schemas.microsoft.com/office/drawing/2014/main" xmlns="" id="{1F1F7ADD-FC02-4619-A3C9-47DEDD8A7A10}"/>
+                <a16:creationId xmlns="" xmlns:a16="http://schemas.microsoft.com/office/drawing/2014/main" id="{1F1F7ADD-FC02-4619-A3C9-47DEDD8A7A10}"/>
               </a:ext>
             </a:extLst>
           </p:cNvPr>
@@ -761,7 +765,7 @@
           <p:cNvPr id="2" name="Title 1">
             <a:extLst>
               <a:ext uri="{FF2B5EF4-FFF2-40B4-BE49-F238E27FC236}">
-                <a16:creationId xmlns:a16="http://schemas.microsoft.com/office/drawing/2014/main" xmlns="" id="{DA407313-2F92-426A-8923-3CCD315580F2}"/>
+                <a16:creationId xmlns="" xmlns:a16="http://schemas.microsoft.com/office/drawing/2014/main" id="{DA407313-2F92-426A-8923-3CCD315580F2}"/>
               </a:ext>
             </a:extLst>
           </p:cNvPr>
@@ -789,7 +793,7 @@
           <p:cNvPr id="3" name="Content Placeholder 2">
             <a:extLst>
               <a:ext uri="{FF2B5EF4-FFF2-40B4-BE49-F238E27FC236}">
-                <a16:creationId xmlns:a16="http://schemas.microsoft.com/office/drawing/2014/main" xmlns="" id="{F7913085-E43D-4FBC-8B11-B51C44669902}"/>
+                <a16:creationId xmlns="" xmlns:a16="http://schemas.microsoft.com/office/drawing/2014/main" id="{F7913085-E43D-4FBC-8B11-B51C44669902}"/>
               </a:ext>
             </a:extLst>
           </p:cNvPr>
@@ -846,7 +850,7 @@
           <p:cNvPr id="4" name="Date Placeholder 3">
             <a:extLst>
               <a:ext uri="{FF2B5EF4-FFF2-40B4-BE49-F238E27FC236}">
-                <a16:creationId xmlns:a16="http://schemas.microsoft.com/office/drawing/2014/main" xmlns="" id="{4AB69617-221E-44E3-92A7-927C23F24DA3}"/>
+                <a16:creationId xmlns="" xmlns:a16="http://schemas.microsoft.com/office/drawing/2014/main" id="{4AB69617-221E-44E3-92A7-927C23F24DA3}"/>
               </a:ext>
             </a:extLst>
           </p:cNvPr>
@@ -864,7 +868,7 @@
           <a:p>
             <a:fld id="{A7601A20-E751-4D0C-AA95-928C4A20D2A8}" type="datetimeFigureOut">
               <a:rPr lang="en-US" smtClean="0"/>
-              <a:t>12/14/2022</a:t>
+              <a:t>12/15/2022</a:t>
             </a:fld>
             <a:endParaRPr lang="en-US"/>
           </a:p>
@@ -875,7 +879,7 @@
           <p:cNvPr id="5" name="Footer Placeholder 4">
             <a:extLst>
               <a:ext uri="{FF2B5EF4-FFF2-40B4-BE49-F238E27FC236}">
-                <a16:creationId xmlns:a16="http://schemas.microsoft.com/office/drawing/2014/main" xmlns="" id="{E49175C8-3A65-427C-98BA-7110A7B4D769}"/>
+                <a16:creationId xmlns="" xmlns:a16="http://schemas.microsoft.com/office/drawing/2014/main" id="{E49175C8-3A65-427C-98BA-7110A7B4D769}"/>
               </a:ext>
             </a:extLst>
           </p:cNvPr>
@@ -900,7 +904,7 @@
           <p:cNvPr id="6" name="Slide Number Placeholder 5">
             <a:extLst>
               <a:ext uri="{FF2B5EF4-FFF2-40B4-BE49-F238E27FC236}">
-                <a16:creationId xmlns:a16="http://schemas.microsoft.com/office/drawing/2014/main" xmlns="" id="{7BA7631C-6717-4E65-BF2E-54F893BF445C}"/>
+                <a16:creationId xmlns="" xmlns:a16="http://schemas.microsoft.com/office/drawing/2014/main" id="{7BA7631C-6717-4E65-BF2E-54F893BF445C}"/>
               </a:ext>
             </a:extLst>
           </p:cNvPr>
@@ -959,7 +963,7 @@
           <p:cNvPr id="2" name="Title 1">
             <a:extLst>
               <a:ext uri="{FF2B5EF4-FFF2-40B4-BE49-F238E27FC236}">
-                <a16:creationId xmlns:a16="http://schemas.microsoft.com/office/drawing/2014/main" xmlns="" id="{C982FA69-64D3-4EE8-9BEF-22753B92A258}"/>
+                <a16:creationId xmlns="" xmlns:a16="http://schemas.microsoft.com/office/drawing/2014/main" id="{C982FA69-64D3-4EE8-9BEF-22753B92A258}"/>
               </a:ext>
             </a:extLst>
           </p:cNvPr>
@@ -996,7 +1000,7 @@
           <p:cNvPr id="3" name="Text Placeholder 2">
             <a:extLst>
               <a:ext uri="{FF2B5EF4-FFF2-40B4-BE49-F238E27FC236}">
-                <a16:creationId xmlns:a16="http://schemas.microsoft.com/office/drawing/2014/main" xmlns="" id="{7AA1F8DA-5590-4CA0-9E7A-0BC97244E977}"/>
+                <a16:creationId xmlns="" xmlns:a16="http://schemas.microsoft.com/office/drawing/2014/main" id="{7AA1F8DA-5590-4CA0-9E7A-0BC97244E977}"/>
               </a:ext>
             </a:extLst>
           </p:cNvPr>
@@ -1121,7 +1125,7 @@
           <p:cNvPr id="4" name="Date Placeholder 3">
             <a:extLst>
               <a:ext uri="{FF2B5EF4-FFF2-40B4-BE49-F238E27FC236}">
-                <a16:creationId xmlns:a16="http://schemas.microsoft.com/office/drawing/2014/main" xmlns="" id="{C4D52EDC-1B20-488B-A7D4-D9AE9D5BF464}"/>
+                <a16:creationId xmlns="" xmlns:a16="http://schemas.microsoft.com/office/drawing/2014/main" id="{C4D52EDC-1B20-488B-A7D4-D9AE9D5BF464}"/>
               </a:ext>
             </a:extLst>
           </p:cNvPr>
@@ -1139,7 +1143,7 @@
           <a:p>
             <a:fld id="{A7601A20-E751-4D0C-AA95-928C4A20D2A8}" type="datetimeFigureOut">
               <a:rPr lang="en-US" smtClean="0"/>
-              <a:t>12/14/2022</a:t>
+              <a:t>12/15/2022</a:t>
             </a:fld>
             <a:endParaRPr lang="en-US"/>
           </a:p>
@@ -1150,7 +1154,7 @@
           <p:cNvPr id="5" name="Footer Placeholder 4">
             <a:extLst>
               <a:ext uri="{FF2B5EF4-FFF2-40B4-BE49-F238E27FC236}">
-                <a16:creationId xmlns:a16="http://schemas.microsoft.com/office/drawing/2014/main" xmlns="" id="{4B800480-B989-41E3-BB24-4F95BC7F30DF}"/>
+                <a16:creationId xmlns="" xmlns:a16="http://schemas.microsoft.com/office/drawing/2014/main" id="{4B800480-B989-41E3-BB24-4F95BC7F30DF}"/>
               </a:ext>
             </a:extLst>
           </p:cNvPr>
@@ -1175,7 +1179,7 @@
           <p:cNvPr id="6" name="Slide Number Placeholder 5">
             <a:extLst>
               <a:ext uri="{FF2B5EF4-FFF2-40B4-BE49-F238E27FC236}">
-                <a16:creationId xmlns:a16="http://schemas.microsoft.com/office/drawing/2014/main" xmlns="" id="{E3A40C82-A35A-4B94-9520-7102B9788B17}"/>
+                <a16:creationId xmlns="" xmlns:a16="http://schemas.microsoft.com/office/drawing/2014/main" id="{E3A40C82-A35A-4B94-9520-7102B9788B17}"/>
               </a:ext>
             </a:extLst>
           </p:cNvPr>
@@ -1234,7 +1238,7 @@
           <p:cNvPr id="2" name="Title 1">
             <a:extLst>
               <a:ext uri="{FF2B5EF4-FFF2-40B4-BE49-F238E27FC236}">
-                <a16:creationId xmlns:a16="http://schemas.microsoft.com/office/drawing/2014/main" xmlns="" id="{5138D9EE-BD9C-4124-946E-1C488D2F6995}"/>
+                <a16:creationId xmlns="" xmlns:a16="http://schemas.microsoft.com/office/drawing/2014/main" id="{5138D9EE-BD9C-4124-946E-1C488D2F6995}"/>
               </a:ext>
             </a:extLst>
           </p:cNvPr>
@@ -1262,7 +1266,7 @@
           <p:cNvPr id="3" name="Content Placeholder 2">
             <a:extLst>
               <a:ext uri="{FF2B5EF4-FFF2-40B4-BE49-F238E27FC236}">
-                <a16:creationId xmlns:a16="http://schemas.microsoft.com/office/drawing/2014/main" xmlns="" id="{563D3F4A-508E-4AAA-A2A4-9AA8752A6EE8}"/>
+                <a16:creationId xmlns="" xmlns:a16="http://schemas.microsoft.com/office/drawing/2014/main" id="{563D3F4A-508E-4AAA-A2A4-9AA8752A6EE8}"/>
               </a:ext>
             </a:extLst>
           </p:cNvPr>
@@ -1324,7 +1328,7 @@
           <p:cNvPr id="4" name="Content Placeholder 3">
             <a:extLst>
               <a:ext uri="{FF2B5EF4-FFF2-40B4-BE49-F238E27FC236}">
-                <a16:creationId xmlns:a16="http://schemas.microsoft.com/office/drawing/2014/main" xmlns="" id="{335B7C5A-8FA0-4282-BC14-C48E542857AA}"/>
+                <a16:creationId xmlns="" xmlns:a16="http://schemas.microsoft.com/office/drawing/2014/main" id="{335B7C5A-8FA0-4282-BC14-C48E542857AA}"/>
               </a:ext>
             </a:extLst>
           </p:cNvPr>
@@ -1386,7 +1390,7 @@
           <p:cNvPr id="5" name="Date Placeholder 4">
             <a:extLst>
               <a:ext uri="{FF2B5EF4-FFF2-40B4-BE49-F238E27FC236}">
-                <a16:creationId xmlns:a16="http://schemas.microsoft.com/office/drawing/2014/main" xmlns="" id="{8613015E-D1B2-4860-BFE8-A1333AF9AC14}"/>
+                <a16:creationId xmlns="" xmlns:a16="http://schemas.microsoft.com/office/drawing/2014/main" id="{8613015E-D1B2-4860-BFE8-A1333AF9AC14}"/>
               </a:ext>
             </a:extLst>
           </p:cNvPr>
@@ -1404,7 +1408,7 @@
           <a:p>
             <a:fld id="{A7601A20-E751-4D0C-AA95-928C4A20D2A8}" type="datetimeFigureOut">
               <a:rPr lang="en-US" smtClean="0"/>
-              <a:t>12/14/2022</a:t>
+              <a:t>12/15/2022</a:t>
             </a:fld>
             <a:endParaRPr lang="en-US"/>
           </a:p>
@@ -1415,7 +1419,7 @@
           <p:cNvPr id="6" name="Footer Placeholder 5">
             <a:extLst>
               <a:ext uri="{FF2B5EF4-FFF2-40B4-BE49-F238E27FC236}">
-                <a16:creationId xmlns:a16="http://schemas.microsoft.com/office/drawing/2014/main" xmlns="" id="{16867952-D090-43F7-B251-8FBC94F70CE7}"/>
+                <a16:creationId xmlns="" xmlns:a16="http://schemas.microsoft.com/office/drawing/2014/main" id="{16867952-D090-43F7-B251-8FBC94F70CE7}"/>
               </a:ext>
             </a:extLst>
           </p:cNvPr>
@@ -1440,7 +1444,7 @@
           <p:cNvPr id="7" name="Slide Number Placeholder 6">
             <a:extLst>
               <a:ext uri="{FF2B5EF4-FFF2-40B4-BE49-F238E27FC236}">
-                <a16:creationId xmlns:a16="http://schemas.microsoft.com/office/drawing/2014/main" xmlns="" id="{CB63D587-DE5B-4F51-BFD0-7D1DD3805F1E}"/>
+                <a16:creationId xmlns="" xmlns:a16="http://schemas.microsoft.com/office/drawing/2014/main" id="{CB63D587-DE5B-4F51-BFD0-7D1DD3805F1E}"/>
               </a:ext>
             </a:extLst>
           </p:cNvPr>
@@ -1499,7 +1503,7 @@
           <p:cNvPr id="2" name="Title 1">
             <a:extLst>
               <a:ext uri="{FF2B5EF4-FFF2-40B4-BE49-F238E27FC236}">
-                <a16:creationId xmlns:a16="http://schemas.microsoft.com/office/drawing/2014/main" xmlns="" id="{F93A0E2B-57DF-46FD-9AF3-736A439AA4D9}"/>
+                <a16:creationId xmlns="" xmlns:a16="http://schemas.microsoft.com/office/drawing/2014/main" id="{F93A0E2B-57DF-46FD-9AF3-736A439AA4D9}"/>
               </a:ext>
             </a:extLst>
           </p:cNvPr>
@@ -1532,7 +1536,7 @@
           <p:cNvPr id="3" name="Text Placeholder 2">
             <a:extLst>
               <a:ext uri="{FF2B5EF4-FFF2-40B4-BE49-F238E27FC236}">
-                <a16:creationId xmlns:a16="http://schemas.microsoft.com/office/drawing/2014/main" xmlns="" id="{7A590DBA-A726-4033-B7FC-016357C6D1B8}"/>
+                <a16:creationId xmlns="" xmlns:a16="http://schemas.microsoft.com/office/drawing/2014/main" id="{7A590DBA-A726-4033-B7FC-016357C6D1B8}"/>
               </a:ext>
             </a:extLst>
           </p:cNvPr>
@@ -1603,7 +1607,7 @@
           <p:cNvPr id="4" name="Content Placeholder 3">
             <a:extLst>
               <a:ext uri="{FF2B5EF4-FFF2-40B4-BE49-F238E27FC236}">
-                <a16:creationId xmlns:a16="http://schemas.microsoft.com/office/drawing/2014/main" xmlns="" id="{BA1815BD-88C1-4F4F-B790-606F34FB769F}"/>
+                <a16:creationId xmlns="" xmlns:a16="http://schemas.microsoft.com/office/drawing/2014/main" id="{BA1815BD-88C1-4F4F-B790-606F34FB769F}"/>
               </a:ext>
             </a:extLst>
           </p:cNvPr>
@@ -1665,7 +1669,7 @@
           <p:cNvPr id="5" name="Text Placeholder 4">
             <a:extLst>
               <a:ext uri="{FF2B5EF4-FFF2-40B4-BE49-F238E27FC236}">
-                <a16:creationId xmlns:a16="http://schemas.microsoft.com/office/drawing/2014/main" xmlns="" id="{38FCB64F-5C76-4910-9D48-B6E64ADF6CA0}"/>
+                <a16:creationId xmlns="" xmlns:a16="http://schemas.microsoft.com/office/drawing/2014/main" id="{38FCB64F-5C76-4910-9D48-B6E64ADF6CA0}"/>
               </a:ext>
             </a:extLst>
           </p:cNvPr>
@@ -1736,7 +1740,7 @@
           <p:cNvPr id="6" name="Content Placeholder 5">
             <a:extLst>
               <a:ext uri="{FF2B5EF4-FFF2-40B4-BE49-F238E27FC236}">
-                <a16:creationId xmlns:a16="http://schemas.microsoft.com/office/drawing/2014/main" xmlns="" id="{7766AC87-080F-4604-B1F7-C1E699DD0D30}"/>
+                <a16:creationId xmlns="" xmlns:a16="http://schemas.microsoft.com/office/drawing/2014/main" id="{7766AC87-080F-4604-B1F7-C1E699DD0D30}"/>
               </a:ext>
             </a:extLst>
           </p:cNvPr>
@@ -1798,7 +1802,7 @@
           <p:cNvPr id="7" name="Date Placeholder 6">
             <a:extLst>
               <a:ext uri="{FF2B5EF4-FFF2-40B4-BE49-F238E27FC236}">
-                <a16:creationId xmlns:a16="http://schemas.microsoft.com/office/drawing/2014/main" xmlns="" id="{9535FEA2-A7CE-4B49-BFDF-4784A2E35B05}"/>
+                <a16:creationId xmlns="" xmlns:a16="http://schemas.microsoft.com/office/drawing/2014/main" id="{9535FEA2-A7CE-4B49-BFDF-4784A2E35B05}"/>
               </a:ext>
             </a:extLst>
           </p:cNvPr>
@@ -1816,7 +1820,7 @@
           <a:p>
             <a:fld id="{A7601A20-E751-4D0C-AA95-928C4A20D2A8}" type="datetimeFigureOut">
               <a:rPr lang="en-US" smtClean="0"/>
-              <a:t>12/14/2022</a:t>
+              <a:t>12/15/2022</a:t>
             </a:fld>
             <a:endParaRPr lang="en-US"/>
           </a:p>
@@ -1827,7 +1831,7 @@
           <p:cNvPr id="8" name="Footer Placeholder 7">
             <a:extLst>
               <a:ext uri="{FF2B5EF4-FFF2-40B4-BE49-F238E27FC236}">
-                <a16:creationId xmlns:a16="http://schemas.microsoft.com/office/drawing/2014/main" xmlns="" id="{C485CF73-2663-46B6-B7BF-4620FBE2BB4D}"/>
+                <a16:creationId xmlns="" xmlns:a16="http://schemas.microsoft.com/office/drawing/2014/main" id="{C485CF73-2663-46B6-B7BF-4620FBE2BB4D}"/>
               </a:ext>
             </a:extLst>
           </p:cNvPr>
@@ -1852,7 +1856,7 @@
           <p:cNvPr id="9" name="Slide Number Placeholder 8">
             <a:extLst>
               <a:ext uri="{FF2B5EF4-FFF2-40B4-BE49-F238E27FC236}">
-                <a16:creationId xmlns:a16="http://schemas.microsoft.com/office/drawing/2014/main" xmlns="" id="{F3106E4A-06B9-4F01-9287-1B68D6EA4DA8}"/>
+                <a16:creationId xmlns="" xmlns:a16="http://schemas.microsoft.com/office/drawing/2014/main" id="{F3106E4A-06B9-4F01-9287-1B68D6EA4DA8}"/>
               </a:ext>
             </a:extLst>
           </p:cNvPr>
@@ -1911,7 +1915,7 @@
           <p:cNvPr id="2" name="Title 1">
             <a:extLst>
               <a:ext uri="{FF2B5EF4-FFF2-40B4-BE49-F238E27FC236}">
-                <a16:creationId xmlns:a16="http://schemas.microsoft.com/office/drawing/2014/main" xmlns="" id="{EE83140C-538C-4A73-B4BE-2B688EBCEE63}"/>
+                <a16:creationId xmlns="" xmlns:a16="http://schemas.microsoft.com/office/drawing/2014/main" id="{EE83140C-538C-4A73-B4BE-2B688EBCEE63}"/>
               </a:ext>
             </a:extLst>
           </p:cNvPr>
@@ -1939,7 +1943,7 @@
           <p:cNvPr id="3" name="Date Placeholder 2">
             <a:extLst>
               <a:ext uri="{FF2B5EF4-FFF2-40B4-BE49-F238E27FC236}">
-                <a16:creationId xmlns:a16="http://schemas.microsoft.com/office/drawing/2014/main" xmlns="" id="{D6798488-A914-47F9-97E8-CF86EEB5CD54}"/>
+                <a16:creationId xmlns="" xmlns:a16="http://schemas.microsoft.com/office/drawing/2014/main" id="{D6798488-A914-47F9-97E8-CF86EEB5CD54}"/>
               </a:ext>
             </a:extLst>
           </p:cNvPr>
@@ -1957,7 +1961,7 @@
           <a:p>
             <a:fld id="{A7601A20-E751-4D0C-AA95-928C4A20D2A8}" type="datetimeFigureOut">
               <a:rPr lang="en-US" smtClean="0"/>
-              <a:t>12/14/2022</a:t>
+              <a:t>12/15/2022</a:t>
             </a:fld>
             <a:endParaRPr lang="en-US"/>
           </a:p>
@@ -1968,7 +1972,7 @@
           <p:cNvPr id="4" name="Footer Placeholder 3">
             <a:extLst>
               <a:ext uri="{FF2B5EF4-FFF2-40B4-BE49-F238E27FC236}">
-                <a16:creationId xmlns:a16="http://schemas.microsoft.com/office/drawing/2014/main" xmlns="" id="{B658ACA3-A5E3-41D6-8623-6D545E13ACC4}"/>
+                <a16:creationId xmlns="" xmlns:a16="http://schemas.microsoft.com/office/drawing/2014/main" id="{B658ACA3-A5E3-41D6-8623-6D545E13ACC4}"/>
               </a:ext>
             </a:extLst>
           </p:cNvPr>
@@ -1993,7 +1997,7 @@
           <p:cNvPr id="5" name="Slide Number Placeholder 4">
             <a:extLst>
               <a:ext uri="{FF2B5EF4-FFF2-40B4-BE49-F238E27FC236}">
-                <a16:creationId xmlns:a16="http://schemas.microsoft.com/office/drawing/2014/main" xmlns="" id="{C0AD0F4F-976F-4631-9001-4AD937AE0EB9}"/>
+                <a16:creationId xmlns="" xmlns:a16="http://schemas.microsoft.com/office/drawing/2014/main" id="{C0AD0F4F-976F-4631-9001-4AD937AE0EB9}"/>
               </a:ext>
             </a:extLst>
           </p:cNvPr>
@@ -2052,7 +2056,7 @@
           <p:cNvPr id="2" name="Date Placeholder 1">
             <a:extLst>
               <a:ext uri="{FF2B5EF4-FFF2-40B4-BE49-F238E27FC236}">
-                <a16:creationId xmlns:a16="http://schemas.microsoft.com/office/drawing/2014/main" xmlns="" id="{2F83D825-D04A-4824-B233-908C8AF4ED1C}"/>
+                <a16:creationId xmlns="" xmlns:a16="http://schemas.microsoft.com/office/drawing/2014/main" id="{2F83D825-D04A-4824-B233-908C8AF4ED1C}"/>
               </a:ext>
             </a:extLst>
           </p:cNvPr>
@@ -2070,7 +2074,7 @@
           <a:p>
             <a:fld id="{A7601A20-E751-4D0C-AA95-928C4A20D2A8}" type="datetimeFigureOut">
               <a:rPr lang="en-US" smtClean="0"/>
-              <a:t>12/14/2022</a:t>
+              <a:t>12/15/2022</a:t>
             </a:fld>
             <a:endParaRPr lang="en-US"/>
           </a:p>
@@ -2081,7 +2085,7 @@
           <p:cNvPr id="3" name="Footer Placeholder 2">
             <a:extLst>
               <a:ext uri="{FF2B5EF4-FFF2-40B4-BE49-F238E27FC236}">
-                <a16:creationId xmlns:a16="http://schemas.microsoft.com/office/drawing/2014/main" xmlns="" id="{E652A4E7-F97B-4A7A-9D5D-3DA790F2111F}"/>
+                <a16:creationId xmlns="" xmlns:a16="http://schemas.microsoft.com/office/drawing/2014/main" id="{E652A4E7-F97B-4A7A-9D5D-3DA790F2111F}"/>
               </a:ext>
             </a:extLst>
           </p:cNvPr>
@@ -2106,7 +2110,7 @@
           <p:cNvPr id="4" name="Slide Number Placeholder 3">
             <a:extLst>
               <a:ext uri="{FF2B5EF4-FFF2-40B4-BE49-F238E27FC236}">
-                <a16:creationId xmlns:a16="http://schemas.microsoft.com/office/drawing/2014/main" xmlns="" id="{0BDE0E44-C768-46DC-878A-A6C694CEBC4B}"/>
+                <a16:creationId xmlns="" xmlns:a16="http://schemas.microsoft.com/office/drawing/2014/main" id="{0BDE0E44-C768-46DC-878A-A6C694CEBC4B}"/>
               </a:ext>
             </a:extLst>
           </p:cNvPr>
@@ -2165,7 +2169,7 @@
           <p:cNvPr id="2" name="Title 1">
             <a:extLst>
               <a:ext uri="{FF2B5EF4-FFF2-40B4-BE49-F238E27FC236}">
-                <a16:creationId xmlns:a16="http://schemas.microsoft.com/office/drawing/2014/main" xmlns="" id="{36389F37-379C-473A-BEEF-DD553540413C}"/>
+                <a16:creationId xmlns="" xmlns:a16="http://schemas.microsoft.com/office/drawing/2014/main" id="{36389F37-379C-473A-BEEF-DD553540413C}"/>
               </a:ext>
             </a:extLst>
           </p:cNvPr>
@@ -2202,7 +2206,7 @@
           <p:cNvPr id="3" name="Content Placeholder 2">
             <a:extLst>
               <a:ext uri="{FF2B5EF4-FFF2-40B4-BE49-F238E27FC236}">
-                <a16:creationId xmlns:a16="http://schemas.microsoft.com/office/drawing/2014/main" xmlns="" id="{877FAC26-264A-42C2-960A-9C0F854169BC}"/>
+                <a16:creationId xmlns="" xmlns:a16="http://schemas.microsoft.com/office/drawing/2014/main" id="{877FAC26-264A-42C2-960A-9C0F854169BC}"/>
               </a:ext>
             </a:extLst>
           </p:cNvPr>
@@ -2292,7 +2296,7 @@
           <p:cNvPr id="4" name="Text Placeholder 3">
             <a:extLst>
               <a:ext uri="{FF2B5EF4-FFF2-40B4-BE49-F238E27FC236}">
-                <a16:creationId xmlns:a16="http://schemas.microsoft.com/office/drawing/2014/main" xmlns="" id="{C34BD897-A224-4106-959D-B3BD2A6674F5}"/>
+                <a16:creationId xmlns="" xmlns:a16="http://schemas.microsoft.com/office/drawing/2014/main" id="{C34BD897-A224-4106-959D-B3BD2A6674F5}"/>
               </a:ext>
             </a:extLst>
           </p:cNvPr>
@@ -2363,7 +2367,7 @@
           <p:cNvPr id="5" name="Date Placeholder 4">
             <a:extLst>
               <a:ext uri="{FF2B5EF4-FFF2-40B4-BE49-F238E27FC236}">
-                <a16:creationId xmlns:a16="http://schemas.microsoft.com/office/drawing/2014/main" xmlns="" id="{C15F480A-386A-4B9E-8589-EE13C10CED53}"/>
+                <a16:creationId xmlns="" xmlns:a16="http://schemas.microsoft.com/office/drawing/2014/main" id="{C15F480A-386A-4B9E-8589-EE13C10CED53}"/>
               </a:ext>
             </a:extLst>
           </p:cNvPr>
@@ -2381,7 +2385,7 @@
           <a:p>
             <a:fld id="{A7601A20-E751-4D0C-AA95-928C4A20D2A8}" type="datetimeFigureOut">
               <a:rPr lang="en-US" smtClean="0"/>
-              <a:t>12/14/2022</a:t>
+              <a:t>12/15/2022</a:t>
             </a:fld>
             <a:endParaRPr lang="en-US"/>
           </a:p>
@@ -2392,7 +2396,7 @@
           <p:cNvPr id="6" name="Footer Placeholder 5">
             <a:extLst>
               <a:ext uri="{FF2B5EF4-FFF2-40B4-BE49-F238E27FC236}">
-                <a16:creationId xmlns:a16="http://schemas.microsoft.com/office/drawing/2014/main" xmlns="" id="{2C64E1F3-FB75-4925-848D-A8F8D4200D61}"/>
+                <a16:creationId xmlns="" xmlns:a16="http://schemas.microsoft.com/office/drawing/2014/main" id="{2C64E1F3-FB75-4925-848D-A8F8D4200D61}"/>
               </a:ext>
             </a:extLst>
           </p:cNvPr>
@@ -2417,7 +2421,7 @@
           <p:cNvPr id="7" name="Slide Number Placeholder 6">
             <a:extLst>
               <a:ext uri="{FF2B5EF4-FFF2-40B4-BE49-F238E27FC236}">
-                <a16:creationId xmlns:a16="http://schemas.microsoft.com/office/drawing/2014/main" xmlns="" id="{24C69DD5-99A9-489E-B729-CD8CCF60E04B}"/>
+                <a16:creationId xmlns="" xmlns:a16="http://schemas.microsoft.com/office/drawing/2014/main" id="{24C69DD5-99A9-489E-B729-CD8CCF60E04B}"/>
               </a:ext>
             </a:extLst>
           </p:cNvPr>
@@ -2476,7 +2480,7 @@
           <p:cNvPr id="2" name="Title 1">
             <a:extLst>
               <a:ext uri="{FF2B5EF4-FFF2-40B4-BE49-F238E27FC236}">
-                <a16:creationId xmlns:a16="http://schemas.microsoft.com/office/drawing/2014/main" xmlns="" id="{7057192C-3063-40E4-BD3D-C8652016F3D4}"/>
+                <a16:creationId xmlns="" xmlns:a16="http://schemas.microsoft.com/office/drawing/2014/main" id="{7057192C-3063-40E4-BD3D-C8652016F3D4}"/>
               </a:ext>
             </a:extLst>
           </p:cNvPr>
@@ -2513,7 +2517,7 @@
           <p:cNvPr id="3" name="Picture Placeholder 2">
             <a:extLst>
               <a:ext uri="{FF2B5EF4-FFF2-40B4-BE49-F238E27FC236}">
-                <a16:creationId xmlns:a16="http://schemas.microsoft.com/office/drawing/2014/main" xmlns="" id="{27CC8CE9-6CB1-4E66-91E6-D2902C7ECA0C}"/>
+                <a16:creationId xmlns="" xmlns:a16="http://schemas.microsoft.com/office/drawing/2014/main" id="{27CC8CE9-6CB1-4E66-91E6-D2902C7ECA0C}"/>
               </a:ext>
             </a:extLst>
           </p:cNvPr>
@@ -2580,7 +2584,7 @@
           <p:cNvPr id="4" name="Text Placeholder 3">
             <a:extLst>
               <a:ext uri="{FF2B5EF4-FFF2-40B4-BE49-F238E27FC236}">
-                <a16:creationId xmlns:a16="http://schemas.microsoft.com/office/drawing/2014/main" xmlns="" id="{34EBC3EB-FA99-4D2B-BA9E-115794C52A0B}"/>
+                <a16:creationId xmlns="" xmlns:a16="http://schemas.microsoft.com/office/drawing/2014/main" id="{34EBC3EB-FA99-4D2B-BA9E-115794C52A0B}"/>
               </a:ext>
             </a:extLst>
           </p:cNvPr>
@@ -2651,7 +2655,7 @@
           <p:cNvPr id="5" name="Date Placeholder 4">
             <a:extLst>
               <a:ext uri="{FF2B5EF4-FFF2-40B4-BE49-F238E27FC236}">
-                <a16:creationId xmlns:a16="http://schemas.microsoft.com/office/drawing/2014/main" xmlns="" id="{50026BA5-644D-4153-A9B5-48A8A7A6C3D7}"/>
+                <a16:creationId xmlns="" xmlns:a16="http://schemas.microsoft.com/office/drawing/2014/main" id="{50026BA5-644D-4153-A9B5-48A8A7A6C3D7}"/>
               </a:ext>
             </a:extLst>
           </p:cNvPr>
@@ -2669,7 +2673,7 @@
           <a:p>
             <a:fld id="{A7601A20-E751-4D0C-AA95-928C4A20D2A8}" type="datetimeFigureOut">
               <a:rPr lang="en-US" smtClean="0"/>
-              <a:t>12/14/2022</a:t>
+              <a:t>12/15/2022</a:t>
             </a:fld>
             <a:endParaRPr lang="en-US"/>
           </a:p>
@@ -2680,7 +2684,7 @@
           <p:cNvPr id="6" name="Footer Placeholder 5">
             <a:extLst>
               <a:ext uri="{FF2B5EF4-FFF2-40B4-BE49-F238E27FC236}">
-                <a16:creationId xmlns:a16="http://schemas.microsoft.com/office/drawing/2014/main" xmlns="" id="{94CA0B9F-CF0E-4506-8947-9385DCF155AE}"/>
+                <a16:creationId xmlns="" xmlns:a16="http://schemas.microsoft.com/office/drawing/2014/main" id="{94CA0B9F-CF0E-4506-8947-9385DCF155AE}"/>
               </a:ext>
             </a:extLst>
           </p:cNvPr>
@@ -2705,7 +2709,7 @@
           <p:cNvPr id="7" name="Slide Number Placeholder 6">
             <a:extLst>
               <a:ext uri="{FF2B5EF4-FFF2-40B4-BE49-F238E27FC236}">
-                <a16:creationId xmlns:a16="http://schemas.microsoft.com/office/drawing/2014/main" xmlns="" id="{15B24289-F684-490E-ADDB-70E1A8EA7919}"/>
+                <a16:creationId xmlns="" xmlns:a16="http://schemas.microsoft.com/office/drawing/2014/main" id="{15B24289-F684-490E-ADDB-70E1A8EA7919}"/>
               </a:ext>
             </a:extLst>
           </p:cNvPr>
@@ -2769,7 +2773,7 @@
           <p:cNvPr id="2" name="Title Placeholder 1">
             <a:extLst>
               <a:ext uri="{FF2B5EF4-FFF2-40B4-BE49-F238E27FC236}">
-                <a16:creationId xmlns:a16="http://schemas.microsoft.com/office/drawing/2014/main" xmlns="" id="{787601F8-30EB-445F-BB25-544BBA671DDC}"/>
+                <a16:creationId xmlns="" xmlns:a16="http://schemas.microsoft.com/office/drawing/2014/main" id="{787601F8-30EB-445F-BB25-544BBA671DDC}"/>
               </a:ext>
             </a:extLst>
           </p:cNvPr>
@@ -2807,7 +2811,7 @@
           <p:cNvPr id="3" name="Text Placeholder 2">
             <a:extLst>
               <a:ext uri="{FF2B5EF4-FFF2-40B4-BE49-F238E27FC236}">
-                <a16:creationId xmlns:a16="http://schemas.microsoft.com/office/drawing/2014/main" xmlns="" id="{4BFF48A4-E9FF-4BBB-B5E2-07DFA7578CAC}"/>
+                <a16:creationId xmlns="" xmlns:a16="http://schemas.microsoft.com/office/drawing/2014/main" id="{4BFF48A4-E9FF-4BBB-B5E2-07DFA7578CAC}"/>
               </a:ext>
             </a:extLst>
           </p:cNvPr>
@@ -2874,7 +2878,7 @@
           <p:cNvPr id="4" name="Date Placeholder 3">
             <a:extLst>
               <a:ext uri="{FF2B5EF4-FFF2-40B4-BE49-F238E27FC236}">
-                <a16:creationId xmlns:a16="http://schemas.microsoft.com/office/drawing/2014/main" xmlns="" id="{3AEB7B35-7FF9-4A34-98BE-9D2E4B890A69}"/>
+                <a16:creationId xmlns="" xmlns:a16="http://schemas.microsoft.com/office/drawing/2014/main" id="{3AEB7B35-7FF9-4A34-98BE-9D2E4B890A69}"/>
               </a:ext>
             </a:extLst>
           </p:cNvPr>
@@ -2910,7 +2914,7 @@
           <a:p>
             <a:fld id="{A7601A20-E751-4D0C-AA95-928C4A20D2A8}" type="datetimeFigureOut">
               <a:rPr lang="en-US" smtClean="0"/>
-              <a:t>12/14/2022</a:t>
+              <a:t>12/15/2022</a:t>
             </a:fld>
             <a:endParaRPr lang="en-US"/>
           </a:p>
@@ -2921,7 +2925,7 @@
           <p:cNvPr id="5" name="Footer Placeholder 4">
             <a:extLst>
               <a:ext uri="{FF2B5EF4-FFF2-40B4-BE49-F238E27FC236}">
-                <a16:creationId xmlns:a16="http://schemas.microsoft.com/office/drawing/2014/main" xmlns="" id="{AD88754E-619C-4ED4-A306-94CD514E172B}"/>
+                <a16:creationId xmlns="" xmlns:a16="http://schemas.microsoft.com/office/drawing/2014/main" id="{AD88754E-619C-4ED4-A306-94CD514E172B}"/>
               </a:ext>
             </a:extLst>
           </p:cNvPr>
@@ -2964,7 +2968,7 @@
           <p:cNvPr id="6" name="Slide Number Placeholder 5">
             <a:extLst>
               <a:ext uri="{FF2B5EF4-FFF2-40B4-BE49-F238E27FC236}">
-                <a16:creationId xmlns:a16="http://schemas.microsoft.com/office/drawing/2014/main" xmlns="" id="{6201B1A5-05C7-471D-B66C-BAFDB12A6368}"/>
+                <a16:creationId xmlns="" xmlns:a16="http://schemas.microsoft.com/office/drawing/2014/main" id="{6201B1A5-05C7-471D-B66C-BAFDB12A6368}"/>
               </a:ext>
             </a:extLst>
           </p:cNvPr>
@@ -3313,6 +3317,3467 @@
 <file path=ppt/slides/slide1.xml><?xml version="1.0" encoding="utf-8"?>
 <p:sld xmlns:a="http://schemas.openxmlformats.org/drawingml/2006/main" xmlns:r="http://schemas.openxmlformats.org/officeDocument/2006/relationships" xmlns:p="http://schemas.openxmlformats.org/presentationml/2006/main">
   <p:cSld>
+    <p:spTree>
+      <p:nvGrpSpPr>
+        <p:cNvPr id="1" name=""/>
+        <p:cNvGrpSpPr/>
+        <p:nvPr/>
+      </p:nvGrpSpPr>
+      <p:grpSpPr>
+        <a:xfrm>
+          <a:off x="0" y="0"/>
+          <a:ext cx="0" cy="0"/>
+          <a:chOff x="0" y="0"/>
+          <a:chExt cx="0" cy="0"/>
+        </a:xfrm>
+      </p:grpSpPr>
+      <p:sp>
+        <p:nvSpPr>
+          <p:cNvPr id="51" name="TextBox 50">
+            <a:extLst>
+              <a:ext uri="{FF2B5EF4-FFF2-40B4-BE49-F238E27FC236}">
+                <a16:creationId xmlns:a16="http://schemas.microsoft.com/office/drawing/2014/main" xmlns="" id="{8EA1775C-4F3E-48E1-B6E9-E4D411D27BE2}"/>
+              </a:ext>
+            </a:extLst>
+          </p:cNvPr>
+          <p:cNvSpPr txBox="1"/>
+          <p:nvPr/>
+        </p:nvSpPr>
+        <p:spPr>
+          <a:xfrm>
+            <a:off x="1933768" y="2410870"/>
+            <a:ext cx="8314989" cy="1862048"/>
+          </a:xfrm>
+          <a:prstGeom prst="rect">
+            <a:avLst/>
+          </a:prstGeom>
+          <a:noFill/>
+        </p:spPr>
+        <p:txBody>
+          <a:bodyPr wrap="square" rtlCol="0">
+            <a:spAutoFit/>
+          </a:bodyPr>
+          <a:lstStyle/>
+          <a:p>
+            <a:r>
+              <a:rPr lang="en-US" sz="11500" i="1" dirty="0">
+                <a:solidFill>
+                  <a:srgbClr val="FFC000"/>
+                </a:solidFill>
+                <a:latin typeface="Bauhaus 93" panose="04030905020B02020C02" pitchFamily="82" charset="0"/>
+              </a:rPr>
+              <a:t>INTRO SLIDE</a:t>
+            </a:r>
+          </a:p>
+        </p:txBody>
+      </p:sp>
+      <p:sp>
+        <p:nvSpPr>
+          <p:cNvPr id="3" name="Parallelogram 2">
+            <a:extLst>
+              <a:ext uri="{FF2B5EF4-FFF2-40B4-BE49-F238E27FC236}">
+                <a16:creationId xmlns:a16="http://schemas.microsoft.com/office/drawing/2014/main" xmlns="" id="{F8405543-FED1-4BC5-9E5F-3AB703C435CE}"/>
+              </a:ext>
+            </a:extLst>
+          </p:cNvPr>
+          <p:cNvSpPr/>
+          <p:nvPr/>
+        </p:nvSpPr>
+        <p:spPr>
+          <a:xfrm>
+            <a:off x="9870620" y="2789788"/>
+            <a:ext cx="2595153" cy="1243418"/>
+          </a:xfrm>
+          <a:prstGeom prst="parallelogram">
+            <a:avLst>
+              <a:gd name="adj" fmla="val 31258"/>
+            </a:avLst>
+          </a:prstGeom>
+          <a:solidFill>
+            <a:schemeClr val="bg1"/>
+          </a:solidFill>
+          <a:ln>
+            <a:noFill/>
+          </a:ln>
+        </p:spPr>
+        <p:style>
+          <a:lnRef idx="2">
+            <a:schemeClr val="accent1">
+              <a:shade val="50000"/>
+            </a:schemeClr>
+          </a:lnRef>
+          <a:fillRef idx="1">
+            <a:schemeClr val="accent1"/>
+          </a:fillRef>
+          <a:effectRef idx="0">
+            <a:schemeClr val="accent1"/>
+          </a:effectRef>
+          <a:fontRef idx="minor">
+            <a:schemeClr val="lt1"/>
+          </a:fontRef>
+        </p:style>
+        <p:txBody>
+          <a:bodyPr rtlCol="0" anchor="ctr"/>
+          <a:lstStyle/>
+          <a:p>
+            <a:pPr algn="ctr"/>
+            <a:endParaRPr lang="en-US"/>
+          </a:p>
+        </p:txBody>
+      </p:sp>
+      <p:sp>
+        <p:nvSpPr>
+          <p:cNvPr id="52" name="TextBox 51">
+            <a:extLst>
+              <a:ext uri="{FF2B5EF4-FFF2-40B4-BE49-F238E27FC236}">
+                <a16:creationId xmlns:a16="http://schemas.microsoft.com/office/drawing/2014/main" xmlns="" id="{09D9486B-E203-4D81-A5DB-48145021A581}"/>
+              </a:ext>
+            </a:extLst>
+          </p:cNvPr>
+          <p:cNvSpPr txBox="1"/>
+          <p:nvPr/>
+        </p:nvSpPr>
+        <p:spPr>
+          <a:xfrm>
+            <a:off x="2741538" y="2270752"/>
+            <a:ext cx="3412670" cy="523220"/>
+          </a:xfrm>
+          <a:prstGeom prst="rect">
+            <a:avLst/>
+          </a:prstGeom>
+          <a:noFill/>
+        </p:spPr>
+        <p:txBody>
+          <a:bodyPr wrap="square" rtlCol="0">
+            <a:spAutoFit/>
+          </a:bodyPr>
+          <a:lstStyle/>
+          <a:p>
+            <a:r>
+              <a:rPr lang="en-US" sz="2800" i="1" dirty="0">
+                <a:solidFill>
+                  <a:srgbClr val="FFC000"/>
+                </a:solidFill>
+                <a:latin typeface="Bauhaus 93" panose="04030905020B02020C02" pitchFamily="82" charset="0"/>
+              </a:rPr>
+              <a:t>MOTION GRAPHIC</a:t>
+            </a:r>
+          </a:p>
+        </p:txBody>
+      </p:sp>
+      <p:sp>
+        <p:nvSpPr>
+          <p:cNvPr id="2" name="Rectangle 1">
+            <a:extLst>
+              <a:ext uri="{FF2B5EF4-FFF2-40B4-BE49-F238E27FC236}">
+                <a16:creationId xmlns:a16="http://schemas.microsoft.com/office/drawing/2014/main" xmlns="" id="{DD1B5C33-3520-4E4F-8C91-134EAED5032D}"/>
+              </a:ext>
+            </a:extLst>
+          </p:cNvPr>
+          <p:cNvSpPr/>
+          <p:nvPr/>
+        </p:nvSpPr>
+        <p:spPr>
+          <a:xfrm>
+            <a:off x="-76200" y="2312671"/>
+            <a:ext cx="2970210" cy="367220"/>
+          </a:xfrm>
+          <a:custGeom>
+            <a:avLst/>
+            <a:gdLst>
+              <a:gd name="connsiteX0" fmla="*/ 0 w 3596640"/>
+              <a:gd name="connsiteY0" fmla="*/ 0 h 461665"/>
+              <a:gd name="connsiteX1" fmla="*/ 3596640 w 3596640"/>
+              <a:gd name="connsiteY1" fmla="*/ 0 h 461665"/>
+              <a:gd name="connsiteX2" fmla="*/ 3596640 w 3596640"/>
+              <a:gd name="connsiteY2" fmla="*/ 461665 h 461665"/>
+              <a:gd name="connsiteX3" fmla="*/ 0 w 3596640"/>
+              <a:gd name="connsiteY3" fmla="*/ 461665 h 461665"/>
+              <a:gd name="connsiteX4" fmla="*/ 0 w 3596640"/>
+              <a:gd name="connsiteY4" fmla="*/ 0 h 461665"/>
+              <a:gd name="connsiteX0" fmla="*/ 0 w 3720465"/>
+              <a:gd name="connsiteY0" fmla="*/ 0 h 461665"/>
+              <a:gd name="connsiteX1" fmla="*/ 3720465 w 3720465"/>
+              <a:gd name="connsiteY1" fmla="*/ 79375 h 461665"/>
+              <a:gd name="connsiteX2" fmla="*/ 3596640 w 3720465"/>
+              <a:gd name="connsiteY2" fmla="*/ 461665 h 461665"/>
+              <a:gd name="connsiteX3" fmla="*/ 0 w 3720465"/>
+              <a:gd name="connsiteY3" fmla="*/ 461665 h 461665"/>
+              <a:gd name="connsiteX4" fmla="*/ 0 w 3720465"/>
+              <a:gd name="connsiteY4" fmla="*/ 0 h 461665"/>
+              <a:gd name="connsiteX0" fmla="*/ 0 w 3726815"/>
+              <a:gd name="connsiteY0" fmla="*/ 0 h 407690"/>
+              <a:gd name="connsiteX1" fmla="*/ 3726815 w 3726815"/>
+              <a:gd name="connsiteY1" fmla="*/ 25400 h 407690"/>
+              <a:gd name="connsiteX2" fmla="*/ 3602990 w 3726815"/>
+              <a:gd name="connsiteY2" fmla="*/ 407690 h 407690"/>
+              <a:gd name="connsiteX3" fmla="*/ 6350 w 3726815"/>
+              <a:gd name="connsiteY3" fmla="*/ 407690 h 407690"/>
+              <a:gd name="connsiteX4" fmla="*/ 0 w 3726815"/>
+              <a:gd name="connsiteY4" fmla="*/ 0 h 407690"/>
+            </a:gdLst>
+            <a:ahLst/>
+            <a:cxnLst>
+              <a:cxn ang="0">
+                <a:pos x="connsiteX0" y="connsiteY0"/>
+              </a:cxn>
+              <a:cxn ang="0">
+                <a:pos x="connsiteX1" y="connsiteY1"/>
+              </a:cxn>
+              <a:cxn ang="0">
+                <a:pos x="connsiteX2" y="connsiteY2"/>
+              </a:cxn>
+              <a:cxn ang="0">
+                <a:pos x="connsiteX3" y="connsiteY3"/>
+              </a:cxn>
+              <a:cxn ang="0">
+                <a:pos x="connsiteX4" y="connsiteY4"/>
+              </a:cxn>
+            </a:cxnLst>
+            <a:rect l="l" t="t" r="r" b="b"/>
+            <a:pathLst>
+              <a:path w="3726815" h="407690">
+                <a:moveTo>
+                  <a:pt x="0" y="0"/>
+                </a:moveTo>
+                <a:lnTo>
+                  <a:pt x="3726815" y="25400"/>
+                </a:lnTo>
+                <a:lnTo>
+                  <a:pt x="3602990" y="407690"/>
+                </a:lnTo>
+                <a:lnTo>
+                  <a:pt x="6350" y="407690"/>
+                </a:lnTo>
+                <a:lnTo>
+                  <a:pt x="0" y="0"/>
+                </a:lnTo>
+                <a:close/>
+              </a:path>
+            </a:pathLst>
+          </a:custGeom>
+          <a:solidFill>
+            <a:schemeClr val="bg1"/>
+          </a:solidFill>
+          <a:ln>
+            <a:noFill/>
+          </a:ln>
+        </p:spPr>
+        <p:style>
+          <a:lnRef idx="2">
+            <a:schemeClr val="accent1">
+              <a:shade val="50000"/>
+            </a:schemeClr>
+          </a:lnRef>
+          <a:fillRef idx="1">
+            <a:schemeClr val="accent1"/>
+          </a:fillRef>
+          <a:effectRef idx="0">
+            <a:schemeClr val="accent1"/>
+          </a:effectRef>
+          <a:fontRef idx="minor">
+            <a:schemeClr val="lt1"/>
+          </a:fontRef>
+        </p:style>
+        <p:txBody>
+          <a:bodyPr rtlCol="0" anchor="ctr"/>
+          <a:lstStyle/>
+          <a:p>
+            <a:pPr algn="ctr"/>
+            <a:endParaRPr lang="en-US">
+              <a:solidFill>
+                <a:srgbClr val="FFC000"/>
+              </a:solidFill>
+            </a:endParaRPr>
+          </a:p>
+        </p:txBody>
+      </p:sp>
+      <p:sp>
+        <p:nvSpPr>
+          <p:cNvPr id="25" name="Rectangle 24">
+            <a:extLst>
+              <a:ext uri="{FF2B5EF4-FFF2-40B4-BE49-F238E27FC236}">
+                <a16:creationId xmlns:a16="http://schemas.microsoft.com/office/drawing/2014/main" xmlns="" id="{B30428DC-CD6B-4B64-A597-5CB482713C49}"/>
+              </a:ext>
+            </a:extLst>
+          </p:cNvPr>
+          <p:cNvSpPr/>
+          <p:nvPr/>
+        </p:nvSpPr>
+        <p:spPr>
+          <a:xfrm>
+            <a:off x="1675727" y="4087380"/>
+            <a:ext cx="4888706" cy="145258"/>
+          </a:xfrm>
+          <a:custGeom>
+            <a:avLst/>
+            <a:gdLst>
+              <a:gd name="connsiteX0" fmla="*/ 0 w 4857750"/>
+              <a:gd name="connsiteY0" fmla="*/ 0 h 142877"/>
+              <a:gd name="connsiteX1" fmla="*/ 4857750 w 4857750"/>
+              <a:gd name="connsiteY1" fmla="*/ 0 h 142877"/>
+              <a:gd name="connsiteX2" fmla="*/ 4857750 w 4857750"/>
+              <a:gd name="connsiteY2" fmla="*/ 142877 h 142877"/>
+              <a:gd name="connsiteX3" fmla="*/ 0 w 4857750"/>
+              <a:gd name="connsiteY3" fmla="*/ 142877 h 142877"/>
+              <a:gd name="connsiteX4" fmla="*/ 0 w 4857750"/>
+              <a:gd name="connsiteY4" fmla="*/ 0 h 142877"/>
+              <a:gd name="connsiteX0" fmla="*/ 0 w 4888706"/>
+              <a:gd name="connsiteY0" fmla="*/ 2381 h 145258"/>
+              <a:gd name="connsiteX1" fmla="*/ 4888706 w 4888706"/>
+              <a:gd name="connsiteY1" fmla="*/ 0 h 145258"/>
+              <a:gd name="connsiteX2" fmla="*/ 4857750 w 4888706"/>
+              <a:gd name="connsiteY2" fmla="*/ 145258 h 145258"/>
+              <a:gd name="connsiteX3" fmla="*/ 0 w 4888706"/>
+              <a:gd name="connsiteY3" fmla="*/ 145258 h 145258"/>
+              <a:gd name="connsiteX4" fmla="*/ 0 w 4888706"/>
+              <a:gd name="connsiteY4" fmla="*/ 2381 h 145258"/>
+            </a:gdLst>
+            <a:ahLst/>
+            <a:cxnLst>
+              <a:cxn ang="0">
+                <a:pos x="connsiteX0" y="connsiteY0"/>
+              </a:cxn>
+              <a:cxn ang="0">
+                <a:pos x="connsiteX1" y="connsiteY1"/>
+              </a:cxn>
+              <a:cxn ang="0">
+                <a:pos x="connsiteX2" y="connsiteY2"/>
+              </a:cxn>
+              <a:cxn ang="0">
+                <a:pos x="connsiteX3" y="connsiteY3"/>
+              </a:cxn>
+              <a:cxn ang="0">
+                <a:pos x="connsiteX4" y="connsiteY4"/>
+              </a:cxn>
+            </a:cxnLst>
+            <a:rect l="l" t="t" r="r" b="b"/>
+            <a:pathLst>
+              <a:path w="4888706" h="145258">
+                <a:moveTo>
+                  <a:pt x="0" y="2381"/>
+                </a:moveTo>
+                <a:lnTo>
+                  <a:pt x="4888706" y="0"/>
+                </a:lnTo>
+                <a:lnTo>
+                  <a:pt x="4857750" y="145258"/>
+                </a:lnTo>
+                <a:lnTo>
+                  <a:pt x="0" y="145258"/>
+                </a:lnTo>
+                <a:lnTo>
+                  <a:pt x="0" y="2381"/>
+                </a:lnTo>
+                <a:close/>
+              </a:path>
+            </a:pathLst>
+          </a:custGeom>
+          <a:gradFill flip="none" rotWithShape="1">
+            <a:gsLst>
+              <a:gs pos="0">
+                <a:srgbClr val="FFC000"/>
+              </a:gs>
+              <a:gs pos="100000">
+                <a:schemeClr val="accent4"/>
+              </a:gs>
+            </a:gsLst>
+            <a:lin ang="2700000" scaled="1"/>
+            <a:tileRect/>
+          </a:gradFill>
+          <a:ln>
+            <a:noFill/>
+          </a:ln>
+        </p:spPr>
+        <p:style>
+          <a:lnRef idx="2">
+            <a:schemeClr val="accent1">
+              <a:shade val="50000"/>
+            </a:schemeClr>
+          </a:lnRef>
+          <a:fillRef idx="1">
+            <a:schemeClr val="accent1"/>
+          </a:fillRef>
+          <a:effectRef idx="0">
+            <a:schemeClr val="accent1"/>
+          </a:effectRef>
+          <a:fontRef idx="minor">
+            <a:schemeClr val="lt1"/>
+          </a:fontRef>
+        </p:style>
+        <p:txBody>
+          <a:bodyPr rtlCol="0" anchor="ctr"/>
+          <a:lstStyle/>
+          <a:p>
+            <a:pPr algn="ctr"/>
+            <a:endParaRPr lang="en-US"/>
+          </a:p>
+        </p:txBody>
+      </p:sp>
+      <p:sp>
+        <p:nvSpPr>
+          <p:cNvPr id="26" name="Rectangle 25">
+            <a:extLst>
+              <a:ext uri="{FF2B5EF4-FFF2-40B4-BE49-F238E27FC236}">
+                <a16:creationId xmlns:a16="http://schemas.microsoft.com/office/drawing/2014/main" xmlns="" id="{12603F24-BCD4-42A7-94F9-A0414B59999F}"/>
+              </a:ext>
+            </a:extLst>
+          </p:cNvPr>
+          <p:cNvSpPr/>
+          <p:nvPr/>
+        </p:nvSpPr>
+        <p:spPr>
+          <a:xfrm rot="17367765">
+            <a:off x="1023870" y="3282701"/>
+            <a:ext cx="1904937" cy="142877"/>
+          </a:xfrm>
+          <a:custGeom>
+            <a:avLst/>
+            <a:gdLst>
+              <a:gd name="connsiteX0" fmla="*/ 0 w 2028771"/>
+              <a:gd name="connsiteY0" fmla="*/ 0 h 142877"/>
+              <a:gd name="connsiteX1" fmla="*/ 2028771 w 2028771"/>
+              <a:gd name="connsiteY1" fmla="*/ 0 h 142877"/>
+              <a:gd name="connsiteX2" fmla="*/ 2028771 w 2028771"/>
+              <a:gd name="connsiteY2" fmla="*/ 142877 h 142877"/>
+              <a:gd name="connsiteX3" fmla="*/ 0 w 2028771"/>
+              <a:gd name="connsiteY3" fmla="*/ 142877 h 142877"/>
+              <a:gd name="connsiteX4" fmla="*/ 0 w 2028771"/>
+              <a:gd name="connsiteY4" fmla="*/ 0 h 142877"/>
+              <a:gd name="connsiteX0" fmla="*/ 0 w 2052200"/>
+              <a:gd name="connsiteY0" fmla="*/ 4258 h 142877"/>
+              <a:gd name="connsiteX1" fmla="*/ 2052200 w 2052200"/>
+              <a:gd name="connsiteY1" fmla="*/ 0 h 142877"/>
+              <a:gd name="connsiteX2" fmla="*/ 2052200 w 2052200"/>
+              <a:gd name="connsiteY2" fmla="*/ 142877 h 142877"/>
+              <a:gd name="connsiteX3" fmla="*/ 23429 w 2052200"/>
+              <a:gd name="connsiteY3" fmla="*/ 142877 h 142877"/>
+              <a:gd name="connsiteX4" fmla="*/ 0 w 2052200"/>
+              <a:gd name="connsiteY4" fmla="*/ 4258 h 142877"/>
+              <a:gd name="connsiteX0" fmla="*/ 0 w 2123244"/>
+              <a:gd name="connsiteY0" fmla="*/ 9694 h 142877"/>
+              <a:gd name="connsiteX1" fmla="*/ 2123244 w 2123244"/>
+              <a:gd name="connsiteY1" fmla="*/ 0 h 142877"/>
+              <a:gd name="connsiteX2" fmla="*/ 2123244 w 2123244"/>
+              <a:gd name="connsiteY2" fmla="*/ 142877 h 142877"/>
+              <a:gd name="connsiteX3" fmla="*/ 94473 w 2123244"/>
+              <a:gd name="connsiteY3" fmla="*/ 142877 h 142877"/>
+              <a:gd name="connsiteX4" fmla="*/ 0 w 2123244"/>
+              <a:gd name="connsiteY4" fmla="*/ 9694 h 142877"/>
+              <a:gd name="connsiteX0" fmla="*/ 0 w 2123244"/>
+              <a:gd name="connsiteY0" fmla="*/ 9694 h 142877"/>
+              <a:gd name="connsiteX1" fmla="*/ 2123244 w 2123244"/>
+              <a:gd name="connsiteY1" fmla="*/ 0 h 142877"/>
+              <a:gd name="connsiteX2" fmla="*/ 2123244 w 2123244"/>
+              <a:gd name="connsiteY2" fmla="*/ 142877 h 142877"/>
+              <a:gd name="connsiteX3" fmla="*/ 65099 w 2123244"/>
+              <a:gd name="connsiteY3" fmla="*/ 140244 h 142877"/>
+              <a:gd name="connsiteX4" fmla="*/ 0 w 2123244"/>
+              <a:gd name="connsiteY4" fmla="*/ 9694 h 142877"/>
+              <a:gd name="connsiteX0" fmla="*/ -1 w 2127466"/>
+              <a:gd name="connsiteY0" fmla="*/ 8242 h 142877"/>
+              <a:gd name="connsiteX1" fmla="*/ 2127466 w 2127466"/>
+              <a:gd name="connsiteY1" fmla="*/ 0 h 142877"/>
+              <a:gd name="connsiteX2" fmla="*/ 2127466 w 2127466"/>
+              <a:gd name="connsiteY2" fmla="*/ 142877 h 142877"/>
+              <a:gd name="connsiteX3" fmla="*/ 69321 w 2127466"/>
+              <a:gd name="connsiteY3" fmla="*/ 140244 h 142877"/>
+              <a:gd name="connsiteX4" fmla="*/ -1 w 2127466"/>
+              <a:gd name="connsiteY4" fmla="*/ 8242 h 142877"/>
+              <a:gd name="connsiteX0" fmla="*/ 0 w 2115901"/>
+              <a:gd name="connsiteY0" fmla="*/ 10352 h 142877"/>
+              <a:gd name="connsiteX1" fmla="*/ 2115901 w 2115901"/>
+              <a:gd name="connsiteY1" fmla="*/ 0 h 142877"/>
+              <a:gd name="connsiteX2" fmla="*/ 2115901 w 2115901"/>
+              <a:gd name="connsiteY2" fmla="*/ 142877 h 142877"/>
+              <a:gd name="connsiteX3" fmla="*/ 57756 w 2115901"/>
+              <a:gd name="connsiteY3" fmla="*/ 140244 h 142877"/>
+              <a:gd name="connsiteX4" fmla="*/ 0 w 2115901"/>
+              <a:gd name="connsiteY4" fmla="*/ 10352 h 142877"/>
+              <a:gd name="connsiteX0" fmla="*/ 0 w 2121039"/>
+              <a:gd name="connsiteY0" fmla="*/ 14184 h 142877"/>
+              <a:gd name="connsiteX1" fmla="*/ 2121039 w 2121039"/>
+              <a:gd name="connsiteY1" fmla="*/ 0 h 142877"/>
+              <a:gd name="connsiteX2" fmla="*/ 2121039 w 2121039"/>
+              <a:gd name="connsiteY2" fmla="*/ 142877 h 142877"/>
+              <a:gd name="connsiteX3" fmla="*/ 62894 w 2121039"/>
+              <a:gd name="connsiteY3" fmla="*/ 140244 h 142877"/>
+              <a:gd name="connsiteX4" fmla="*/ 0 w 2121039"/>
+              <a:gd name="connsiteY4" fmla="*/ 14184 h 142877"/>
+              <a:gd name="connsiteX0" fmla="*/ 0 w 2121039"/>
+              <a:gd name="connsiteY0" fmla="*/ 14184 h 142877"/>
+              <a:gd name="connsiteX1" fmla="*/ 2121039 w 2121039"/>
+              <a:gd name="connsiteY1" fmla="*/ 0 h 142877"/>
+              <a:gd name="connsiteX2" fmla="*/ 2121039 w 2121039"/>
+              <a:gd name="connsiteY2" fmla="*/ 142877 h 142877"/>
+              <a:gd name="connsiteX3" fmla="*/ 55395 w 2121039"/>
+              <a:gd name="connsiteY3" fmla="*/ 142624 h 142877"/>
+              <a:gd name="connsiteX4" fmla="*/ 0 w 2121039"/>
+              <a:gd name="connsiteY4" fmla="*/ 14184 h 142877"/>
+            </a:gdLst>
+            <a:ahLst/>
+            <a:cxnLst>
+              <a:cxn ang="0">
+                <a:pos x="connsiteX0" y="connsiteY0"/>
+              </a:cxn>
+              <a:cxn ang="0">
+                <a:pos x="connsiteX1" y="connsiteY1"/>
+              </a:cxn>
+              <a:cxn ang="0">
+                <a:pos x="connsiteX2" y="connsiteY2"/>
+              </a:cxn>
+              <a:cxn ang="0">
+                <a:pos x="connsiteX3" y="connsiteY3"/>
+              </a:cxn>
+              <a:cxn ang="0">
+                <a:pos x="connsiteX4" y="connsiteY4"/>
+              </a:cxn>
+            </a:cxnLst>
+            <a:rect l="l" t="t" r="r" b="b"/>
+            <a:pathLst>
+              <a:path w="2121039" h="142877">
+                <a:moveTo>
+                  <a:pt x="0" y="14184"/>
+                </a:moveTo>
+                <a:lnTo>
+                  <a:pt x="2121039" y="0"/>
+                </a:lnTo>
+                <a:lnTo>
+                  <a:pt x="2121039" y="142877"/>
+                </a:lnTo>
+                <a:lnTo>
+                  <a:pt x="55395" y="142624"/>
+                </a:lnTo>
+                <a:lnTo>
+                  <a:pt x="0" y="14184"/>
+                </a:lnTo>
+                <a:close/>
+              </a:path>
+            </a:pathLst>
+          </a:custGeom>
+          <a:gradFill flip="none" rotWithShape="1">
+            <a:gsLst>
+              <a:gs pos="0">
+                <a:srgbClr val="FFC000"/>
+              </a:gs>
+              <a:gs pos="100000">
+                <a:schemeClr val="accent4"/>
+              </a:gs>
+            </a:gsLst>
+            <a:lin ang="2700000" scaled="1"/>
+            <a:tileRect/>
+          </a:gradFill>
+          <a:ln>
+            <a:noFill/>
+          </a:ln>
+        </p:spPr>
+        <p:style>
+          <a:lnRef idx="2">
+            <a:schemeClr val="accent1">
+              <a:shade val="50000"/>
+            </a:schemeClr>
+          </a:lnRef>
+          <a:fillRef idx="1">
+            <a:schemeClr val="accent1"/>
+          </a:fillRef>
+          <a:effectRef idx="0">
+            <a:schemeClr val="accent1"/>
+          </a:effectRef>
+          <a:fontRef idx="minor">
+            <a:schemeClr val="lt1"/>
+          </a:fontRef>
+        </p:style>
+        <p:txBody>
+          <a:bodyPr rot="0" spcFirstLastPara="0" vertOverflow="overflow" horzOverflow="overflow" vert="horz" wrap="square" lIns="91440" tIns="45720" rIns="91440" bIns="45720" numCol="1" spcCol="0" rtlCol="0" fromWordArt="0" anchor="ctr" anchorCtr="0" forceAA="0" compatLnSpc="1">
+            <a:prstTxWarp prst="textNoShape">
+              <a:avLst/>
+            </a:prstTxWarp>
+            <a:noAutofit/>
+          </a:bodyPr>
+          <a:lstStyle/>
+          <a:p>
+            <a:pPr algn="ctr"/>
+            <a:endParaRPr lang="en-US"/>
+          </a:p>
+        </p:txBody>
+      </p:sp>
+      <p:sp>
+        <p:nvSpPr>
+          <p:cNvPr id="41" name="Rectangle 40">
+            <a:extLst>
+              <a:ext uri="{FF2B5EF4-FFF2-40B4-BE49-F238E27FC236}">
+                <a16:creationId xmlns:a16="http://schemas.microsoft.com/office/drawing/2014/main" xmlns="" id="{E628179C-6CDE-4A9E-A30B-FD25B23C3B9A}"/>
+              </a:ext>
+            </a:extLst>
+          </p:cNvPr>
+          <p:cNvSpPr/>
+          <p:nvPr/>
+        </p:nvSpPr>
+        <p:spPr>
+          <a:xfrm>
+            <a:off x="2230874" y="2432871"/>
+            <a:ext cx="588526" cy="142877"/>
+          </a:xfrm>
+          <a:custGeom>
+            <a:avLst/>
+            <a:gdLst>
+              <a:gd name="connsiteX0" fmla="*/ 0 w 302418"/>
+              <a:gd name="connsiteY0" fmla="*/ 0 h 142877"/>
+              <a:gd name="connsiteX1" fmla="*/ 302418 w 302418"/>
+              <a:gd name="connsiteY1" fmla="*/ 0 h 142877"/>
+              <a:gd name="connsiteX2" fmla="*/ 302418 w 302418"/>
+              <a:gd name="connsiteY2" fmla="*/ 142877 h 142877"/>
+              <a:gd name="connsiteX3" fmla="*/ 0 w 302418"/>
+              <a:gd name="connsiteY3" fmla="*/ 142877 h 142877"/>
+              <a:gd name="connsiteX4" fmla="*/ 0 w 302418"/>
+              <a:gd name="connsiteY4" fmla="*/ 0 h 142877"/>
+              <a:gd name="connsiteX0" fmla="*/ 0 w 323849"/>
+              <a:gd name="connsiteY0" fmla="*/ 0 h 142877"/>
+              <a:gd name="connsiteX1" fmla="*/ 323849 w 323849"/>
+              <a:gd name="connsiteY1" fmla="*/ 2381 h 142877"/>
+              <a:gd name="connsiteX2" fmla="*/ 302418 w 323849"/>
+              <a:gd name="connsiteY2" fmla="*/ 142877 h 142877"/>
+              <a:gd name="connsiteX3" fmla="*/ 0 w 323849"/>
+              <a:gd name="connsiteY3" fmla="*/ 142877 h 142877"/>
+              <a:gd name="connsiteX4" fmla="*/ 0 w 323849"/>
+              <a:gd name="connsiteY4" fmla="*/ 0 h 142877"/>
+            </a:gdLst>
+            <a:ahLst/>
+            <a:cxnLst>
+              <a:cxn ang="0">
+                <a:pos x="connsiteX0" y="connsiteY0"/>
+              </a:cxn>
+              <a:cxn ang="0">
+                <a:pos x="connsiteX1" y="connsiteY1"/>
+              </a:cxn>
+              <a:cxn ang="0">
+                <a:pos x="connsiteX2" y="connsiteY2"/>
+              </a:cxn>
+              <a:cxn ang="0">
+                <a:pos x="connsiteX3" y="connsiteY3"/>
+              </a:cxn>
+              <a:cxn ang="0">
+                <a:pos x="connsiteX4" y="connsiteY4"/>
+              </a:cxn>
+            </a:cxnLst>
+            <a:rect l="l" t="t" r="r" b="b"/>
+            <a:pathLst>
+              <a:path w="323849" h="142877">
+                <a:moveTo>
+                  <a:pt x="0" y="0"/>
+                </a:moveTo>
+                <a:lnTo>
+                  <a:pt x="323849" y="2381"/>
+                </a:lnTo>
+                <a:lnTo>
+                  <a:pt x="302418" y="142877"/>
+                </a:lnTo>
+                <a:lnTo>
+                  <a:pt x="0" y="142877"/>
+                </a:lnTo>
+                <a:lnTo>
+                  <a:pt x="0" y="0"/>
+                </a:lnTo>
+                <a:close/>
+              </a:path>
+            </a:pathLst>
+          </a:custGeom>
+          <a:gradFill flip="none" rotWithShape="1">
+            <a:gsLst>
+              <a:gs pos="0">
+                <a:srgbClr val="FFC000"/>
+              </a:gs>
+              <a:gs pos="100000">
+                <a:schemeClr val="accent4"/>
+              </a:gs>
+            </a:gsLst>
+            <a:lin ang="2700000" scaled="1"/>
+            <a:tileRect/>
+          </a:gradFill>
+          <a:ln>
+            <a:noFill/>
+          </a:ln>
+        </p:spPr>
+        <p:style>
+          <a:lnRef idx="2">
+            <a:schemeClr val="accent1">
+              <a:shade val="50000"/>
+            </a:schemeClr>
+          </a:lnRef>
+          <a:fillRef idx="1">
+            <a:schemeClr val="accent1"/>
+          </a:fillRef>
+          <a:effectRef idx="0">
+            <a:schemeClr val="accent1"/>
+          </a:effectRef>
+          <a:fontRef idx="minor">
+            <a:schemeClr val="lt1"/>
+          </a:fontRef>
+        </p:style>
+        <p:txBody>
+          <a:bodyPr rot="0" spcFirstLastPara="0" vertOverflow="overflow" horzOverflow="overflow" vert="horz" wrap="square" lIns="91440" tIns="45720" rIns="91440" bIns="45720" numCol="1" spcCol="0" rtlCol="0" fromWordArt="0" anchor="ctr" anchorCtr="0" forceAA="0" compatLnSpc="1">
+            <a:prstTxWarp prst="textNoShape">
+              <a:avLst/>
+            </a:prstTxWarp>
+            <a:noAutofit/>
+          </a:bodyPr>
+          <a:lstStyle/>
+          <a:p>
+            <a:pPr algn="ctr"/>
+            <a:endParaRPr lang="en-US"/>
+          </a:p>
+        </p:txBody>
+      </p:sp>
+      <p:sp>
+        <p:nvSpPr>
+          <p:cNvPr id="47" name="Rectangle 46">
+            <a:extLst>
+              <a:ext uri="{FF2B5EF4-FFF2-40B4-BE49-F238E27FC236}">
+                <a16:creationId xmlns:a16="http://schemas.microsoft.com/office/drawing/2014/main" xmlns="" id="{34035583-2ACE-4BA0-924E-7E6F832D7BE9}"/>
+              </a:ext>
+            </a:extLst>
+          </p:cNvPr>
+          <p:cNvSpPr/>
+          <p:nvPr/>
+        </p:nvSpPr>
+        <p:spPr>
+          <a:xfrm rot="10800000">
+            <a:off x="7449700" y="2437632"/>
+            <a:ext cx="3148696" cy="142877"/>
+          </a:xfrm>
+          <a:custGeom>
+            <a:avLst/>
+            <a:gdLst>
+              <a:gd name="connsiteX0" fmla="*/ 0 w 3285554"/>
+              <a:gd name="connsiteY0" fmla="*/ 0 h 142877"/>
+              <a:gd name="connsiteX1" fmla="*/ 3285554 w 3285554"/>
+              <a:gd name="connsiteY1" fmla="*/ 0 h 142877"/>
+              <a:gd name="connsiteX2" fmla="*/ 3285554 w 3285554"/>
+              <a:gd name="connsiteY2" fmla="*/ 142877 h 142877"/>
+              <a:gd name="connsiteX3" fmla="*/ 0 w 3285554"/>
+              <a:gd name="connsiteY3" fmla="*/ 142877 h 142877"/>
+              <a:gd name="connsiteX4" fmla="*/ 0 w 3285554"/>
+              <a:gd name="connsiteY4" fmla="*/ 0 h 142877"/>
+              <a:gd name="connsiteX0" fmla="*/ 19050 w 3285554"/>
+              <a:gd name="connsiteY0" fmla="*/ 0 h 145258"/>
+              <a:gd name="connsiteX1" fmla="*/ 3285554 w 3285554"/>
+              <a:gd name="connsiteY1" fmla="*/ 2381 h 145258"/>
+              <a:gd name="connsiteX2" fmla="*/ 3285554 w 3285554"/>
+              <a:gd name="connsiteY2" fmla="*/ 145258 h 145258"/>
+              <a:gd name="connsiteX3" fmla="*/ 0 w 3285554"/>
+              <a:gd name="connsiteY3" fmla="*/ 145258 h 145258"/>
+              <a:gd name="connsiteX4" fmla="*/ 19050 w 3285554"/>
+              <a:gd name="connsiteY4" fmla="*/ 0 h 145258"/>
+              <a:gd name="connsiteX0" fmla="*/ 26193 w 3285554"/>
+              <a:gd name="connsiteY0" fmla="*/ 0 h 145258"/>
+              <a:gd name="connsiteX1" fmla="*/ 3285554 w 3285554"/>
+              <a:gd name="connsiteY1" fmla="*/ 2381 h 145258"/>
+              <a:gd name="connsiteX2" fmla="*/ 3285554 w 3285554"/>
+              <a:gd name="connsiteY2" fmla="*/ 145258 h 145258"/>
+              <a:gd name="connsiteX3" fmla="*/ 0 w 3285554"/>
+              <a:gd name="connsiteY3" fmla="*/ 145258 h 145258"/>
+              <a:gd name="connsiteX4" fmla="*/ 26193 w 3285554"/>
+              <a:gd name="connsiteY4" fmla="*/ 0 h 145258"/>
+              <a:gd name="connsiteX0" fmla="*/ 26193 w 3285554"/>
+              <a:gd name="connsiteY0" fmla="*/ 0 h 145258"/>
+              <a:gd name="connsiteX1" fmla="*/ 3285554 w 3285554"/>
+              <a:gd name="connsiteY1" fmla="*/ 2381 h 145258"/>
+              <a:gd name="connsiteX2" fmla="*/ 3256979 w 3285554"/>
+              <a:gd name="connsiteY2" fmla="*/ 140495 h 145258"/>
+              <a:gd name="connsiteX3" fmla="*/ 0 w 3285554"/>
+              <a:gd name="connsiteY3" fmla="*/ 145258 h 145258"/>
+              <a:gd name="connsiteX4" fmla="*/ 26193 w 3285554"/>
+              <a:gd name="connsiteY4" fmla="*/ 0 h 145258"/>
+              <a:gd name="connsiteX0" fmla="*/ 41102 w 3285554"/>
+              <a:gd name="connsiteY0" fmla="*/ 0 h 142877"/>
+              <a:gd name="connsiteX1" fmla="*/ 3285554 w 3285554"/>
+              <a:gd name="connsiteY1" fmla="*/ 0 h 142877"/>
+              <a:gd name="connsiteX2" fmla="*/ 3256979 w 3285554"/>
+              <a:gd name="connsiteY2" fmla="*/ 138114 h 142877"/>
+              <a:gd name="connsiteX3" fmla="*/ 0 w 3285554"/>
+              <a:gd name="connsiteY3" fmla="*/ 142877 h 142877"/>
+              <a:gd name="connsiteX4" fmla="*/ 41102 w 3285554"/>
+              <a:gd name="connsiteY4" fmla="*/ 0 h 142877"/>
+              <a:gd name="connsiteX0" fmla="*/ 43587 w 3285554"/>
+              <a:gd name="connsiteY0" fmla="*/ 2381 h 142877"/>
+              <a:gd name="connsiteX1" fmla="*/ 3285554 w 3285554"/>
+              <a:gd name="connsiteY1" fmla="*/ 0 h 142877"/>
+              <a:gd name="connsiteX2" fmla="*/ 3256979 w 3285554"/>
+              <a:gd name="connsiteY2" fmla="*/ 138114 h 142877"/>
+              <a:gd name="connsiteX3" fmla="*/ 0 w 3285554"/>
+              <a:gd name="connsiteY3" fmla="*/ 142877 h 142877"/>
+              <a:gd name="connsiteX4" fmla="*/ 43587 w 3285554"/>
+              <a:gd name="connsiteY4" fmla="*/ 2381 h 142877"/>
+            </a:gdLst>
+            <a:ahLst/>
+            <a:cxnLst>
+              <a:cxn ang="0">
+                <a:pos x="connsiteX0" y="connsiteY0"/>
+              </a:cxn>
+              <a:cxn ang="0">
+                <a:pos x="connsiteX1" y="connsiteY1"/>
+              </a:cxn>
+              <a:cxn ang="0">
+                <a:pos x="connsiteX2" y="connsiteY2"/>
+              </a:cxn>
+              <a:cxn ang="0">
+                <a:pos x="connsiteX3" y="connsiteY3"/>
+              </a:cxn>
+              <a:cxn ang="0">
+                <a:pos x="connsiteX4" y="connsiteY4"/>
+              </a:cxn>
+            </a:cxnLst>
+            <a:rect l="l" t="t" r="r" b="b"/>
+            <a:pathLst>
+              <a:path w="3285554" h="142877">
+                <a:moveTo>
+                  <a:pt x="43587" y="2381"/>
+                </a:moveTo>
+                <a:lnTo>
+                  <a:pt x="3285554" y="0"/>
+                </a:lnTo>
+                <a:lnTo>
+                  <a:pt x="3256979" y="138114"/>
+                </a:lnTo>
+                <a:lnTo>
+                  <a:pt x="0" y="142877"/>
+                </a:lnTo>
+                <a:lnTo>
+                  <a:pt x="43587" y="2381"/>
+                </a:lnTo>
+                <a:close/>
+              </a:path>
+            </a:pathLst>
+          </a:custGeom>
+          <a:gradFill flip="none" rotWithShape="1">
+            <a:gsLst>
+              <a:gs pos="0">
+                <a:srgbClr val="FFC000"/>
+              </a:gs>
+              <a:gs pos="100000">
+                <a:schemeClr val="accent4"/>
+              </a:gs>
+            </a:gsLst>
+            <a:lin ang="2700000" scaled="1"/>
+            <a:tileRect/>
+          </a:gradFill>
+          <a:ln>
+            <a:noFill/>
+          </a:ln>
+        </p:spPr>
+        <p:style>
+          <a:lnRef idx="2">
+            <a:schemeClr val="accent1">
+              <a:shade val="50000"/>
+            </a:schemeClr>
+          </a:lnRef>
+          <a:fillRef idx="1">
+            <a:schemeClr val="accent1"/>
+          </a:fillRef>
+          <a:effectRef idx="0">
+            <a:schemeClr val="accent1"/>
+          </a:effectRef>
+          <a:fontRef idx="minor">
+            <a:schemeClr val="lt1"/>
+          </a:fontRef>
+        </p:style>
+        <p:txBody>
+          <a:bodyPr rot="0" spcFirstLastPara="0" vertOverflow="overflow" horzOverflow="overflow" vert="horz" wrap="square" lIns="91440" tIns="45720" rIns="91440" bIns="45720" numCol="1" spcCol="0" rtlCol="0" fromWordArt="0" anchor="ctr" anchorCtr="0" forceAA="0" compatLnSpc="1">
+            <a:prstTxWarp prst="textNoShape">
+              <a:avLst/>
+            </a:prstTxWarp>
+            <a:noAutofit/>
+          </a:bodyPr>
+          <a:lstStyle/>
+          <a:p>
+            <a:pPr algn="ctr"/>
+            <a:endParaRPr lang="en-US"/>
+          </a:p>
+        </p:txBody>
+      </p:sp>
+      <p:sp>
+        <p:nvSpPr>
+          <p:cNvPr id="48" name="Rectangle 25">
+            <a:extLst>
+              <a:ext uri="{FF2B5EF4-FFF2-40B4-BE49-F238E27FC236}">
+                <a16:creationId xmlns:a16="http://schemas.microsoft.com/office/drawing/2014/main" xmlns="" id="{E402647D-6C9A-454B-9AE9-E25EAF9E451F}"/>
+              </a:ext>
+            </a:extLst>
+          </p:cNvPr>
+          <p:cNvSpPr/>
+          <p:nvPr/>
+        </p:nvSpPr>
+        <p:spPr>
+          <a:xfrm rot="6465426">
+            <a:off x="9325676" y="3233327"/>
+            <a:ext cx="1846286" cy="142877"/>
+          </a:xfrm>
+          <a:custGeom>
+            <a:avLst/>
+            <a:gdLst>
+              <a:gd name="connsiteX0" fmla="*/ 0 w 2028771"/>
+              <a:gd name="connsiteY0" fmla="*/ 0 h 142877"/>
+              <a:gd name="connsiteX1" fmla="*/ 2028771 w 2028771"/>
+              <a:gd name="connsiteY1" fmla="*/ 0 h 142877"/>
+              <a:gd name="connsiteX2" fmla="*/ 2028771 w 2028771"/>
+              <a:gd name="connsiteY2" fmla="*/ 142877 h 142877"/>
+              <a:gd name="connsiteX3" fmla="*/ 0 w 2028771"/>
+              <a:gd name="connsiteY3" fmla="*/ 142877 h 142877"/>
+              <a:gd name="connsiteX4" fmla="*/ 0 w 2028771"/>
+              <a:gd name="connsiteY4" fmla="*/ 0 h 142877"/>
+              <a:gd name="connsiteX0" fmla="*/ 0 w 2052200"/>
+              <a:gd name="connsiteY0" fmla="*/ 4258 h 142877"/>
+              <a:gd name="connsiteX1" fmla="*/ 2052200 w 2052200"/>
+              <a:gd name="connsiteY1" fmla="*/ 0 h 142877"/>
+              <a:gd name="connsiteX2" fmla="*/ 2052200 w 2052200"/>
+              <a:gd name="connsiteY2" fmla="*/ 142877 h 142877"/>
+              <a:gd name="connsiteX3" fmla="*/ 23429 w 2052200"/>
+              <a:gd name="connsiteY3" fmla="*/ 142877 h 142877"/>
+              <a:gd name="connsiteX4" fmla="*/ 0 w 2052200"/>
+              <a:gd name="connsiteY4" fmla="*/ 4258 h 142877"/>
+              <a:gd name="connsiteX0" fmla="*/ 0 w 2052200"/>
+              <a:gd name="connsiteY0" fmla="*/ 4258 h 142877"/>
+              <a:gd name="connsiteX1" fmla="*/ 2052200 w 2052200"/>
+              <a:gd name="connsiteY1" fmla="*/ 0 h 142877"/>
+              <a:gd name="connsiteX2" fmla="*/ 2052200 w 2052200"/>
+              <a:gd name="connsiteY2" fmla="*/ 142877 h 142877"/>
+              <a:gd name="connsiteX3" fmla="*/ 34622 w 2052200"/>
+              <a:gd name="connsiteY3" fmla="*/ 141599 h 142877"/>
+              <a:gd name="connsiteX4" fmla="*/ 0 w 2052200"/>
+              <a:gd name="connsiteY4" fmla="*/ 4258 h 142877"/>
+              <a:gd name="connsiteX0" fmla="*/ 0 w 2055931"/>
+              <a:gd name="connsiteY0" fmla="*/ 4684 h 142877"/>
+              <a:gd name="connsiteX1" fmla="*/ 2055931 w 2055931"/>
+              <a:gd name="connsiteY1" fmla="*/ 0 h 142877"/>
+              <a:gd name="connsiteX2" fmla="*/ 2055931 w 2055931"/>
+              <a:gd name="connsiteY2" fmla="*/ 142877 h 142877"/>
+              <a:gd name="connsiteX3" fmla="*/ 38353 w 2055931"/>
+              <a:gd name="connsiteY3" fmla="*/ 141599 h 142877"/>
+              <a:gd name="connsiteX4" fmla="*/ 0 w 2055931"/>
+              <a:gd name="connsiteY4" fmla="*/ 4684 h 142877"/>
+              <a:gd name="connsiteX0" fmla="*/ 0 w 2085835"/>
+              <a:gd name="connsiteY0" fmla="*/ 697 h 142877"/>
+              <a:gd name="connsiteX1" fmla="*/ 2085835 w 2085835"/>
+              <a:gd name="connsiteY1" fmla="*/ 0 h 142877"/>
+              <a:gd name="connsiteX2" fmla="*/ 2085835 w 2085835"/>
+              <a:gd name="connsiteY2" fmla="*/ 142877 h 142877"/>
+              <a:gd name="connsiteX3" fmla="*/ 68257 w 2085835"/>
+              <a:gd name="connsiteY3" fmla="*/ 141599 h 142877"/>
+              <a:gd name="connsiteX4" fmla="*/ 0 w 2085835"/>
+              <a:gd name="connsiteY4" fmla="*/ 697 h 142877"/>
+              <a:gd name="connsiteX0" fmla="*/ 0 w 2085835"/>
+              <a:gd name="connsiteY0" fmla="*/ 697 h 142877"/>
+              <a:gd name="connsiteX1" fmla="*/ 2085835 w 2085835"/>
+              <a:gd name="connsiteY1" fmla="*/ 0 h 142877"/>
+              <a:gd name="connsiteX2" fmla="*/ 2085835 w 2085835"/>
+              <a:gd name="connsiteY2" fmla="*/ 142877 h 142877"/>
+              <a:gd name="connsiteX3" fmla="*/ 74323 w 2085835"/>
+              <a:gd name="connsiteY3" fmla="*/ 137879 h 142877"/>
+              <a:gd name="connsiteX4" fmla="*/ 0 w 2085835"/>
+              <a:gd name="connsiteY4" fmla="*/ 697 h 142877"/>
+            </a:gdLst>
+            <a:ahLst/>
+            <a:cxnLst>
+              <a:cxn ang="0">
+                <a:pos x="connsiteX0" y="connsiteY0"/>
+              </a:cxn>
+              <a:cxn ang="0">
+                <a:pos x="connsiteX1" y="connsiteY1"/>
+              </a:cxn>
+              <a:cxn ang="0">
+                <a:pos x="connsiteX2" y="connsiteY2"/>
+              </a:cxn>
+              <a:cxn ang="0">
+                <a:pos x="connsiteX3" y="connsiteY3"/>
+              </a:cxn>
+              <a:cxn ang="0">
+                <a:pos x="connsiteX4" y="connsiteY4"/>
+              </a:cxn>
+            </a:cxnLst>
+            <a:rect l="l" t="t" r="r" b="b"/>
+            <a:pathLst>
+              <a:path w="2085835" h="142877">
+                <a:moveTo>
+                  <a:pt x="0" y="697"/>
+                </a:moveTo>
+                <a:lnTo>
+                  <a:pt x="2085835" y="0"/>
+                </a:lnTo>
+                <a:lnTo>
+                  <a:pt x="2085835" y="142877"/>
+                </a:lnTo>
+                <a:lnTo>
+                  <a:pt x="74323" y="137879"/>
+                </a:lnTo>
+                <a:lnTo>
+                  <a:pt x="0" y="697"/>
+                </a:lnTo>
+                <a:close/>
+              </a:path>
+            </a:pathLst>
+          </a:custGeom>
+          <a:gradFill flip="none" rotWithShape="1">
+            <a:gsLst>
+              <a:gs pos="0">
+                <a:srgbClr val="FFC000"/>
+              </a:gs>
+              <a:gs pos="100000">
+                <a:schemeClr val="accent4"/>
+              </a:gs>
+            </a:gsLst>
+            <a:lin ang="2700000" scaled="1"/>
+            <a:tileRect/>
+          </a:gradFill>
+          <a:ln>
+            <a:noFill/>
+          </a:ln>
+        </p:spPr>
+        <p:style>
+          <a:lnRef idx="2">
+            <a:schemeClr val="accent1">
+              <a:shade val="50000"/>
+            </a:schemeClr>
+          </a:lnRef>
+          <a:fillRef idx="1">
+            <a:schemeClr val="accent1"/>
+          </a:fillRef>
+          <a:effectRef idx="0">
+            <a:schemeClr val="accent1"/>
+          </a:effectRef>
+          <a:fontRef idx="minor">
+            <a:schemeClr val="lt1"/>
+          </a:fontRef>
+        </p:style>
+        <p:txBody>
+          <a:bodyPr rot="0" spcFirstLastPara="0" vertOverflow="overflow" horzOverflow="overflow" vert="horz" wrap="square" lIns="91440" tIns="45720" rIns="91440" bIns="45720" numCol="1" spcCol="0" rtlCol="0" fromWordArt="0" anchor="ctr" anchorCtr="0" forceAA="0" compatLnSpc="1">
+            <a:prstTxWarp prst="textNoShape">
+              <a:avLst/>
+            </a:prstTxWarp>
+            <a:noAutofit/>
+          </a:bodyPr>
+          <a:lstStyle/>
+          <a:p>
+            <a:pPr algn="ctr"/>
+            <a:endParaRPr lang="en-US"/>
+          </a:p>
+        </p:txBody>
+      </p:sp>
+      <p:sp>
+        <p:nvSpPr>
+          <p:cNvPr id="49" name="Rectangle 48">
+            <a:extLst>
+              <a:ext uri="{FF2B5EF4-FFF2-40B4-BE49-F238E27FC236}">
+                <a16:creationId xmlns:a16="http://schemas.microsoft.com/office/drawing/2014/main" xmlns="" id="{642F5E52-EB5B-4C9B-95AB-59B94C52DF8C}"/>
+              </a:ext>
+            </a:extLst>
+          </p:cNvPr>
+          <p:cNvSpPr/>
+          <p:nvPr/>
+        </p:nvSpPr>
+        <p:spPr>
+          <a:xfrm rot="10800000">
+            <a:off x="9726599" y="4082618"/>
+            <a:ext cx="345280" cy="152401"/>
+          </a:xfrm>
+          <a:custGeom>
+            <a:avLst/>
+            <a:gdLst>
+              <a:gd name="connsiteX0" fmla="*/ 0 w 302418"/>
+              <a:gd name="connsiteY0" fmla="*/ 0 h 142877"/>
+              <a:gd name="connsiteX1" fmla="*/ 302418 w 302418"/>
+              <a:gd name="connsiteY1" fmla="*/ 0 h 142877"/>
+              <a:gd name="connsiteX2" fmla="*/ 302418 w 302418"/>
+              <a:gd name="connsiteY2" fmla="*/ 142877 h 142877"/>
+              <a:gd name="connsiteX3" fmla="*/ 0 w 302418"/>
+              <a:gd name="connsiteY3" fmla="*/ 142877 h 142877"/>
+              <a:gd name="connsiteX4" fmla="*/ 0 w 302418"/>
+              <a:gd name="connsiteY4" fmla="*/ 0 h 142877"/>
+              <a:gd name="connsiteX0" fmla="*/ 19050 w 321468"/>
+              <a:gd name="connsiteY0" fmla="*/ 0 h 145258"/>
+              <a:gd name="connsiteX1" fmla="*/ 321468 w 321468"/>
+              <a:gd name="connsiteY1" fmla="*/ 0 h 145258"/>
+              <a:gd name="connsiteX2" fmla="*/ 321468 w 321468"/>
+              <a:gd name="connsiteY2" fmla="*/ 142877 h 145258"/>
+              <a:gd name="connsiteX3" fmla="*/ 0 w 321468"/>
+              <a:gd name="connsiteY3" fmla="*/ 145258 h 145258"/>
+              <a:gd name="connsiteX4" fmla="*/ 19050 w 321468"/>
+              <a:gd name="connsiteY4" fmla="*/ 0 h 145258"/>
+              <a:gd name="connsiteX0" fmla="*/ 38100 w 321468"/>
+              <a:gd name="connsiteY0" fmla="*/ 11906 h 145258"/>
+              <a:gd name="connsiteX1" fmla="*/ 321468 w 321468"/>
+              <a:gd name="connsiteY1" fmla="*/ 0 h 145258"/>
+              <a:gd name="connsiteX2" fmla="*/ 321468 w 321468"/>
+              <a:gd name="connsiteY2" fmla="*/ 142877 h 145258"/>
+              <a:gd name="connsiteX3" fmla="*/ 0 w 321468"/>
+              <a:gd name="connsiteY3" fmla="*/ 145258 h 145258"/>
+              <a:gd name="connsiteX4" fmla="*/ 38100 w 321468"/>
+              <a:gd name="connsiteY4" fmla="*/ 11906 h 145258"/>
+              <a:gd name="connsiteX0" fmla="*/ 45244 w 321468"/>
+              <a:gd name="connsiteY0" fmla="*/ 4762 h 145258"/>
+              <a:gd name="connsiteX1" fmla="*/ 321468 w 321468"/>
+              <a:gd name="connsiteY1" fmla="*/ 0 h 145258"/>
+              <a:gd name="connsiteX2" fmla="*/ 321468 w 321468"/>
+              <a:gd name="connsiteY2" fmla="*/ 142877 h 145258"/>
+              <a:gd name="connsiteX3" fmla="*/ 0 w 321468"/>
+              <a:gd name="connsiteY3" fmla="*/ 145258 h 145258"/>
+              <a:gd name="connsiteX4" fmla="*/ 45244 w 321468"/>
+              <a:gd name="connsiteY4" fmla="*/ 4762 h 145258"/>
+              <a:gd name="connsiteX0" fmla="*/ 50006 w 321468"/>
+              <a:gd name="connsiteY0" fmla="*/ 0 h 145258"/>
+              <a:gd name="connsiteX1" fmla="*/ 321468 w 321468"/>
+              <a:gd name="connsiteY1" fmla="*/ 0 h 145258"/>
+              <a:gd name="connsiteX2" fmla="*/ 321468 w 321468"/>
+              <a:gd name="connsiteY2" fmla="*/ 142877 h 145258"/>
+              <a:gd name="connsiteX3" fmla="*/ 0 w 321468"/>
+              <a:gd name="connsiteY3" fmla="*/ 145258 h 145258"/>
+              <a:gd name="connsiteX4" fmla="*/ 50006 w 321468"/>
+              <a:gd name="connsiteY4" fmla="*/ 0 h 145258"/>
+              <a:gd name="connsiteX0" fmla="*/ 45243 w 316705"/>
+              <a:gd name="connsiteY0" fmla="*/ 0 h 147639"/>
+              <a:gd name="connsiteX1" fmla="*/ 316705 w 316705"/>
+              <a:gd name="connsiteY1" fmla="*/ 0 h 147639"/>
+              <a:gd name="connsiteX2" fmla="*/ 316705 w 316705"/>
+              <a:gd name="connsiteY2" fmla="*/ 142877 h 147639"/>
+              <a:gd name="connsiteX3" fmla="*/ 0 w 316705"/>
+              <a:gd name="connsiteY3" fmla="*/ 147639 h 147639"/>
+              <a:gd name="connsiteX4" fmla="*/ 45243 w 316705"/>
+              <a:gd name="connsiteY4" fmla="*/ 0 h 147639"/>
+              <a:gd name="connsiteX0" fmla="*/ 45243 w 345280"/>
+              <a:gd name="connsiteY0" fmla="*/ 4762 h 152401"/>
+              <a:gd name="connsiteX1" fmla="*/ 345280 w 345280"/>
+              <a:gd name="connsiteY1" fmla="*/ 0 h 152401"/>
+              <a:gd name="connsiteX2" fmla="*/ 316705 w 345280"/>
+              <a:gd name="connsiteY2" fmla="*/ 147639 h 152401"/>
+              <a:gd name="connsiteX3" fmla="*/ 0 w 345280"/>
+              <a:gd name="connsiteY3" fmla="*/ 152401 h 152401"/>
+              <a:gd name="connsiteX4" fmla="*/ 45243 w 345280"/>
+              <a:gd name="connsiteY4" fmla="*/ 4762 h 152401"/>
+            </a:gdLst>
+            <a:ahLst/>
+            <a:cxnLst>
+              <a:cxn ang="0">
+                <a:pos x="connsiteX0" y="connsiteY0"/>
+              </a:cxn>
+              <a:cxn ang="0">
+                <a:pos x="connsiteX1" y="connsiteY1"/>
+              </a:cxn>
+              <a:cxn ang="0">
+                <a:pos x="connsiteX2" y="connsiteY2"/>
+              </a:cxn>
+              <a:cxn ang="0">
+                <a:pos x="connsiteX3" y="connsiteY3"/>
+              </a:cxn>
+              <a:cxn ang="0">
+                <a:pos x="connsiteX4" y="connsiteY4"/>
+              </a:cxn>
+            </a:cxnLst>
+            <a:rect l="l" t="t" r="r" b="b"/>
+            <a:pathLst>
+              <a:path w="345280" h="152401">
+                <a:moveTo>
+                  <a:pt x="45243" y="4762"/>
+                </a:moveTo>
+                <a:lnTo>
+                  <a:pt x="345280" y="0"/>
+                </a:lnTo>
+                <a:lnTo>
+                  <a:pt x="316705" y="147639"/>
+                </a:lnTo>
+                <a:lnTo>
+                  <a:pt x="0" y="152401"/>
+                </a:lnTo>
+                <a:lnTo>
+                  <a:pt x="45243" y="4762"/>
+                </a:lnTo>
+                <a:close/>
+              </a:path>
+            </a:pathLst>
+          </a:custGeom>
+          <a:gradFill flip="none" rotWithShape="1">
+            <a:gsLst>
+              <a:gs pos="0">
+                <a:srgbClr val="FFC000"/>
+              </a:gs>
+              <a:gs pos="100000">
+                <a:schemeClr val="accent4"/>
+              </a:gs>
+            </a:gsLst>
+            <a:lin ang="2700000" scaled="1"/>
+            <a:tileRect/>
+          </a:gradFill>
+          <a:ln>
+            <a:noFill/>
+          </a:ln>
+        </p:spPr>
+        <p:style>
+          <a:lnRef idx="2">
+            <a:schemeClr val="accent1">
+              <a:shade val="50000"/>
+            </a:schemeClr>
+          </a:lnRef>
+          <a:fillRef idx="1">
+            <a:schemeClr val="accent1"/>
+          </a:fillRef>
+          <a:effectRef idx="0">
+            <a:schemeClr val="accent1"/>
+          </a:effectRef>
+          <a:fontRef idx="minor">
+            <a:schemeClr val="lt1"/>
+          </a:fontRef>
+        </p:style>
+        <p:txBody>
+          <a:bodyPr rot="0" spcFirstLastPara="0" vertOverflow="overflow" horzOverflow="overflow" vert="horz" wrap="square" lIns="91440" tIns="45720" rIns="91440" bIns="45720" numCol="1" spcCol="0" rtlCol="0" fromWordArt="0" anchor="ctr" anchorCtr="0" forceAA="0" compatLnSpc="1">
+            <a:prstTxWarp prst="textNoShape">
+              <a:avLst/>
+            </a:prstTxWarp>
+            <a:noAutofit/>
+          </a:bodyPr>
+          <a:lstStyle/>
+          <a:p>
+            <a:pPr algn="ctr"/>
+            <a:endParaRPr lang="en-US"/>
+          </a:p>
+        </p:txBody>
+      </p:sp>
+      <p:sp>
+        <p:nvSpPr>
+          <p:cNvPr id="13" name="Rectangle 46">
+            <a:extLst>
+              <a:ext uri="{FF2B5EF4-FFF2-40B4-BE49-F238E27FC236}">
+                <a16:creationId xmlns:a16="http://schemas.microsoft.com/office/drawing/2014/main" xmlns="" id="{4C384288-D139-4EC3-ACA1-62356CF8F311}"/>
+              </a:ext>
+            </a:extLst>
+          </p:cNvPr>
+          <p:cNvSpPr/>
+          <p:nvPr/>
+        </p:nvSpPr>
+        <p:spPr>
+          <a:xfrm rot="10800000">
+            <a:off x="8101989" y="2140734"/>
+            <a:ext cx="2900345" cy="145258"/>
+          </a:xfrm>
+          <a:custGeom>
+            <a:avLst/>
+            <a:gdLst>
+              <a:gd name="connsiteX0" fmla="*/ 0 w 3285554"/>
+              <a:gd name="connsiteY0" fmla="*/ 0 h 142877"/>
+              <a:gd name="connsiteX1" fmla="*/ 3285554 w 3285554"/>
+              <a:gd name="connsiteY1" fmla="*/ 0 h 142877"/>
+              <a:gd name="connsiteX2" fmla="*/ 3285554 w 3285554"/>
+              <a:gd name="connsiteY2" fmla="*/ 142877 h 142877"/>
+              <a:gd name="connsiteX3" fmla="*/ 0 w 3285554"/>
+              <a:gd name="connsiteY3" fmla="*/ 142877 h 142877"/>
+              <a:gd name="connsiteX4" fmla="*/ 0 w 3285554"/>
+              <a:gd name="connsiteY4" fmla="*/ 0 h 142877"/>
+              <a:gd name="connsiteX0" fmla="*/ 19050 w 3285554"/>
+              <a:gd name="connsiteY0" fmla="*/ 0 h 145258"/>
+              <a:gd name="connsiteX1" fmla="*/ 3285554 w 3285554"/>
+              <a:gd name="connsiteY1" fmla="*/ 2381 h 145258"/>
+              <a:gd name="connsiteX2" fmla="*/ 3285554 w 3285554"/>
+              <a:gd name="connsiteY2" fmla="*/ 145258 h 145258"/>
+              <a:gd name="connsiteX3" fmla="*/ 0 w 3285554"/>
+              <a:gd name="connsiteY3" fmla="*/ 145258 h 145258"/>
+              <a:gd name="connsiteX4" fmla="*/ 19050 w 3285554"/>
+              <a:gd name="connsiteY4" fmla="*/ 0 h 145258"/>
+              <a:gd name="connsiteX0" fmla="*/ 26193 w 3285554"/>
+              <a:gd name="connsiteY0" fmla="*/ 0 h 145258"/>
+              <a:gd name="connsiteX1" fmla="*/ 3285554 w 3285554"/>
+              <a:gd name="connsiteY1" fmla="*/ 2381 h 145258"/>
+              <a:gd name="connsiteX2" fmla="*/ 3285554 w 3285554"/>
+              <a:gd name="connsiteY2" fmla="*/ 145258 h 145258"/>
+              <a:gd name="connsiteX3" fmla="*/ 0 w 3285554"/>
+              <a:gd name="connsiteY3" fmla="*/ 145258 h 145258"/>
+              <a:gd name="connsiteX4" fmla="*/ 26193 w 3285554"/>
+              <a:gd name="connsiteY4" fmla="*/ 0 h 145258"/>
+              <a:gd name="connsiteX0" fmla="*/ 26193 w 3285554"/>
+              <a:gd name="connsiteY0" fmla="*/ 0 h 145258"/>
+              <a:gd name="connsiteX1" fmla="*/ 3285554 w 3285554"/>
+              <a:gd name="connsiteY1" fmla="*/ 2381 h 145258"/>
+              <a:gd name="connsiteX2" fmla="*/ 3256979 w 3285554"/>
+              <a:gd name="connsiteY2" fmla="*/ 140495 h 145258"/>
+              <a:gd name="connsiteX3" fmla="*/ 0 w 3285554"/>
+              <a:gd name="connsiteY3" fmla="*/ 145258 h 145258"/>
+              <a:gd name="connsiteX4" fmla="*/ 26193 w 3285554"/>
+              <a:gd name="connsiteY4" fmla="*/ 0 h 145258"/>
+              <a:gd name="connsiteX0" fmla="*/ 39681 w 3285554"/>
+              <a:gd name="connsiteY0" fmla="*/ 0 h 145258"/>
+              <a:gd name="connsiteX1" fmla="*/ 3285554 w 3285554"/>
+              <a:gd name="connsiteY1" fmla="*/ 2381 h 145258"/>
+              <a:gd name="connsiteX2" fmla="*/ 3256979 w 3285554"/>
+              <a:gd name="connsiteY2" fmla="*/ 140495 h 145258"/>
+              <a:gd name="connsiteX3" fmla="*/ 0 w 3285554"/>
+              <a:gd name="connsiteY3" fmla="*/ 145258 h 145258"/>
+              <a:gd name="connsiteX4" fmla="*/ 39681 w 3285554"/>
+              <a:gd name="connsiteY4" fmla="*/ 0 h 145258"/>
+              <a:gd name="connsiteX0" fmla="*/ 47773 w 3285554"/>
+              <a:gd name="connsiteY0" fmla="*/ 0 h 145258"/>
+              <a:gd name="connsiteX1" fmla="*/ 3285554 w 3285554"/>
+              <a:gd name="connsiteY1" fmla="*/ 2381 h 145258"/>
+              <a:gd name="connsiteX2" fmla="*/ 3256979 w 3285554"/>
+              <a:gd name="connsiteY2" fmla="*/ 140495 h 145258"/>
+              <a:gd name="connsiteX3" fmla="*/ 0 w 3285554"/>
+              <a:gd name="connsiteY3" fmla="*/ 145258 h 145258"/>
+              <a:gd name="connsiteX4" fmla="*/ 47773 w 3285554"/>
+              <a:gd name="connsiteY4" fmla="*/ 0 h 145258"/>
+            </a:gdLst>
+            <a:ahLst/>
+            <a:cxnLst>
+              <a:cxn ang="0">
+                <a:pos x="connsiteX0" y="connsiteY0"/>
+              </a:cxn>
+              <a:cxn ang="0">
+                <a:pos x="connsiteX1" y="connsiteY1"/>
+              </a:cxn>
+              <a:cxn ang="0">
+                <a:pos x="connsiteX2" y="connsiteY2"/>
+              </a:cxn>
+              <a:cxn ang="0">
+                <a:pos x="connsiteX3" y="connsiteY3"/>
+              </a:cxn>
+              <a:cxn ang="0">
+                <a:pos x="connsiteX4" y="connsiteY4"/>
+              </a:cxn>
+            </a:cxnLst>
+            <a:rect l="l" t="t" r="r" b="b"/>
+            <a:pathLst>
+              <a:path w="3285554" h="145258">
+                <a:moveTo>
+                  <a:pt x="47773" y="0"/>
+                </a:moveTo>
+                <a:lnTo>
+                  <a:pt x="3285554" y="2381"/>
+                </a:lnTo>
+                <a:lnTo>
+                  <a:pt x="3256979" y="140495"/>
+                </a:lnTo>
+                <a:lnTo>
+                  <a:pt x="0" y="145258"/>
+                </a:lnTo>
+                <a:lnTo>
+                  <a:pt x="47773" y="0"/>
+                </a:lnTo>
+                <a:close/>
+              </a:path>
+            </a:pathLst>
+          </a:custGeom>
+          <a:gradFill flip="none" rotWithShape="1">
+            <a:gsLst>
+              <a:gs pos="0">
+                <a:srgbClr val="FFC000"/>
+              </a:gs>
+              <a:gs pos="100000">
+                <a:schemeClr val="accent4"/>
+              </a:gs>
+            </a:gsLst>
+            <a:lin ang="2700000" scaled="1"/>
+            <a:tileRect/>
+          </a:gradFill>
+          <a:ln>
+            <a:noFill/>
+          </a:ln>
+        </p:spPr>
+        <p:style>
+          <a:lnRef idx="2">
+            <a:schemeClr val="accent1">
+              <a:shade val="50000"/>
+            </a:schemeClr>
+          </a:lnRef>
+          <a:fillRef idx="1">
+            <a:schemeClr val="accent1"/>
+          </a:fillRef>
+          <a:effectRef idx="0">
+            <a:schemeClr val="accent1"/>
+          </a:effectRef>
+          <a:fontRef idx="minor">
+            <a:schemeClr val="lt1"/>
+          </a:fontRef>
+        </p:style>
+        <p:txBody>
+          <a:bodyPr rot="0" spcFirstLastPara="0" vertOverflow="overflow" horzOverflow="overflow" vert="horz" wrap="square" lIns="91440" tIns="45720" rIns="91440" bIns="45720" numCol="1" spcCol="0" rtlCol="0" fromWordArt="0" anchor="ctr" anchorCtr="0" forceAA="0" compatLnSpc="1">
+            <a:prstTxWarp prst="textNoShape">
+              <a:avLst/>
+            </a:prstTxWarp>
+            <a:noAutofit/>
+          </a:bodyPr>
+          <a:lstStyle/>
+          <a:p>
+            <a:pPr algn="ctr"/>
+            <a:endParaRPr lang="en-US"/>
+          </a:p>
+        </p:txBody>
+      </p:sp>
+      <p:sp>
+        <p:nvSpPr>
+          <p:cNvPr id="14" name="Rectangle 25">
+            <a:extLst>
+              <a:ext uri="{FF2B5EF4-FFF2-40B4-BE49-F238E27FC236}">
+                <a16:creationId xmlns:a16="http://schemas.microsoft.com/office/drawing/2014/main" xmlns="" id="{FFEBAEE2-DE89-4721-851A-624AB9115183}"/>
+              </a:ext>
+            </a:extLst>
+          </p:cNvPr>
+          <p:cNvSpPr/>
+          <p:nvPr/>
+        </p:nvSpPr>
+        <p:spPr>
+          <a:xfrm rot="6465426">
+            <a:off x="9736159" y="2935247"/>
+            <a:ext cx="1848766" cy="142877"/>
+          </a:xfrm>
+          <a:custGeom>
+            <a:avLst/>
+            <a:gdLst>
+              <a:gd name="connsiteX0" fmla="*/ 0 w 2028771"/>
+              <a:gd name="connsiteY0" fmla="*/ 0 h 142877"/>
+              <a:gd name="connsiteX1" fmla="*/ 2028771 w 2028771"/>
+              <a:gd name="connsiteY1" fmla="*/ 0 h 142877"/>
+              <a:gd name="connsiteX2" fmla="*/ 2028771 w 2028771"/>
+              <a:gd name="connsiteY2" fmla="*/ 142877 h 142877"/>
+              <a:gd name="connsiteX3" fmla="*/ 0 w 2028771"/>
+              <a:gd name="connsiteY3" fmla="*/ 142877 h 142877"/>
+              <a:gd name="connsiteX4" fmla="*/ 0 w 2028771"/>
+              <a:gd name="connsiteY4" fmla="*/ 0 h 142877"/>
+              <a:gd name="connsiteX0" fmla="*/ 0 w 2052200"/>
+              <a:gd name="connsiteY0" fmla="*/ 4258 h 142877"/>
+              <a:gd name="connsiteX1" fmla="*/ 2052200 w 2052200"/>
+              <a:gd name="connsiteY1" fmla="*/ 0 h 142877"/>
+              <a:gd name="connsiteX2" fmla="*/ 2052200 w 2052200"/>
+              <a:gd name="connsiteY2" fmla="*/ 142877 h 142877"/>
+              <a:gd name="connsiteX3" fmla="*/ 23429 w 2052200"/>
+              <a:gd name="connsiteY3" fmla="*/ 142877 h 142877"/>
+              <a:gd name="connsiteX4" fmla="*/ 0 w 2052200"/>
+              <a:gd name="connsiteY4" fmla="*/ 4258 h 142877"/>
+              <a:gd name="connsiteX0" fmla="*/ 0 w 2052200"/>
+              <a:gd name="connsiteY0" fmla="*/ 4258 h 142877"/>
+              <a:gd name="connsiteX1" fmla="*/ 2052200 w 2052200"/>
+              <a:gd name="connsiteY1" fmla="*/ 0 h 142877"/>
+              <a:gd name="connsiteX2" fmla="*/ 2052200 w 2052200"/>
+              <a:gd name="connsiteY2" fmla="*/ 142877 h 142877"/>
+              <a:gd name="connsiteX3" fmla="*/ 34622 w 2052200"/>
+              <a:gd name="connsiteY3" fmla="*/ 141599 h 142877"/>
+              <a:gd name="connsiteX4" fmla="*/ 0 w 2052200"/>
+              <a:gd name="connsiteY4" fmla="*/ 4258 h 142877"/>
+              <a:gd name="connsiteX0" fmla="*/ 0 w 2055931"/>
+              <a:gd name="connsiteY0" fmla="*/ 4684 h 142877"/>
+              <a:gd name="connsiteX1" fmla="*/ 2055931 w 2055931"/>
+              <a:gd name="connsiteY1" fmla="*/ 0 h 142877"/>
+              <a:gd name="connsiteX2" fmla="*/ 2055931 w 2055931"/>
+              <a:gd name="connsiteY2" fmla="*/ 142877 h 142877"/>
+              <a:gd name="connsiteX3" fmla="*/ 38353 w 2055931"/>
+              <a:gd name="connsiteY3" fmla="*/ 141599 h 142877"/>
+              <a:gd name="connsiteX4" fmla="*/ 0 w 2055931"/>
+              <a:gd name="connsiteY4" fmla="*/ 4684 h 142877"/>
+              <a:gd name="connsiteX0" fmla="*/ 0 w 2085835"/>
+              <a:gd name="connsiteY0" fmla="*/ 697 h 142877"/>
+              <a:gd name="connsiteX1" fmla="*/ 2085835 w 2085835"/>
+              <a:gd name="connsiteY1" fmla="*/ 0 h 142877"/>
+              <a:gd name="connsiteX2" fmla="*/ 2085835 w 2085835"/>
+              <a:gd name="connsiteY2" fmla="*/ 142877 h 142877"/>
+              <a:gd name="connsiteX3" fmla="*/ 68257 w 2085835"/>
+              <a:gd name="connsiteY3" fmla="*/ 141599 h 142877"/>
+              <a:gd name="connsiteX4" fmla="*/ 0 w 2085835"/>
+              <a:gd name="connsiteY4" fmla="*/ 697 h 142877"/>
+              <a:gd name="connsiteX0" fmla="*/ 0 w 2085835"/>
+              <a:gd name="connsiteY0" fmla="*/ 697 h 142877"/>
+              <a:gd name="connsiteX1" fmla="*/ 2085835 w 2085835"/>
+              <a:gd name="connsiteY1" fmla="*/ 0 h 142877"/>
+              <a:gd name="connsiteX2" fmla="*/ 2085835 w 2085835"/>
+              <a:gd name="connsiteY2" fmla="*/ 142877 h 142877"/>
+              <a:gd name="connsiteX3" fmla="*/ 74323 w 2085835"/>
+              <a:gd name="connsiteY3" fmla="*/ 137879 h 142877"/>
+              <a:gd name="connsiteX4" fmla="*/ 0 w 2085835"/>
+              <a:gd name="connsiteY4" fmla="*/ 697 h 142877"/>
+            </a:gdLst>
+            <a:ahLst/>
+            <a:cxnLst>
+              <a:cxn ang="0">
+                <a:pos x="connsiteX0" y="connsiteY0"/>
+              </a:cxn>
+              <a:cxn ang="0">
+                <a:pos x="connsiteX1" y="connsiteY1"/>
+              </a:cxn>
+              <a:cxn ang="0">
+                <a:pos x="connsiteX2" y="connsiteY2"/>
+              </a:cxn>
+              <a:cxn ang="0">
+                <a:pos x="connsiteX3" y="connsiteY3"/>
+              </a:cxn>
+              <a:cxn ang="0">
+                <a:pos x="connsiteX4" y="connsiteY4"/>
+              </a:cxn>
+            </a:cxnLst>
+            <a:rect l="l" t="t" r="r" b="b"/>
+            <a:pathLst>
+              <a:path w="2085835" h="142877">
+                <a:moveTo>
+                  <a:pt x="0" y="697"/>
+                </a:moveTo>
+                <a:lnTo>
+                  <a:pt x="2085835" y="0"/>
+                </a:lnTo>
+                <a:lnTo>
+                  <a:pt x="2085835" y="142877"/>
+                </a:lnTo>
+                <a:lnTo>
+                  <a:pt x="74323" y="137879"/>
+                </a:lnTo>
+                <a:lnTo>
+                  <a:pt x="0" y="697"/>
+                </a:lnTo>
+                <a:close/>
+              </a:path>
+            </a:pathLst>
+          </a:custGeom>
+          <a:gradFill flip="none" rotWithShape="1">
+            <a:gsLst>
+              <a:gs pos="0">
+                <a:srgbClr val="FFC000"/>
+              </a:gs>
+              <a:gs pos="100000">
+                <a:schemeClr val="accent4"/>
+              </a:gs>
+            </a:gsLst>
+            <a:lin ang="2700000" scaled="1"/>
+            <a:tileRect/>
+          </a:gradFill>
+          <a:ln>
+            <a:noFill/>
+          </a:ln>
+        </p:spPr>
+        <p:style>
+          <a:lnRef idx="2">
+            <a:schemeClr val="accent1">
+              <a:shade val="50000"/>
+            </a:schemeClr>
+          </a:lnRef>
+          <a:fillRef idx="1">
+            <a:schemeClr val="accent1"/>
+          </a:fillRef>
+          <a:effectRef idx="0">
+            <a:schemeClr val="accent1"/>
+          </a:effectRef>
+          <a:fontRef idx="minor">
+            <a:schemeClr val="lt1"/>
+          </a:fontRef>
+        </p:style>
+        <p:txBody>
+          <a:bodyPr rot="0" spcFirstLastPara="0" vertOverflow="overflow" horzOverflow="overflow" vert="horz" wrap="square" lIns="91440" tIns="45720" rIns="91440" bIns="45720" numCol="1" spcCol="0" rtlCol="0" fromWordArt="0" anchor="ctr" anchorCtr="0" forceAA="0" compatLnSpc="1">
+            <a:prstTxWarp prst="textNoShape">
+              <a:avLst/>
+            </a:prstTxWarp>
+            <a:noAutofit/>
+          </a:bodyPr>
+          <a:lstStyle/>
+          <a:p>
+            <a:pPr algn="ctr"/>
+            <a:endParaRPr lang="en-US"/>
+          </a:p>
+        </p:txBody>
+      </p:sp>
+      <p:sp>
+        <p:nvSpPr>
+          <p:cNvPr id="15" name="Rectangle 24">
+            <a:extLst>
+              <a:ext uri="{FF2B5EF4-FFF2-40B4-BE49-F238E27FC236}">
+                <a16:creationId xmlns:a16="http://schemas.microsoft.com/office/drawing/2014/main" xmlns="" id="{CD250350-9992-4E6D-B1B4-3748BDE604F9}"/>
+              </a:ext>
+            </a:extLst>
+          </p:cNvPr>
+          <p:cNvSpPr/>
+          <p:nvPr/>
+        </p:nvSpPr>
+        <p:spPr>
+          <a:xfrm>
+            <a:off x="1268437" y="4380963"/>
+            <a:ext cx="3514027" cy="145258"/>
+          </a:xfrm>
+          <a:custGeom>
+            <a:avLst/>
+            <a:gdLst>
+              <a:gd name="connsiteX0" fmla="*/ 0 w 4857750"/>
+              <a:gd name="connsiteY0" fmla="*/ 0 h 142877"/>
+              <a:gd name="connsiteX1" fmla="*/ 4857750 w 4857750"/>
+              <a:gd name="connsiteY1" fmla="*/ 0 h 142877"/>
+              <a:gd name="connsiteX2" fmla="*/ 4857750 w 4857750"/>
+              <a:gd name="connsiteY2" fmla="*/ 142877 h 142877"/>
+              <a:gd name="connsiteX3" fmla="*/ 0 w 4857750"/>
+              <a:gd name="connsiteY3" fmla="*/ 142877 h 142877"/>
+              <a:gd name="connsiteX4" fmla="*/ 0 w 4857750"/>
+              <a:gd name="connsiteY4" fmla="*/ 0 h 142877"/>
+              <a:gd name="connsiteX0" fmla="*/ 0 w 4888706"/>
+              <a:gd name="connsiteY0" fmla="*/ 2381 h 145258"/>
+              <a:gd name="connsiteX1" fmla="*/ 4888706 w 4888706"/>
+              <a:gd name="connsiteY1" fmla="*/ 0 h 145258"/>
+              <a:gd name="connsiteX2" fmla="*/ 4857750 w 4888706"/>
+              <a:gd name="connsiteY2" fmla="*/ 145258 h 145258"/>
+              <a:gd name="connsiteX3" fmla="*/ 0 w 4888706"/>
+              <a:gd name="connsiteY3" fmla="*/ 145258 h 145258"/>
+              <a:gd name="connsiteX4" fmla="*/ 0 w 4888706"/>
+              <a:gd name="connsiteY4" fmla="*/ 2381 h 145258"/>
+            </a:gdLst>
+            <a:ahLst/>
+            <a:cxnLst>
+              <a:cxn ang="0">
+                <a:pos x="connsiteX0" y="connsiteY0"/>
+              </a:cxn>
+              <a:cxn ang="0">
+                <a:pos x="connsiteX1" y="connsiteY1"/>
+              </a:cxn>
+              <a:cxn ang="0">
+                <a:pos x="connsiteX2" y="connsiteY2"/>
+              </a:cxn>
+              <a:cxn ang="0">
+                <a:pos x="connsiteX3" y="connsiteY3"/>
+              </a:cxn>
+              <a:cxn ang="0">
+                <a:pos x="connsiteX4" y="connsiteY4"/>
+              </a:cxn>
+            </a:cxnLst>
+            <a:rect l="l" t="t" r="r" b="b"/>
+            <a:pathLst>
+              <a:path w="4888706" h="145258">
+                <a:moveTo>
+                  <a:pt x="0" y="2381"/>
+                </a:moveTo>
+                <a:lnTo>
+                  <a:pt x="4888706" y="0"/>
+                </a:lnTo>
+                <a:lnTo>
+                  <a:pt x="4857750" y="145258"/>
+                </a:lnTo>
+                <a:lnTo>
+                  <a:pt x="0" y="145258"/>
+                </a:lnTo>
+                <a:lnTo>
+                  <a:pt x="0" y="2381"/>
+                </a:lnTo>
+                <a:close/>
+              </a:path>
+            </a:pathLst>
+          </a:custGeom>
+          <a:gradFill flip="none" rotWithShape="1">
+            <a:gsLst>
+              <a:gs pos="0">
+                <a:srgbClr val="FFC000"/>
+              </a:gs>
+              <a:gs pos="100000">
+                <a:schemeClr val="accent4"/>
+              </a:gs>
+            </a:gsLst>
+            <a:lin ang="2700000" scaled="1"/>
+            <a:tileRect/>
+          </a:gradFill>
+          <a:ln>
+            <a:noFill/>
+          </a:ln>
+        </p:spPr>
+        <p:style>
+          <a:lnRef idx="2">
+            <a:schemeClr val="accent1">
+              <a:shade val="50000"/>
+            </a:schemeClr>
+          </a:lnRef>
+          <a:fillRef idx="1">
+            <a:schemeClr val="accent1"/>
+          </a:fillRef>
+          <a:effectRef idx="0">
+            <a:schemeClr val="accent1"/>
+          </a:effectRef>
+          <a:fontRef idx="minor">
+            <a:schemeClr val="lt1"/>
+          </a:fontRef>
+        </p:style>
+        <p:txBody>
+          <a:bodyPr rtlCol="0" anchor="ctr"/>
+          <a:lstStyle/>
+          <a:p>
+            <a:pPr algn="ctr"/>
+            <a:endParaRPr lang="en-US"/>
+          </a:p>
+        </p:txBody>
+      </p:sp>
+      <p:sp>
+        <p:nvSpPr>
+          <p:cNvPr id="16" name="Rectangle 25">
+            <a:extLst>
+              <a:ext uri="{FF2B5EF4-FFF2-40B4-BE49-F238E27FC236}">
+                <a16:creationId xmlns:a16="http://schemas.microsoft.com/office/drawing/2014/main" xmlns="" id="{4BC43E3D-0458-444A-8DFE-CD095A822EC8}"/>
+              </a:ext>
+            </a:extLst>
+          </p:cNvPr>
+          <p:cNvSpPr/>
+          <p:nvPr/>
+        </p:nvSpPr>
+        <p:spPr>
+          <a:xfrm rot="17367765">
+            <a:off x="803233" y="3837831"/>
+            <a:ext cx="1345095" cy="142877"/>
+          </a:xfrm>
+          <a:custGeom>
+            <a:avLst/>
+            <a:gdLst>
+              <a:gd name="connsiteX0" fmla="*/ 0 w 2028771"/>
+              <a:gd name="connsiteY0" fmla="*/ 0 h 142877"/>
+              <a:gd name="connsiteX1" fmla="*/ 2028771 w 2028771"/>
+              <a:gd name="connsiteY1" fmla="*/ 0 h 142877"/>
+              <a:gd name="connsiteX2" fmla="*/ 2028771 w 2028771"/>
+              <a:gd name="connsiteY2" fmla="*/ 142877 h 142877"/>
+              <a:gd name="connsiteX3" fmla="*/ 0 w 2028771"/>
+              <a:gd name="connsiteY3" fmla="*/ 142877 h 142877"/>
+              <a:gd name="connsiteX4" fmla="*/ 0 w 2028771"/>
+              <a:gd name="connsiteY4" fmla="*/ 0 h 142877"/>
+              <a:gd name="connsiteX0" fmla="*/ 0 w 2052200"/>
+              <a:gd name="connsiteY0" fmla="*/ 4258 h 142877"/>
+              <a:gd name="connsiteX1" fmla="*/ 2052200 w 2052200"/>
+              <a:gd name="connsiteY1" fmla="*/ 0 h 142877"/>
+              <a:gd name="connsiteX2" fmla="*/ 2052200 w 2052200"/>
+              <a:gd name="connsiteY2" fmla="*/ 142877 h 142877"/>
+              <a:gd name="connsiteX3" fmla="*/ 23429 w 2052200"/>
+              <a:gd name="connsiteY3" fmla="*/ 142877 h 142877"/>
+              <a:gd name="connsiteX4" fmla="*/ 0 w 2052200"/>
+              <a:gd name="connsiteY4" fmla="*/ 4258 h 142877"/>
+              <a:gd name="connsiteX0" fmla="*/ 0 w 2123244"/>
+              <a:gd name="connsiteY0" fmla="*/ 9694 h 142877"/>
+              <a:gd name="connsiteX1" fmla="*/ 2123244 w 2123244"/>
+              <a:gd name="connsiteY1" fmla="*/ 0 h 142877"/>
+              <a:gd name="connsiteX2" fmla="*/ 2123244 w 2123244"/>
+              <a:gd name="connsiteY2" fmla="*/ 142877 h 142877"/>
+              <a:gd name="connsiteX3" fmla="*/ 94473 w 2123244"/>
+              <a:gd name="connsiteY3" fmla="*/ 142877 h 142877"/>
+              <a:gd name="connsiteX4" fmla="*/ 0 w 2123244"/>
+              <a:gd name="connsiteY4" fmla="*/ 9694 h 142877"/>
+              <a:gd name="connsiteX0" fmla="*/ 0 w 2123244"/>
+              <a:gd name="connsiteY0" fmla="*/ 9694 h 142877"/>
+              <a:gd name="connsiteX1" fmla="*/ 2123244 w 2123244"/>
+              <a:gd name="connsiteY1" fmla="*/ 0 h 142877"/>
+              <a:gd name="connsiteX2" fmla="*/ 2123244 w 2123244"/>
+              <a:gd name="connsiteY2" fmla="*/ 142877 h 142877"/>
+              <a:gd name="connsiteX3" fmla="*/ 65099 w 2123244"/>
+              <a:gd name="connsiteY3" fmla="*/ 140244 h 142877"/>
+              <a:gd name="connsiteX4" fmla="*/ 0 w 2123244"/>
+              <a:gd name="connsiteY4" fmla="*/ 9694 h 142877"/>
+              <a:gd name="connsiteX0" fmla="*/ -1 w 2127466"/>
+              <a:gd name="connsiteY0" fmla="*/ 8242 h 142877"/>
+              <a:gd name="connsiteX1" fmla="*/ 2127466 w 2127466"/>
+              <a:gd name="connsiteY1" fmla="*/ 0 h 142877"/>
+              <a:gd name="connsiteX2" fmla="*/ 2127466 w 2127466"/>
+              <a:gd name="connsiteY2" fmla="*/ 142877 h 142877"/>
+              <a:gd name="connsiteX3" fmla="*/ 69321 w 2127466"/>
+              <a:gd name="connsiteY3" fmla="*/ 140244 h 142877"/>
+              <a:gd name="connsiteX4" fmla="*/ -1 w 2127466"/>
+              <a:gd name="connsiteY4" fmla="*/ 8242 h 142877"/>
+              <a:gd name="connsiteX0" fmla="*/ 0 w 2115901"/>
+              <a:gd name="connsiteY0" fmla="*/ 10352 h 142877"/>
+              <a:gd name="connsiteX1" fmla="*/ 2115901 w 2115901"/>
+              <a:gd name="connsiteY1" fmla="*/ 0 h 142877"/>
+              <a:gd name="connsiteX2" fmla="*/ 2115901 w 2115901"/>
+              <a:gd name="connsiteY2" fmla="*/ 142877 h 142877"/>
+              <a:gd name="connsiteX3" fmla="*/ 57756 w 2115901"/>
+              <a:gd name="connsiteY3" fmla="*/ 140244 h 142877"/>
+              <a:gd name="connsiteX4" fmla="*/ 0 w 2115901"/>
+              <a:gd name="connsiteY4" fmla="*/ 10352 h 142877"/>
+              <a:gd name="connsiteX0" fmla="*/ 0 w 2121039"/>
+              <a:gd name="connsiteY0" fmla="*/ 14184 h 142877"/>
+              <a:gd name="connsiteX1" fmla="*/ 2121039 w 2121039"/>
+              <a:gd name="connsiteY1" fmla="*/ 0 h 142877"/>
+              <a:gd name="connsiteX2" fmla="*/ 2121039 w 2121039"/>
+              <a:gd name="connsiteY2" fmla="*/ 142877 h 142877"/>
+              <a:gd name="connsiteX3" fmla="*/ 62894 w 2121039"/>
+              <a:gd name="connsiteY3" fmla="*/ 140244 h 142877"/>
+              <a:gd name="connsiteX4" fmla="*/ 0 w 2121039"/>
+              <a:gd name="connsiteY4" fmla="*/ 14184 h 142877"/>
+            </a:gdLst>
+            <a:ahLst/>
+            <a:cxnLst>
+              <a:cxn ang="0">
+                <a:pos x="connsiteX0" y="connsiteY0"/>
+              </a:cxn>
+              <a:cxn ang="0">
+                <a:pos x="connsiteX1" y="connsiteY1"/>
+              </a:cxn>
+              <a:cxn ang="0">
+                <a:pos x="connsiteX2" y="connsiteY2"/>
+              </a:cxn>
+              <a:cxn ang="0">
+                <a:pos x="connsiteX3" y="connsiteY3"/>
+              </a:cxn>
+              <a:cxn ang="0">
+                <a:pos x="connsiteX4" y="connsiteY4"/>
+              </a:cxn>
+            </a:cxnLst>
+            <a:rect l="l" t="t" r="r" b="b"/>
+            <a:pathLst>
+              <a:path w="2121039" h="142877">
+                <a:moveTo>
+                  <a:pt x="0" y="14184"/>
+                </a:moveTo>
+                <a:lnTo>
+                  <a:pt x="2121039" y="0"/>
+                </a:lnTo>
+                <a:lnTo>
+                  <a:pt x="2121039" y="142877"/>
+                </a:lnTo>
+                <a:lnTo>
+                  <a:pt x="62894" y="140244"/>
+                </a:lnTo>
+                <a:lnTo>
+                  <a:pt x="0" y="14184"/>
+                </a:lnTo>
+                <a:close/>
+              </a:path>
+            </a:pathLst>
+          </a:custGeom>
+          <a:gradFill flip="none" rotWithShape="1">
+            <a:gsLst>
+              <a:gs pos="0">
+                <a:srgbClr val="FFC000"/>
+              </a:gs>
+              <a:gs pos="100000">
+                <a:schemeClr val="accent4"/>
+              </a:gs>
+            </a:gsLst>
+            <a:lin ang="2700000" scaled="1"/>
+            <a:tileRect/>
+          </a:gradFill>
+          <a:ln>
+            <a:noFill/>
+          </a:ln>
+        </p:spPr>
+        <p:style>
+          <a:lnRef idx="2">
+            <a:schemeClr val="accent1">
+              <a:shade val="50000"/>
+            </a:schemeClr>
+          </a:lnRef>
+          <a:fillRef idx="1">
+            <a:schemeClr val="accent1"/>
+          </a:fillRef>
+          <a:effectRef idx="0">
+            <a:schemeClr val="accent1"/>
+          </a:effectRef>
+          <a:fontRef idx="minor">
+            <a:schemeClr val="lt1"/>
+          </a:fontRef>
+        </p:style>
+        <p:txBody>
+          <a:bodyPr rot="0" spcFirstLastPara="0" vertOverflow="overflow" horzOverflow="overflow" vert="horz" wrap="square" lIns="91440" tIns="45720" rIns="91440" bIns="45720" numCol="1" spcCol="0" rtlCol="0" fromWordArt="0" anchor="ctr" anchorCtr="0" forceAA="0" compatLnSpc="1">
+            <a:prstTxWarp prst="textNoShape">
+              <a:avLst/>
+            </a:prstTxWarp>
+            <a:noAutofit/>
+          </a:bodyPr>
+          <a:lstStyle/>
+          <a:p>
+            <a:pPr algn="ctr"/>
+            <a:endParaRPr lang="en-US"/>
+          </a:p>
+        </p:txBody>
+      </p:sp>
+      <p:sp>
+        <p:nvSpPr>
+          <p:cNvPr id="20" name="Rectangle 24">
+            <a:extLst>
+              <a:ext uri="{FF2B5EF4-FFF2-40B4-BE49-F238E27FC236}">
+                <a16:creationId xmlns:a16="http://schemas.microsoft.com/office/drawing/2014/main" xmlns="" id="{E131AFC9-51D3-4245-8A29-7A081724AF29}"/>
+              </a:ext>
+            </a:extLst>
+          </p:cNvPr>
+          <p:cNvSpPr/>
+          <p:nvPr/>
+        </p:nvSpPr>
+        <p:spPr>
+          <a:xfrm>
+            <a:off x="8659458" y="4722342"/>
+            <a:ext cx="6129692" cy="145258"/>
+          </a:xfrm>
+          <a:custGeom>
+            <a:avLst/>
+            <a:gdLst>
+              <a:gd name="connsiteX0" fmla="*/ 0 w 4857750"/>
+              <a:gd name="connsiteY0" fmla="*/ 0 h 142877"/>
+              <a:gd name="connsiteX1" fmla="*/ 4857750 w 4857750"/>
+              <a:gd name="connsiteY1" fmla="*/ 0 h 142877"/>
+              <a:gd name="connsiteX2" fmla="*/ 4857750 w 4857750"/>
+              <a:gd name="connsiteY2" fmla="*/ 142877 h 142877"/>
+              <a:gd name="connsiteX3" fmla="*/ 0 w 4857750"/>
+              <a:gd name="connsiteY3" fmla="*/ 142877 h 142877"/>
+              <a:gd name="connsiteX4" fmla="*/ 0 w 4857750"/>
+              <a:gd name="connsiteY4" fmla="*/ 0 h 142877"/>
+              <a:gd name="connsiteX0" fmla="*/ 0 w 4888706"/>
+              <a:gd name="connsiteY0" fmla="*/ 2381 h 145258"/>
+              <a:gd name="connsiteX1" fmla="*/ 4888706 w 4888706"/>
+              <a:gd name="connsiteY1" fmla="*/ 0 h 145258"/>
+              <a:gd name="connsiteX2" fmla="*/ 4857750 w 4888706"/>
+              <a:gd name="connsiteY2" fmla="*/ 145258 h 145258"/>
+              <a:gd name="connsiteX3" fmla="*/ 0 w 4888706"/>
+              <a:gd name="connsiteY3" fmla="*/ 145258 h 145258"/>
+              <a:gd name="connsiteX4" fmla="*/ 0 w 4888706"/>
+              <a:gd name="connsiteY4" fmla="*/ 2381 h 145258"/>
+            </a:gdLst>
+            <a:ahLst/>
+            <a:cxnLst>
+              <a:cxn ang="0">
+                <a:pos x="connsiteX0" y="connsiteY0"/>
+              </a:cxn>
+              <a:cxn ang="0">
+                <a:pos x="connsiteX1" y="connsiteY1"/>
+              </a:cxn>
+              <a:cxn ang="0">
+                <a:pos x="connsiteX2" y="connsiteY2"/>
+              </a:cxn>
+              <a:cxn ang="0">
+                <a:pos x="connsiteX3" y="connsiteY3"/>
+              </a:cxn>
+              <a:cxn ang="0">
+                <a:pos x="connsiteX4" y="connsiteY4"/>
+              </a:cxn>
+            </a:cxnLst>
+            <a:rect l="l" t="t" r="r" b="b"/>
+            <a:pathLst>
+              <a:path w="4888706" h="145258">
+                <a:moveTo>
+                  <a:pt x="0" y="2381"/>
+                </a:moveTo>
+                <a:lnTo>
+                  <a:pt x="4888706" y="0"/>
+                </a:lnTo>
+                <a:lnTo>
+                  <a:pt x="4857750" y="145258"/>
+                </a:lnTo>
+                <a:lnTo>
+                  <a:pt x="0" y="145258"/>
+                </a:lnTo>
+                <a:lnTo>
+                  <a:pt x="0" y="2381"/>
+                </a:lnTo>
+                <a:close/>
+              </a:path>
+            </a:pathLst>
+          </a:custGeom>
+          <a:gradFill flip="none" rotWithShape="1">
+            <a:gsLst>
+              <a:gs pos="0">
+                <a:srgbClr val="FFC000"/>
+              </a:gs>
+              <a:gs pos="100000">
+                <a:schemeClr val="accent4"/>
+              </a:gs>
+            </a:gsLst>
+            <a:lin ang="2700000" scaled="1"/>
+            <a:tileRect/>
+          </a:gradFill>
+          <a:ln>
+            <a:noFill/>
+          </a:ln>
+        </p:spPr>
+        <p:style>
+          <a:lnRef idx="2">
+            <a:schemeClr val="accent1">
+              <a:shade val="50000"/>
+            </a:schemeClr>
+          </a:lnRef>
+          <a:fillRef idx="1">
+            <a:schemeClr val="accent1"/>
+          </a:fillRef>
+          <a:effectRef idx="0">
+            <a:schemeClr val="accent1"/>
+          </a:effectRef>
+          <a:fontRef idx="minor">
+            <a:schemeClr val="lt1"/>
+          </a:fontRef>
+        </p:style>
+        <p:txBody>
+          <a:bodyPr rtlCol="0" anchor="ctr"/>
+          <a:lstStyle/>
+          <a:p>
+            <a:pPr algn="ctr"/>
+            <a:endParaRPr lang="en-US"/>
+          </a:p>
+        </p:txBody>
+      </p:sp>
+      <p:sp>
+        <p:nvSpPr>
+          <p:cNvPr id="21" name="Parallelogram 20">
+            <a:extLst>
+              <a:ext uri="{FF2B5EF4-FFF2-40B4-BE49-F238E27FC236}">
+                <a16:creationId xmlns:a16="http://schemas.microsoft.com/office/drawing/2014/main" xmlns="" id="{BA9934B4-F5B8-4DC9-B6BA-17D0C3649075}"/>
+              </a:ext>
+            </a:extLst>
+          </p:cNvPr>
+          <p:cNvSpPr/>
+          <p:nvPr/>
+        </p:nvSpPr>
+        <p:spPr>
+          <a:xfrm>
+            <a:off x="8384705" y="4340087"/>
+            <a:ext cx="4226063" cy="1095847"/>
+          </a:xfrm>
+          <a:prstGeom prst="parallelogram">
+            <a:avLst>
+              <a:gd name="adj" fmla="val 31258"/>
+            </a:avLst>
+          </a:prstGeom>
+          <a:solidFill>
+            <a:schemeClr val="bg1"/>
+          </a:solidFill>
+          <a:ln>
+            <a:noFill/>
+          </a:ln>
+        </p:spPr>
+        <p:style>
+          <a:lnRef idx="2">
+            <a:schemeClr val="accent1">
+              <a:shade val="50000"/>
+            </a:schemeClr>
+          </a:lnRef>
+          <a:fillRef idx="1">
+            <a:schemeClr val="accent1"/>
+          </a:fillRef>
+          <a:effectRef idx="0">
+            <a:schemeClr val="accent1"/>
+          </a:effectRef>
+          <a:fontRef idx="minor">
+            <a:schemeClr val="lt1"/>
+          </a:fontRef>
+        </p:style>
+        <p:txBody>
+          <a:bodyPr rtlCol="0" anchor="ctr"/>
+          <a:lstStyle/>
+          <a:p>
+            <a:pPr algn="ctr"/>
+            <a:endParaRPr lang="en-US"/>
+          </a:p>
+        </p:txBody>
+      </p:sp>
+    </p:spTree>
+    <p:extLst>
+      <p:ext uri="{BB962C8B-B14F-4D97-AF65-F5344CB8AC3E}">
+        <p14:creationId xmlns:p14="http://schemas.microsoft.com/office/powerpoint/2010/main" val="1777961929"/>
+      </p:ext>
+    </p:extLst>
+  </p:cSld>
+  <p:clrMapOvr>
+    <a:masterClrMapping/>
+  </p:clrMapOvr>
+  <p:timing>
+    <p:tnLst>
+      <p:par>
+        <p:cTn id="1" dur="indefinite" restart="never" nodeType="tmRoot">
+          <p:childTnLst>
+            <p:seq concurrent="1" nextAc="seek">
+              <p:cTn id="2" dur="indefinite" nodeType="mainSeq">
+                <p:childTnLst>
+                  <p:par>
+                    <p:cTn id="3" fill="hold">
+                      <p:stCondLst>
+                        <p:cond delay="indefinite"/>
+                      </p:stCondLst>
+                      <p:childTnLst>
+                        <p:par>
+                          <p:cTn id="4" fill="hold">
+                            <p:stCondLst>
+                              <p:cond delay="0"/>
+                            </p:stCondLst>
+                            <p:childTnLst>
+                              <p:par>
+                                <p:cTn id="5" presetID="22" presetClass="entr" presetSubtype="2" fill="hold" grpId="0" nodeType="clickEffect">
+                                  <p:stCondLst>
+                                    <p:cond delay="0"/>
+                                  </p:stCondLst>
+                                  <p:childTnLst>
+                                    <p:set>
+                                      <p:cBhvr>
+                                        <p:cTn id="6" dur="1" fill="hold">
+                                          <p:stCondLst>
+                                            <p:cond delay="0"/>
+                                          </p:stCondLst>
+                                        </p:cTn>
+                                        <p:tgtEl>
+                                          <p:spTgt spid="25"/>
+                                        </p:tgtEl>
+                                        <p:attrNameLst>
+                                          <p:attrName>style.visibility</p:attrName>
+                                        </p:attrNameLst>
+                                      </p:cBhvr>
+                                      <p:to>
+                                        <p:strVal val="visible"/>
+                                      </p:to>
+                                    </p:set>
+                                    <p:animEffect transition="in" filter="wipe(right)">
+                                      <p:cBhvr>
+                                        <p:cTn id="7" dur="250"/>
+                                        <p:tgtEl>
+                                          <p:spTgt spid="25"/>
+                                        </p:tgtEl>
+                                      </p:cBhvr>
+                                    </p:animEffect>
+                                  </p:childTnLst>
+                                </p:cTn>
+                              </p:par>
+                            </p:childTnLst>
+                          </p:cTn>
+                        </p:par>
+                        <p:par>
+                          <p:cTn id="8" fill="hold">
+                            <p:stCondLst>
+                              <p:cond delay="250"/>
+                            </p:stCondLst>
+                            <p:childTnLst>
+                              <p:par>
+                                <p:cTn id="9" presetID="22" presetClass="entr" presetSubtype="4" fill="hold" grpId="0" nodeType="afterEffect">
+                                  <p:stCondLst>
+                                    <p:cond delay="0"/>
+                                  </p:stCondLst>
+                                  <p:childTnLst>
+                                    <p:set>
+                                      <p:cBhvr>
+                                        <p:cTn id="10" dur="1" fill="hold">
+                                          <p:stCondLst>
+                                            <p:cond delay="0"/>
+                                          </p:stCondLst>
+                                        </p:cTn>
+                                        <p:tgtEl>
+                                          <p:spTgt spid="26"/>
+                                        </p:tgtEl>
+                                        <p:attrNameLst>
+                                          <p:attrName>style.visibility</p:attrName>
+                                        </p:attrNameLst>
+                                      </p:cBhvr>
+                                      <p:to>
+                                        <p:strVal val="visible"/>
+                                      </p:to>
+                                    </p:set>
+                                    <p:animEffect transition="in" filter="wipe(down)">
+                                      <p:cBhvr>
+                                        <p:cTn id="11" dur="250"/>
+                                        <p:tgtEl>
+                                          <p:spTgt spid="26"/>
+                                        </p:tgtEl>
+                                      </p:cBhvr>
+                                    </p:animEffect>
+                                  </p:childTnLst>
+                                </p:cTn>
+                              </p:par>
+                            </p:childTnLst>
+                          </p:cTn>
+                        </p:par>
+                        <p:par>
+                          <p:cTn id="12" fill="hold">
+                            <p:stCondLst>
+                              <p:cond delay="500"/>
+                            </p:stCondLst>
+                            <p:childTnLst>
+                              <p:par>
+                                <p:cTn id="13" presetID="22" presetClass="entr" presetSubtype="8" fill="hold" grpId="0" nodeType="afterEffect">
+                                  <p:stCondLst>
+                                    <p:cond delay="0"/>
+                                  </p:stCondLst>
+                                  <p:childTnLst>
+                                    <p:set>
+                                      <p:cBhvr>
+                                        <p:cTn id="14" dur="1" fill="hold">
+                                          <p:stCondLst>
+                                            <p:cond delay="0"/>
+                                          </p:stCondLst>
+                                        </p:cTn>
+                                        <p:tgtEl>
+                                          <p:spTgt spid="41"/>
+                                        </p:tgtEl>
+                                        <p:attrNameLst>
+                                          <p:attrName>style.visibility</p:attrName>
+                                        </p:attrNameLst>
+                                      </p:cBhvr>
+                                      <p:to>
+                                        <p:strVal val="visible"/>
+                                      </p:to>
+                                    </p:set>
+                                    <p:animEffect transition="in" filter="wipe(left)">
+                                      <p:cBhvr>
+                                        <p:cTn id="15" dur="250"/>
+                                        <p:tgtEl>
+                                          <p:spTgt spid="41"/>
+                                        </p:tgtEl>
+                                      </p:cBhvr>
+                                    </p:animEffect>
+                                  </p:childTnLst>
+                                </p:cTn>
+                              </p:par>
+                            </p:childTnLst>
+                          </p:cTn>
+                        </p:par>
+                        <p:par>
+                          <p:cTn id="16" fill="hold">
+                            <p:stCondLst>
+                              <p:cond delay="750"/>
+                            </p:stCondLst>
+                            <p:childTnLst>
+                              <p:par>
+                                <p:cTn id="17" presetID="2" presetClass="entr" presetSubtype="8" decel="100000" fill="hold" grpId="0" nodeType="afterEffect">
+                                  <p:stCondLst>
+                                    <p:cond delay="0"/>
+                                  </p:stCondLst>
+                                  <p:childTnLst>
+                                    <p:set>
+                                      <p:cBhvr>
+                                        <p:cTn id="18" dur="1" fill="hold">
+                                          <p:stCondLst>
+                                            <p:cond delay="0"/>
+                                          </p:stCondLst>
+                                        </p:cTn>
+                                        <p:tgtEl>
+                                          <p:spTgt spid="52"/>
+                                        </p:tgtEl>
+                                        <p:attrNameLst>
+                                          <p:attrName>style.visibility</p:attrName>
+                                        </p:attrNameLst>
+                                      </p:cBhvr>
+                                      <p:to>
+                                        <p:strVal val="visible"/>
+                                      </p:to>
+                                    </p:set>
+                                    <p:anim calcmode="lin" valueType="num">
+                                      <p:cBhvr additive="base">
+                                        <p:cTn id="19" dur="500" fill="hold"/>
+                                        <p:tgtEl>
+                                          <p:spTgt spid="52"/>
+                                        </p:tgtEl>
+                                        <p:attrNameLst>
+                                          <p:attrName>ppt_x</p:attrName>
+                                        </p:attrNameLst>
+                                      </p:cBhvr>
+                                      <p:tavLst>
+                                        <p:tav tm="0">
+                                          <p:val>
+                                            <p:strVal val="0-#ppt_w/2"/>
+                                          </p:val>
+                                        </p:tav>
+                                        <p:tav tm="100000">
+                                          <p:val>
+                                            <p:strVal val="#ppt_x"/>
+                                          </p:val>
+                                        </p:tav>
+                                      </p:tavLst>
+                                    </p:anim>
+                                    <p:anim calcmode="lin" valueType="num">
+                                      <p:cBhvr additive="base">
+                                        <p:cTn id="20" dur="500" fill="hold"/>
+                                        <p:tgtEl>
+                                          <p:spTgt spid="52"/>
+                                        </p:tgtEl>
+                                        <p:attrNameLst>
+                                          <p:attrName>ppt_y</p:attrName>
+                                        </p:attrNameLst>
+                                      </p:cBhvr>
+                                      <p:tavLst>
+                                        <p:tav tm="0">
+                                          <p:val>
+                                            <p:strVal val="#ppt_y"/>
+                                          </p:val>
+                                        </p:tav>
+                                        <p:tav tm="100000">
+                                          <p:val>
+                                            <p:strVal val="#ppt_y"/>
+                                          </p:val>
+                                        </p:tav>
+                                      </p:tavLst>
+                                    </p:anim>
+                                  </p:childTnLst>
+                                </p:cTn>
+                              </p:par>
+                              <p:par>
+                                <p:cTn id="21" presetID="2" presetClass="entr" presetSubtype="2" decel="44000" fill="hold" grpId="0" nodeType="withEffect">
+                                  <p:stCondLst>
+                                    <p:cond delay="250"/>
+                                  </p:stCondLst>
+                                  <p:childTnLst>
+                                    <p:set>
+                                      <p:cBhvr>
+                                        <p:cTn id="22" dur="1" fill="hold">
+                                          <p:stCondLst>
+                                            <p:cond delay="0"/>
+                                          </p:stCondLst>
+                                        </p:cTn>
+                                        <p:tgtEl>
+                                          <p:spTgt spid="51"/>
+                                        </p:tgtEl>
+                                        <p:attrNameLst>
+                                          <p:attrName>style.visibility</p:attrName>
+                                        </p:attrNameLst>
+                                      </p:cBhvr>
+                                      <p:to>
+                                        <p:strVal val="visible"/>
+                                      </p:to>
+                                    </p:set>
+                                    <p:anim calcmode="lin" valueType="num">
+                                      <p:cBhvr additive="base">
+                                        <p:cTn id="23" dur="250" fill="hold"/>
+                                        <p:tgtEl>
+                                          <p:spTgt spid="51"/>
+                                        </p:tgtEl>
+                                        <p:attrNameLst>
+                                          <p:attrName>ppt_x</p:attrName>
+                                        </p:attrNameLst>
+                                      </p:cBhvr>
+                                      <p:tavLst>
+                                        <p:tav tm="0">
+                                          <p:val>
+                                            <p:strVal val="1+#ppt_w/2"/>
+                                          </p:val>
+                                        </p:tav>
+                                        <p:tav tm="100000">
+                                          <p:val>
+                                            <p:strVal val="#ppt_x"/>
+                                          </p:val>
+                                        </p:tav>
+                                      </p:tavLst>
+                                    </p:anim>
+                                    <p:anim calcmode="lin" valueType="num">
+                                      <p:cBhvr additive="base">
+                                        <p:cTn id="24" dur="250" fill="hold"/>
+                                        <p:tgtEl>
+                                          <p:spTgt spid="51"/>
+                                        </p:tgtEl>
+                                        <p:attrNameLst>
+                                          <p:attrName>ppt_y</p:attrName>
+                                        </p:attrNameLst>
+                                      </p:cBhvr>
+                                      <p:tavLst>
+                                        <p:tav tm="0">
+                                          <p:val>
+                                            <p:strVal val="#ppt_y"/>
+                                          </p:val>
+                                        </p:tav>
+                                        <p:tav tm="100000">
+                                          <p:val>
+                                            <p:strVal val="#ppt_y"/>
+                                          </p:val>
+                                        </p:tav>
+                                      </p:tavLst>
+                                    </p:anim>
+                                  </p:childTnLst>
+                                </p:cTn>
+                              </p:par>
+                            </p:childTnLst>
+                          </p:cTn>
+                        </p:par>
+                        <p:par>
+                          <p:cTn id="25" fill="hold">
+                            <p:stCondLst>
+                              <p:cond delay="1250"/>
+                            </p:stCondLst>
+                            <p:childTnLst>
+                              <p:par>
+                                <p:cTn id="26" presetID="22" presetClass="entr" presetSubtype="8" fill="hold" grpId="0" nodeType="afterEffect">
+                                  <p:stCondLst>
+                                    <p:cond delay="0"/>
+                                  </p:stCondLst>
+                                  <p:childTnLst>
+                                    <p:set>
+                                      <p:cBhvr>
+                                        <p:cTn id="27" dur="1" fill="hold">
+                                          <p:stCondLst>
+                                            <p:cond delay="0"/>
+                                          </p:stCondLst>
+                                        </p:cTn>
+                                        <p:tgtEl>
+                                          <p:spTgt spid="47"/>
+                                        </p:tgtEl>
+                                        <p:attrNameLst>
+                                          <p:attrName>style.visibility</p:attrName>
+                                        </p:attrNameLst>
+                                      </p:cBhvr>
+                                      <p:to>
+                                        <p:strVal val="visible"/>
+                                      </p:to>
+                                    </p:set>
+                                    <p:animEffect transition="in" filter="wipe(left)">
+                                      <p:cBhvr>
+                                        <p:cTn id="28" dur="250"/>
+                                        <p:tgtEl>
+                                          <p:spTgt spid="47"/>
+                                        </p:tgtEl>
+                                      </p:cBhvr>
+                                    </p:animEffect>
+                                  </p:childTnLst>
+                                </p:cTn>
+                              </p:par>
+                            </p:childTnLst>
+                          </p:cTn>
+                        </p:par>
+                        <p:par>
+                          <p:cTn id="29" fill="hold">
+                            <p:stCondLst>
+                              <p:cond delay="1500"/>
+                            </p:stCondLst>
+                            <p:childTnLst>
+                              <p:par>
+                                <p:cTn id="30" presetID="22" presetClass="entr" presetSubtype="1" fill="hold" grpId="0" nodeType="afterEffect">
+                                  <p:stCondLst>
+                                    <p:cond delay="0"/>
+                                  </p:stCondLst>
+                                  <p:childTnLst>
+                                    <p:set>
+                                      <p:cBhvr>
+                                        <p:cTn id="31" dur="1" fill="hold">
+                                          <p:stCondLst>
+                                            <p:cond delay="0"/>
+                                          </p:stCondLst>
+                                        </p:cTn>
+                                        <p:tgtEl>
+                                          <p:spTgt spid="48"/>
+                                        </p:tgtEl>
+                                        <p:attrNameLst>
+                                          <p:attrName>style.visibility</p:attrName>
+                                        </p:attrNameLst>
+                                      </p:cBhvr>
+                                      <p:to>
+                                        <p:strVal val="visible"/>
+                                      </p:to>
+                                    </p:set>
+                                    <p:animEffect transition="in" filter="wipe(up)">
+                                      <p:cBhvr>
+                                        <p:cTn id="32" dur="250"/>
+                                        <p:tgtEl>
+                                          <p:spTgt spid="48"/>
+                                        </p:tgtEl>
+                                      </p:cBhvr>
+                                    </p:animEffect>
+                                  </p:childTnLst>
+                                </p:cTn>
+                              </p:par>
+                            </p:childTnLst>
+                          </p:cTn>
+                        </p:par>
+                        <p:par>
+                          <p:cTn id="33" fill="hold">
+                            <p:stCondLst>
+                              <p:cond delay="1750"/>
+                            </p:stCondLst>
+                            <p:childTnLst>
+                              <p:par>
+                                <p:cTn id="34" presetID="22" presetClass="entr" presetSubtype="2" fill="hold" grpId="0" nodeType="afterEffect">
+                                  <p:stCondLst>
+                                    <p:cond delay="0"/>
+                                  </p:stCondLst>
+                                  <p:childTnLst>
+                                    <p:set>
+                                      <p:cBhvr>
+                                        <p:cTn id="35" dur="1" fill="hold">
+                                          <p:stCondLst>
+                                            <p:cond delay="0"/>
+                                          </p:stCondLst>
+                                        </p:cTn>
+                                        <p:tgtEl>
+                                          <p:spTgt spid="49"/>
+                                        </p:tgtEl>
+                                        <p:attrNameLst>
+                                          <p:attrName>style.visibility</p:attrName>
+                                        </p:attrNameLst>
+                                      </p:cBhvr>
+                                      <p:to>
+                                        <p:strVal val="visible"/>
+                                      </p:to>
+                                    </p:set>
+                                    <p:animEffect transition="in" filter="wipe(right)">
+                                      <p:cBhvr>
+                                        <p:cTn id="36" dur="250"/>
+                                        <p:tgtEl>
+                                          <p:spTgt spid="49"/>
+                                        </p:tgtEl>
+                                      </p:cBhvr>
+                                    </p:animEffect>
+                                  </p:childTnLst>
+                                </p:cTn>
+                              </p:par>
+                            </p:childTnLst>
+                          </p:cTn>
+                        </p:par>
+                        <p:par>
+                          <p:cTn id="37" fill="hold">
+                            <p:stCondLst>
+                              <p:cond delay="2000"/>
+                            </p:stCondLst>
+                            <p:childTnLst>
+                              <p:par>
+                                <p:cTn id="38" presetID="22" presetClass="entr" presetSubtype="8" fill="hold" grpId="0" nodeType="afterEffect">
+                                  <p:stCondLst>
+                                    <p:cond delay="0"/>
+                                  </p:stCondLst>
+                                  <p:childTnLst>
+                                    <p:set>
+                                      <p:cBhvr>
+                                        <p:cTn id="39" dur="1" fill="hold">
+                                          <p:stCondLst>
+                                            <p:cond delay="0"/>
+                                          </p:stCondLst>
+                                        </p:cTn>
+                                        <p:tgtEl>
+                                          <p:spTgt spid="13"/>
+                                        </p:tgtEl>
+                                        <p:attrNameLst>
+                                          <p:attrName>style.visibility</p:attrName>
+                                        </p:attrNameLst>
+                                      </p:cBhvr>
+                                      <p:to>
+                                        <p:strVal val="visible"/>
+                                      </p:to>
+                                    </p:set>
+                                    <p:animEffect transition="in" filter="wipe(left)">
+                                      <p:cBhvr>
+                                        <p:cTn id="40" dur="250"/>
+                                        <p:tgtEl>
+                                          <p:spTgt spid="13"/>
+                                        </p:tgtEl>
+                                      </p:cBhvr>
+                                    </p:animEffect>
+                                  </p:childTnLst>
+                                </p:cTn>
+                              </p:par>
+                            </p:childTnLst>
+                          </p:cTn>
+                        </p:par>
+                        <p:par>
+                          <p:cTn id="41" fill="hold">
+                            <p:stCondLst>
+                              <p:cond delay="2250"/>
+                            </p:stCondLst>
+                            <p:childTnLst>
+                              <p:par>
+                                <p:cTn id="42" presetID="22" presetClass="entr" presetSubtype="1" fill="hold" grpId="0" nodeType="afterEffect">
+                                  <p:stCondLst>
+                                    <p:cond delay="0"/>
+                                  </p:stCondLst>
+                                  <p:childTnLst>
+                                    <p:set>
+                                      <p:cBhvr>
+                                        <p:cTn id="43" dur="1" fill="hold">
+                                          <p:stCondLst>
+                                            <p:cond delay="0"/>
+                                          </p:stCondLst>
+                                        </p:cTn>
+                                        <p:tgtEl>
+                                          <p:spTgt spid="14"/>
+                                        </p:tgtEl>
+                                        <p:attrNameLst>
+                                          <p:attrName>style.visibility</p:attrName>
+                                        </p:attrNameLst>
+                                      </p:cBhvr>
+                                      <p:to>
+                                        <p:strVal val="visible"/>
+                                      </p:to>
+                                    </p:set>
+                                    <p:animEffect transition="in" filter="wipe(up)">
+                                      <p:cBhvr>
+                                        <p:cTn id="44" dur="250"/>
+                                        <p:tgtEl>
+                                          <p:spTgt spid="14"/>
+                                        </p:tgtEl>
+                                      </p:cBhvr>
+                                    </p:animEffect>
+                                  </p:childTnLst>
+                                </p:cTn>
+                              </p:par>
+                            </p:childTnLst>
+                          </p:cTn>
+                        </p:par>
+                        <p:par>
+                          <p:cTn id="45" fill="hold">
+                            <p:stCondLst>
+                              <p:cond delay="2500"/>
+                            </p:stCondLst>
+                            <p:childTnLst>
+                              <p:par>
+                                <p:cTn id="46" presetID="22" presetClass="entr" presetSubtype="2" fill="hold" grpId="0" nodeType="afterEffect">
+                                  <p:stCondLst>
+                                    <p:cond delay="0"/>
+                                  </p:stCondLst>
+                                  <p:childTnLst>
+                                    <p:set>
+                                      <p:cBhvr>
+                                        <p:cTn id="47" dur="1" fill="hold">
+                                          <p:stCondLst>
+                                            <p:cond delay="0"/>
+                                          </p:stCondLst>
+                                        </p:cTn>
+                                        <p:tgtEl>
+                                          <p:spTgt spid="15"/>
+                                        </p:tgtEl>
+                                        <p:attrNameLst>
+                                          <p:attrName>style.visibility</p:attrName>
+                                        </p:attrNameLst>
+                                      </p:cBhvr>
+                                      <p:to>
+                                        <p:strVal val="visible"/>
+                                      </p:to>
+                                    </p:set>
+                                    <p:animEffect transition="in" filter="wipe(right)">
+                                      <p:cBhvr>
+                                        <p:cTn id="48" dur="250"/>
+                                        <p:tgtEl>
+                                          <p:spTgt spid="15"/>
+                                        </p:tgtEl>
+                                      </p:cBhvr>
+                                    </p:animEffect>
+                                  </p:childTnLst>
+                                </p:cTn>
+                              </p:par>
+                            </p:childTnLst>
+                          </p:cTn>
+                        </p:par>
+                        <p:par>
+                          <p:cTn id="49" fill="hold">
+                            <p:stCondLst>
+                              <p:cond delay="2750"/>
+                            </p:stCondLst>
+                            <p:childTnLst>
+                              <p:par>
+                                <p:cTn id="50" presetID="22" presetClass="entr" presetSubtype="4" fill="hold" grpId="0" nodeType="afterEffect">
+                                  <p:stCondLst>
+                                    <p:cond delay="0"/>
+                                  </p:stCondLst>
+                                  <p:childTnLst>
+                                    <p:set>
+                                      <p:cBhvr>
+                                        <p:cTn id="51" dur="1" fill="hold">
+                                          <p:stCondLst>
+                                            <p:cond delay="0"/>
+                                          </p:stCondLst>
+                                        </p:cTn>
+                                        <p:tgtEl>
+                                          <p:spTgt spid="16"/>
+                                        </p:tgtEl>
+                                        <p:attrNameLst>
+                                          <p:attrName>style.visibility</p:attrName>
+                                        </p:attrNameLst>
+                                      </p:cBhvr>
+                                      <p:to>
+                                        <p:strVal val="visible"/>
+                                      </p:to>
+                                    </p:set>
+                                    <p:animEffect transition="in" filter="wipe(down)">
+                                      <p:cBhvr>
+                                        <p:cTn id="52" dur="250"/>
+                                        <p:tgtEl>
+                                          <p:spTgt spid="16"/>
+                                        </p:tgtEl>
+                                      </p:cBhvr>
+                                    </p:animEffect>
+                                  </p:childTnLst>
+                                </p:cTn>
+                              </p:par>
+                            </p:childTnLst>
+                          </p:cTn>
+                        </p:par>
+                        <p:par>
+                          <p:cTn id="53" fill="hold">
+                            <p:stCondLst>
+                              <p:cond delay="3000"/>
+                            </p:stCondLst>
+                            <p:childTnLst>
+                              <p:par>
+                                <p:cTn id="54" presetID="35" presetClass="path" presetSubtype="0" accel="50000" decel="50000" fill="hold" grpId="0" nodeType="afterEffect">
+                                  <p:stCondLst>
+                                    <p:cond delay="0"/>
+                                  </p:stCondLst>
+                                  <p:childTnLst>
+                                    <p:animMotion origin="layout" path="M 1.45833E-6 -4.07407E-6 L -0.59323 -4.07407E-6 " pathEditMode="relative" rAng="0" ptsTypes="AA">
+                                      <p:cBhvr>
+                                        <p:cTn id="55" dur="250" fill="hold"/>
+                                        <p:tgtEl>
+                                          <p:spTgt spid="20"/>
+                                        </p:tgtEl>
+                                        <p:attrNameLst>
+                                          <p:attrName>ppt_x</p:attrName>
+                                          <p:attrName>ppt_y</p:attrName>
+                                        </p:attrNameLst>
+                                      </p:cBhvr>
+                                      <p:rCtr x="-29661" y="0"/>
+                                    </p:animMotion>
+                                  </p:childTnLst>
+                                </p:cTn>
+                              </p:par>
+                            </p:childTnLst>
+                          </p:cTn>
+                        </p:par>
+                        <p:par>
+                          <p:cTn id="56" fill="hold">
+                            <p:stCondLst>
+                              <p:cond delay="3250"/>
+                            </p:stCondLst>
+                            <p:childTnLst>
+                              <p:par>
+                                <p:cTn id="57" presetID="22" presetClass="exit" presetSubtype="2" fill="hold" grpId="1" nodeType="afterEffect">
+                                  <p:stCondLst>
+                                    <p:cond delay="0"/>
+                                  </p:stCondLst>
+                                  <p:childTnLst>
+                                    <p:animEffect transition="out" filter="wipe(right)">
+                                      <p:cBhvr>
+                                        <p:cTn id="58" dur="250"/>
+                                        <p:tgtEl>
+                                          <p:spTgt spid="20"/>
+                                        </p:tgtEl>
+                                      </p:cBhvr>
+                                    </p:animEffect>
+                                    <p:set>
+                                      <p:cBhvr>
+                                        <p:cTn id="59" dur="1" fill="hold">
+                                          <p:stCondLst>
+                                            <p:cond delay="249"/>
+                                          </p:stCondLst>
+                                        </p:cTn>
+                                        <p:tgtEl>
+                                          <p:spTgt spid="20"/>
+                                        </p:tgtEl>
+                                        <p:attrNameLst>
+                                          <p:attrName>style.visibility</p:attrName>
+                                        </p:attrNameLst>
+                                      </p:cBhvr>
+                                      <p:to>
+                                        <p:strVal val="hidden"/>
+                                      </p:to>
+                                    </p:set>
+                                  </p:childTnLst>
+                                </p:cTn>
+                              </p:par>
+                            </p:childTnLst>
+                          </p:cTn>
+                        </p:par>
+                        <p:par>
+                          <p:cTn id="60" fill="hold">
+                            <p:stCondLst>
+                              <p:cond delay="3500"/>
+                            </p:stCondLst>
+                            <p:childTnLst>
+                              <p:par>
+                                <p:cTn id="61" presetID="3" presetClass="emph" presetSubtype="2" repeatCount="10000" fill="hold" grpId="1" nodeType="afterEffect">
+                                  <p:stCondLst>
+                                    <p:cond delay="0"/>
+                                  </p:stCondLst>
+                                  <p:childTnLst>
+                                    <p:animClr clrSpc="rgb" dir="cw">
+                                      <p:cBhvr override="childStyle">
+                                        <p:cTn id="62" dur="250" fill="hold"/>
+                                        <p:tgtEl>
+                                          <p:spTgt spid="51"/>
+                                        </p:tgtEl>
+                                        <p:attrNameLst>
+                                          <p:attrName>style.color</p:attrName>
+                                        </p:attrNameLst>
+                                      </p:cBhvr>
+                                      <p:to>
+                                        <a:srgbClr val="BFBFBF"/>
+                                      </p:to>
+                                    </p:animClr>
+                                  </p:childTnLst>
+                                </p:cTn>
+                              </p:par>
+                              <p:par>
+                                <p:cTn id="63" presetID="22" presetClass="exit" presetSubtype="1" fill="hold" grpId="1" nodeType="withEffect">
+                                  <p:stCondLst>
+                                    <p:cond delay="0"/>
+                                  </p:stCondLst>
+                                  <p:childTnLst>
+                                    <p:animEffect transition="out" filter="wipe(up)">
+                                      <p:cBhvr>
+                                        <p:cTn id="64" dur="250"/>
+                                        <p:tgtEl>
+                                          <p:spTgt spid="16"/>
+                                        </p:tgtEl>
+                                      </p:cBhvr>
+                                    </p:animEffect>
+                                    <p:set>
+                                      <p:cBhvr>
+                                        <p:cTn id="65" dur="1" fill="hold">
+                                          <p:stCondLst>
+                                            <p:cond delay="249"/>
+                                          </p:stCondLst>
+                                        </p:cTn>
+                                        <p:tgtEl>
+                                          <p:spTgt spid="16"/>
+                                        </p:tgtEl>
+                                        <p:attrNameLst>
+                                          <p:attrName>style.visibility</p:attrName>
+                                        </p:attrNameLst>
+                                      </p:cBhvr>
+                                      <p:to>
+                                        <p:strVal val="hidden"/>
+                                      </p:to>
+                                    </p:set>
+                                  </p:childTnLst>
+                                </p:cTn>
+                              </p:par>
+                              <p:par>
+                                <p:cTn id="66" presetID="22" presetClass="exit" presetSubtype="8" fill="hold" grpId="1" nodeType="withEffect">
+                                  <p:stCondLst>
+                                    <p:cond delay="250"/>
+                                  </p:stCondLst>
+                                  <p:childTnLst>
+                                    <p:animEffect transition="out" filter="wipe(left)">
+                                      <p:cBhvr>
+                                        <p:cTn id="67" dur="250"/>
+                                        <p:tgtEl>
+                                          <p:spTgt spid="15"/>
+                                        </p:tgtEl>
+                                      </p:cBhvr>
+                                    </p:animEffect>
+                                    <p:set>
+                                      <p:cBhvr>
+                                        <p:cTn id="68" dur="1" fill="hold">
+                                          <p:stCondLst>
+                                            <p:cond delay="249"/>
+                                          </p:stCondLst>
+                                        </p:cTn>
+                                        <p:tgtEl>
+                                          <p:spTgt spid="15"/>
+                                        </p:tgtEl>
+                                        <p:attrNameLst>
+                                          <p:attrName>style.visibility</p:attrName>
+                                        </p:attrNameLst>
+                                      </p:cBhvr>
+                                      <p:to>
+                                        <p:strVal val="hidden"/>
+                                      </p:to>
+                                    </p:set>
+                                  </p:childTnLst>
+                                </p:cTn>
+                              </p:par>
+                              <p:par>
+                                <p:cTn id="69" presetID="22" presetClass="exit" presetSubtype="4" fill="hold" grpId="1" nodeType="withEffect">
+                                  <p:stCondLst>
+                                    <p:cond delay="500"/>
+                                  </p:stCondLst>
+                                  <p:childTnLst>
+                                    <p:animEffect transition="out" filter="wipe(down)">
+                                      <p:cBhvr>
+                                        <p:cTn id="70" dur="250"/>
+                                        <p:tgtEl>
+                                          <p:spTgt spid="14"/>
+                                        </p:tgtEl>
+                                      </p:cBhvr>
+                                    </p:animEffect>
+                                    <p:set>
+                                      <p:cBhvr>
+                                        <p:cTn id="71" dur="1" fill="hold">
+                                          <p:stCondLst>
+                                            <p:cond delay="249"/>
+                                          </p:stCondLst>
+                                        </p:cTn>
+                                        <p:tgtEl>
+                                          <p:spTgt spid="14"/>
+                                        </p:tgtEl>
+                                        <p:attrNameLst>
+                                          <p:attrName>style.visibility</p:attrName>
+                                        </p:attrNameLst>
+                                      </p:cBhvr>
+                                      <p:to>
+                                        <p:strVal val="hidden"/>
+                                      </p:to>
+                                    </p:set>
+                                  </p:childTnLst>
+                                </p:cTn>
+                              </p:par>
+                              <p:par>
+                                <p:cTn id="72" presetID="22" presetClass="exit" presetSubtype="2" fill="hold" grpId="1" nodeType="withEffect">
+                                  <p:stCondLst>
+                                    <p:cond delay="750"/>
+                                  </p:stCondLst>
+                                  <p:childTnLst>
+                                    <p:animEffect transition="out" filter="wipe(right)">
+                                      <p:cBhvr>
+                                        <p:cTn id="73" dur="250"/>
+                                        <p:tgtEl>
+                                          <p:spTgt spid="13"/>
+                                        </p:tgtEl>
+                                      </p:cBhvr>
+                                    </p:animEffect>
+                                    <p:set>
+                                      <p:cBhvr>
+                                        <p:cTn id="74" dur="1" fill="hold">
+                                          <p:stCondLst>
+                                            <p:cond delay="249"/>
+                                          </p:stCondLst>
+                                        </p:cTn>
+                                        <p:tgtEl>
+                                          <p:spTgt spid="13"/>
+                                        </p:tgtEl>
+                                        <p:attrNameLst>
+                                          <p:attrName>style.visibility</p:attrName>
+                                        </p:attrNameLst>
+                                      </p:cBhvr>
+                                      <p:to>
+                                        <p:strVal val="hidden"/>
+                                      </p:to>
+                                    </p:set>
+                                  </p:childTnLst>
+                                </p:cTn>
+                              </p:par>
+                              <p:par>
+                                <p:cTn id="75" presetID="22" presetClass="exit" presetSubtype="2" fill="hold" grpId="1" nodeType="withEffect">
+                                  <p:stCondLst>
+                                    <p:cond delay="1000"/>
+                                  </p:stCondLst>
+                                  <p:childTnLst>
+                                    <p:animEffect transition="out" filter="wipe(right)">
+                                      <p:cBhvr>
+                                        <p:cTn id="76" dur="250"/>
+                                        <p:tgtEl>
+                                          <p:spTgt spid="41"/>
+                                        </p:tgtEl>
+                                      </p:cBhvr>
+                                    </p:animEffect>
+                                    <p:set>
+                                      <p:cBhvr>
+                                        <p:cTn id="77" dur="1" fill="hold">
+                                          <p:stCondLst>
+                                            <p:cond delay="249"/>
+                                          </p:stCondLst>
+                                        </p:cTn>
+                                        <p:tgtEl>
+                                          <p:spTgt spid="41"/>
+                                        </p:tgtEl>
+                                        <p:attrNameLst>
+                                          <p:attrName>style.visibility</p:attrName>
+                                        </p:attrNameLst>
+                                      </p:cBhvr>
+                                      <p:to>
+                                        <p:strVal val="hidden"/>
+                                      </p:to>
+                                    </p:set>
+                                  </p:childTnLst>
+                                </p:cTn>
+                              </p:par>
+                              <p:par>
+                                <p:cTn id="78" presetID="2" presetClass="exit" presetSubtype="8" accel="52000" fill="hold" grpId="1" nodeType="withEffect">
+                                  <p:stCondLst>
+                                    <p:cond delay="1250"/>
+                                  </p:stCondLst>
+                                  <p:childTnLst>
+                                    <p:anim calcmode="lin" valueType="num">
+                                      <p:cBhvr additive="base">
+                                        <p:cTn id="79" dur="500"/>
+                                        <p:tgtEl>
+                                          <p:spTgt spid="52"/>
+                                        </p:tgtEl>
+                                        <p:attrNameLst>
+                                          <p:attrName>ppt_x</p:attrName>
+                                        </p:attrNameLst>
+                                      </p:cBhvr>
+                                      <p:tavLst>
+                                        <p:tav tm="0">
+                                          <p:val>
+                                            <p:strVal val="ppt_x"/>
+                                          </p:val>
+                                        </p:tav>
+                                        <p:tav tm="100000">
+                                          <p:val>
+                                            <p:strVal val="0-ppt_w/2"/>
+                                          </p:val>
+                                        </p:tav>
+                                      </p:tavLst>
+                                    </p:anim>
+                                    <p:anim calcmode="lin" valueType="num">
+                                      <p:cBhvr additive="base">
+                                        <p:cTn id="80" dur="500"/>
+                                        <p:tgtEl>
+                                          <p:spTgt spid="52"/>
+                                        </p:tgtEl>
+                                        <p:attrNameLst>
+                                          <p:attrName>ppt_y</p:attrName>
+                                        </p:attrNameLst>
+                                      </p:cBhvr>
+                                      <p:tavLst>
+                                        <p:tav tm="0">
+                                          <p:val>
+                                            <p:strVal val="ppt_y"/>
+                                          </p:val>
+                                        </p:tav>
+                                        <p:tav tm="100000">
+                                          <p:val>
+                                            <p:strVal val="ppt_y"/>
+                                          </p:val>
+                                        </p:tav>
+                                      </p:tavLst>
+                                    </p:anim>
+                                    <p:set>
+                                      <p:cBhvr>
+                                        <p:cTn id="81" dur="1" fill="hold">
+                                          <p:stCondLst>
+                                            <p:cond delay="499"/>
+                                          </p:stCondLst>
+                                        </p:cTn>
+                                        <p:tgtEl>
+                                          <p:spTgt spid="52"/>
+                                        </p:tgtEl>
+                                        <p:attrNameLst>
+                                          <p:attrName>style.visibility</p:attrName>
+                                        </p:attrNameLst>
+                                      </p:cBhvr>
+                                      <p:to>
+                                        <p:strVal val="hidden"/>
+                                      </p:to>
+                                    </p:set>
+                                  </p:childTnLst>
+                                </p:cTn>
+                              </p:par>
+                              <p:par>
+                                <p:cTn id="82" presetID="22" presetClass="exit" presetSubtype="1" fill="hold" grpId="1" nodeType="withEffect">
+                                  <p:stCondLst>
+                                    <p:cond delay="1250"/>
+                                  </p:stCondLst>
+                                  <p:childTnLst>
+                                    <p:animEffect transition="out" filter="wipe(up)">
+                                      <p:cBhvr>
+                                        <p:cTn id="83" dur="250"/>
+                                        <p:tgtEl>
+                                          <p:spTgt spid="26"/>
+                                        </p:tgtEl>
+                                      </p:cBhvr>
+                                    </p:animEffect>
+                                    <p:set>
+                                      <p:cBhvr>
+                                        <p:cTn id="84" dur="1" fill="hold">
+                                          <p:stCondLst>
+                                            <p:cond delay="249"/>
+                                          </p:stCondLst>
+                                        </p:cTn>
+                                        <p:tgtEl>
+                                          <p:spTgt spid="26"/>
+                                        </p:tgtEl>
+                                        <p:attrNameLst>
+                                          <p:attrName>style.visibility</p:attrName>
+                                        </p:attrNameLst>
+                                      </p:cBhvr>
+                                      <p:to>
+                                        <p:strVal val="hidden"/>
+                                      </p:to>
+                                    </p:set>
+                                  </p:childTnLst>
+                                </p:cTn>
+                              </p:par>
+                              <p:par>
+                                <p:cTn id="85" presetID="22" presetClass="exit" presetSubtype="8" fill="hold" grpId="1" nodeType="withEffect">
+                                  <p:stCondLst>
+                                    <p:cond delay="1500"/>
+                                  </p:stCondLst>
+                                  <p:childTnLst>
+                                    <p:animEffect transition="out" filter="wipe(left)">
+                                      <p:cBhvr>
+                                        <p:cTn id="86" dur="250"/>
+                                        <p:tgtEl>
+                                          <p:spTgt spid="25"/>
+                                        </p:tgtEl>
+                                      </p:cBhvr>
+                                    </p:animEffect>
+                                    <p:set>
+                                      <p:cBhvr>
+                                        <p:cTn id="87" dur="1" fill="hold">
+                                          <p:stCondLst>
+                                            <p:cond delay="249"/>
+                                          </p:stCondLst>
+                                        </p:cTn>
+                                        <p:tgtEl>
+                                          <p:spTgt spid="25"/>
+                                        </p:tgtEl>
+                                        <p:attrNameLst>
+                                          <p:attrName>style.visibility</p:attrName>
+                                        </p:attrNameLst>
+                                      </p:cBhvr>
+                                      <p:to>
+                                        <p:strVal val="hidden"/>
+                                      </p:to>
+                                    </p:set>
+                                  </p:childTnLst>
+                                </p:cTn>
+                              </p:par>
+                              <p:par>
+                                <p:cTn id="88" presetID="22" presetClass="exit" presetSubtype="8" fill="hold" grpId="1" nodeType="withEffect">
+                                  <p:stCondLst>
+                                    <p:cond delay="1750"/>
+                                  </p:stCondLst>
+                                  <p:childTnLst>
+                                    <p:animEffect transition="out" filter="wipe(left)">
+                                      <p:cBhvr>
+                                        <p:cTn id="89" dur="250"/>
+                                        <p:tgtEl>
+                                          <p:spTgt spid="49"/>
+                                        </p:tgtEl>
+                                      </p:cBhvr>
+                                    </p:animEffect>
+                                    <p:set>
+                                      <p:cBhvr>
+                                        <p:cTn id="90" dur="1" fill="hold">
+                                          <p:stCondLst>
+                                            <p:cond delay="249"/>
+                                          </p:stCondLst>
+                                        </p:cTn>
+                                        <p:tgtEl>
+                                          <p:spTgt spid="49"/>
+                                        </p:tgtEl>
+                                        <p:attrNameLst>
+                                          <p:attrName>style.visibility</p:attrName>
+                                        </p:attrNameLst>
+                                      </p:cBhvr>
+                                      <p:to>
+                                        <p:strVal val="hidden"/>
+                                      </p:to>
+                                    </p:set>
+                                  </p:childTnLst>
+                                </p:cTn>
+                              </p:par>
+                              <p:par>
+                                <p:cTn id="91" presetID="22" presetClass="exit" presetSubtype="4" fill="hold" grpId="1" nodeType="withEffect">
+                                  <p:stCondLst>
+                                    <p:cond delay="2000"/>
+                                  </p:stCondLst>
+                                  <p:childTnLst>
+                                    <p:animEffect transition="out" filter="wipe(down)">
+                                      <p:cBhvr>
+                                        <p:cTn id="92" dur="250"/>
+                                        <p:tgtEl>
+                                          <p:spTgt spid="48"/>
+                                        </p:tgtEl>
+                                      </p:cBhvr>
+                                    </p:animEffect>
+                                    <p:set>
+                                      <p:cBhvr>
+                                        <p:cTn id="93" dur="1" fill="hold">
+                                          <p:stCondLst>
+                                            <p:cond delay="249"/>
+                                          </p:stCondLst>
+                                        </p:cTn>
+                                        <p:tgtEl>
+                                          <p:spTgt spid="48"/>
+                                        </p:tgtEl>
+                                        <p:attrNameLst>
+                                          <p:attrName>style.visibility</p:attrName>
+                                        </p:attrNameLst>
+                                      </p:cBhvr>
+                                      <p:to>
+                                        <p:strVal val="hidden"/>
+                                      </p:to>
+                                    </p:set>
+                                  </p:childTnLst>
+                                </p:cTn>
+                              </p:par>
+                              <p:par>
+                                <p:cTn id="94" presetID="2" presetClass="exit" presetSubtype="2" accel="46000" fill="hold" grpId="2" nodeType="withEffect">
+                                  <p:stCondLst>
+                                    <p:cond delay="2250"/>
+                                  </p:stCondLst>
+                                  <p:childTnLst>
+                                    <p:anim calcmode="lin" valueType="num">
+                                      <p:cBhvr additive="base">
+                                        <p:cTn id="95" dur="500"/>
+                                        <p:tgtEl>
+                                          <p:spTgt spid="51"/>
+                                        </p:tgtEl>
+                                        <p:attrNameLst>
+                                          <p:attrName>ppt_x</p:attrName>
+                                        </p:attrNameLst>
+                                      </p:cBhvr>
+                                      <p:tavLst>
+                                        <p:tav tm="0">
+                                          <p:val>
+                                            <p:strVal val="ppt_x"/>
+                                          </p:val>
+                                        </p:tav>
+                                        <p:tav tm="100000">
+                                          <p:val>
+                                            <p:strVal val="1+ppt_w/2"/>
+                                          </p:val>
+                                        </p:tav>
+                                      </p:tavLst>
+                                    </p:anim>
+                                    <p:anim calcmode="lin" valueType="num">
+                                      <p:cBhvr additive="base">
+                                        <p:cTn id="96" dur="500"/>
+                                        <p:tgtEl>
+                                          <p:spTgt spid="51"/>
+                                        </p:tgtEl>
+                                        <p:attrNameLst>
+                                          <p:attrName>ppt_y</p:attrName>
+                                        </p:attrNameLst>
+                                      </p:cBhvr>
+                                      <p:tavLst>
+                                        <p:tav tm="0">
+                                          <p:val>
+                                            <p:strVal val="ppt_y"/>
+                                          </p:val>
+                                        </p:tav>
+                                        <p:tav tm="100000">
+                                          <p:val>
+                                            <p:strVal val="ppt_y"/>
+                                          </p:val>
+                                        </p:tav>
+                                      </p:tavLst>
+                                    </p:anim>
+                                    <p:set>
+                                      <p:cBhvr>
+                                        <p:cTn id="97" dur="1" fill="hold">
+                                          <p:stCondLst>
+                                            <p:cond delay="499"/>
+                                          </p:stCondLst>
+                                        </p:cTn>
+                                        <p:tgtEl>
+                                          <p:spTgt spid="51"/>
+                                        </p:tgtEl>
+                                        <p:attrNameLst>
+                                          <p:attrName>style.visibility</p:attrName>
+                                        </p:attrNameLst>
+                                      </p:cBhvr>
+                                      <p:to>
+                                        <p:strVal val="hidden"/>
+                                      </p:to>
+                                    </p:set>
+                                  </p:childTnLst>
+                                </p:cTn>
+                              </p:par>
+                              <p:par>
+                                <p:cTn id="98" presetID="22" presetClass="exit" presetSubtype="2" fill="hold" grpId="1" nodeType="withEffect">
+                                  <p:stCondLst>
+                                    <p:cond delay="2500"/>
+                                  </p:stCondLst>
+                                  <p:childTnLst>
+                                    <p:animEffect transition="out" filter="wipe(right)">
+                                      <p:cBhvr>
+                                        <p:cTn id="99" dur="250"/>
+                                        <p:tgtEl>
+                                          <p:spTgt spid="47"/>
+                                        </p:tgtEl>
+                                      </p:cBhvr>
+                                    </p:animEffect>
+                                    <p:set>
+                                      <p:cBhvr>
+                                        <p:cTn id="100" dur="1" fill="hold">
+                                          <p:stCondLst>
+                                            <p:cond delay="249"/>
+                                          </p:stCondLst>
+                                        </p:cTn>
+                                        <p:tgtEl>
+                                          <p:spTgt spid="47"/>
+                                        </p:tgtEl>
+                                        <p:attrNameLst>
+                                          <p:attrName>style.visibility</p:attrName>
+                                        </p:attrNameLst>
+                                      </p:cBhvr>
+                                      <p:to>
+                                        <p:strVal val="hidden"/>
+                                      </p:to>
+                                    </p:set>
+                                  </p:childTnLst>
+                                </p:cTn>
+                              </p:par>
+                            </p:childTnLst>
+                          </p:cTn>
+                        </p:par>
+                      </p:childTnLst>
+                    </p:cTn>
+                  </p:par>
+                </p:childTnLst>
+              </p:cTn>
+              <p:prevCondLst>
+                <p:cond evt="onPrev" delay="0">
+                  <p:tgtEl>
+                    <p:sldTgt/>
+                  </p:tgtEl>
+                </p:cond>
+              </p:prevCondLst>
+              <p:nextCondLst>
+                <p:cond evt="onNext" delay="0">
+                  <p:tgtEl>
+                    <p:sldTgt/>
+                  </p:tgtEl>
+                </p:cond>
+              </p:nextCondLst>
+            </p:seq>
+          </p:childTnLst>
+        </p:cTn>
+      </p:par>
+    </p:tnLst>
+    <p:bldLst>
+      <p:bldP spid="51" grpId="0"/>
+      <p:bldP spid="51" grpId="1"/>
+      <p:bldP spid="51" grpId="2"/>
+      <p:bldP spid="52" grpId="0"/>
+      <p:bldP spid="52" grpId="1"/>
+      <p:bldP spid="25" grpId="0" animBg="1"/>
+      <p:bldP spid="25" grpId="1" animBg="1"/>
+      <p:bldP spid="26" grpId="0" animBg="1"/>
+      <p:bldP spid="26" grpId="1" animBg="1"/>
+      <p:bldP spid="41" grpId="0" animBg="1"/>
+      <p:bldP spid="41" grpId="1" animBg="1"/>
+      <p:bldP spid="47" grpId="0" animBg="1"/>
+      <p:bldP spid="47" grpId="1" animBg="1"/>
+      <p:bldP spid="48" grpId="0" animBg="1"/>
+      <p:bldP spid="48" grpId="1" animBg="1"/>
+      <p:bldP spid="49" grpId="0" animBg="1"/>
+      <p:bldP spid="49" grpId="1" animBg="1"/>
+      <p:bldP spid="13" grpId="0" animBg="1"/>
+      <p:bldP spid="13" grpId="1" animBg="1"/>
+      <p:bldP spid="14" grpId="0" animBg="1"/>
+      <p:bldP spid="14" grpId="1" animBg="1"/>
+      <p:bldP spid="15" grpId="0" animBg="1"/>
+      <p:bldP spid="15" grpId="1" animBg="1"/>
+      <p:bldP spid="16" grpId="0" animBg="1"/>
+      <p:bldP spid="16" grpId="1" animBg="1"/>
+      <p:bldP spid="20" grpId="0" animBg="1"/>
+      <p:bldP spid="20" grpId="1" animBg="1"/>
+    </p:bldLst>
+  </p:timing>
+</p:sld>
+</file>
+
+<file path=ppt/slides/slide2.xml><?xml version="1.0" encoding="utf-8"?>
+<p:sld xmlns:a="http://schemas.openxmlformats.org/drawingml/2006/main" xmlns:r="http://schemas.openxmlformats.org/officeDocument/2006/relationships" xmlns:p="http://schemas.openxmlformats.org/presentationml/2006/main">
+  <p:cSld>
+    <p:spTree>
+      <p:nvGrpSpPr>
+        <p:cNvPr id="1" name=""/>
+        <p:cNvGrpSpPr/>
+        <p:nvPr/>
+      </p:nvGrpSpPr>
+      <p:grpSpPr>
+        <a:xfrm>
+          <a:off x="0" y="0"/>
+          <a:ext cx="0" cy="0"/>
+          <a:chOff x="0" y="0"/>
+          <a:chExt cx="0" cy="0"/>
+        </a:xfrm>
+      </p:grpSpPr>
+    </p:spTree>
+    <p:extLst>
+      <p:ext uri="{BB962C8B-B14F-4D97-AF65-F5344CB8AC3E}">
+        <p14:creationId xmlns:p14="http://schemas.microsoft.com/office/powerpoint/2010/main" val="3757067331"/>
+      </p:ext>
+    </p:extLst>
+  </p:cSld>
+  <p:clrMapOvr>
+    <a:masterClrMapping/>
+  </p:clrMapOvr>
+  <p:timing>
+    <p:tnLst>
+      <p:par>
+        <p:cTn id="1" dur="indefinite" restart="never" nodeType="tmRoot"/>
+      </p:par>
+    </p:tnLst>
+  </p:timing>
+</p:sld>
+</file>
+
+<file path=ppt/slides/slide3.xml><?xml version="1.0" encoding="utf-8"?>
+<p:sld xmlns:a="http://schemas.openxmlformats.org/drawingml/2006/main" xmlns:r="http://schemas.openxmlformats.org/officeDocument/2006/relationships" xmlns:p="http://schemas.openxmlformats.org/presentationml/2006/main">
+  <p:cSld>
+    <p:spTree>
+      <p:nvGrpSpPr>
+        <p:cNvPr id="1" name=""/>
+        <p:cNvGrpSpPr/>
+        <p:nvPr/>
+      </p:nvGrpSpPr>
+      <p:grpSpPr>
+        <a:xfrm>
+          <a:off x="0" y="0"/>
+          <a:ext cx="0" cy="0"/>
+          <a:chOff x="0" y="0"/>
+          <a:chExt cx="0" cy="0"/>
+        </a:xfrm>
+      </p:grpSpPr>
+    </p:spTree>
+    <p:extLst>
+      <p:ext uri="{BB962C8B-B14F-4D97-AF65-F5344CB8AC3E}">
+        <p14:creationId xmlns:p14="http://schemas.microsoft.com/office/powerpoint/2010/main" val="1619970225"/>
+      </p:ext>
+    </p:extLst>
+  </p:cSld>
+  <p:clrMapOvr>
+    <a:masterClrMapping/>
+  </p:clrMapOvr>
+  <p:timing>
+    <p:tnLst>
+      <p:par>
+        <p:cTn id="1" dur="indefinite" restart="never" nodeType="tmRoot"/>
+      </p:par>
+    </p:tnLst>
+  </p:timing>
+</p:sld>
+</file>
+
+<file path=ppt/slides/slide4.xml><?xml version="1.0" encoding="utf-8"?>
+<p:sld xmlns:a="http://schemas.openxmlformats.org/drawingml/2006/main" xmlns:r="http://schemas.openxmlformats.org/officeDocument/2006/relationships" xmlns:p="http://schemas.openxmlformats.org/presentationml/2006/main">
+  <p:cSld>
+    <p:spTree>
+      <p:nvGrpSpPr>
+        <p:cNvPr id="1" name=""/>
+        <p:cNvGrpSpPr/>
+        <p:nvPr/>
+      </p:nvGrpSpPr>
+      <p:grpSpPr>
+        <a:xfrm>
+          <a:off x="0" y="0"/>
+          <a:ext cx="0" cy="0"/>
+          <a:chOff x="0" y="0"/>
+          <a:chExt cx="0" cy="0"/>
+        </a:xfrm>
+      </p:grpSpPr>
+    </p:spTree>
+    <p:extLst>
+      <p:ext uri="{BB962C8B-B14F-4D97-AF65-F5344CB8AC3E}">
+        <p14:creationId xmlns:p14="http://schemas.microsoft.com/office/powerpoint/2010/main" val="413152809"/>
+      </p:ext>
+    </p:extLst>
+  </p:cSld>
+  <p:clrMapOvr>
+    <a:masterClrMapping/>
+  </p:clrMapOvr>
+  <p:timing>
+    <p:tnLst>
+      <p:par>
+        <p:cTn id="1" dur="indefinite" restart="never" nodeType="tmRoot"/>
+      </p:par>
+    </p:tnLst>
+  </p:timing>
+</p:sld>
+</file>
+
+<file path=ppt/slides/slide5.xml><?xml version="1.0" encoding="utf-8"?>
+<p:sld xmlns:a="http://schemas.openxmlformats.org/drawingml/2006/main" xmlns:r="http://schemas.openxmlformats.org/officeDocument/2006/relationships" xmlns:p="http://schemas.openxmlformats.org/presentationml/2006/main">
+  <p:cSld>
+    <p:spTree>
+      <p:nvGrpSpPr>
+        <p:cNvPr id="1" name=""/>
+        <p:cNvGrpSpPr/>
+        <p:nvPr/>
+      </p:nvGrpSpPr>
+      <p:grpSpPr>
+        <a:xfrm>
+          <a:off x="0" y="0"/>
+          <a:ext cx="0" cy="0"/>
+          <a:chOff x="0" y="0"/>
+          <a:chExt cx="0" cy="0"/>
+        </a:xfrm>
+      </p:grpSpPr>
+    </p:spTree>
+    <p:extLst>
+      <p:ext uri="{BB962C8B-B14F-4D97-AF65-F5344CB8AC3E}">
+        <p14:creationId xmlns:p14="http://schemas.microsoft.com/office/powerpoint/2010/main" val="2573889981"/>
+      </p:ext>
+    </p:extLst>
+  </p:cSld>
+  <p:clrMapOvr>
+    <a:masterClrMapping/>
+  </p:clrMapOvr>
+  <p:timing>
+    <p:tnLst>
+      <p:par>
+        <p:cTn id="1" dur="indefinite" restart="never" nodeType="tmRoot"/>
+      </p:par>
+    </p:tnLst>
+  </p:timing>
+</p:sld>
+</file>
+
+<file path=ppt/slides/slide6.xml><?xml version="1.0" encoding="utf-8"?>
+<p:sld xmlns:a="http://schemas.openxmlformats.org/drawingml/2006/main" xmlns:r="http://schemas.openxmlformats.org/officeDocument/2006/relationships" xmlns:p="http://schemas.openxmlformats.org/presentationml/2006/main">
+  <p:cSld>
     <p:bg>
       <p:bgPr>
         <a:solidFill>
@@ -3340,7 +6805,7 @@
           <p:cNvPr id="16" name="TextBox 15">
             <a:extLst>
               <a:ext uri="{FF2B5EF4-FFF2-40B4-BE49-F238E27FC236}">
-                <a16:creationId xmlns:a16="http://schemas.microsoft.com/office/drawing/2014/main" xmlns="" id="{9C57E340-0D1A-4ACC-8D24-D5DA41E368F1}"/>
+                <a16:creationId xmlns="" xmlns:a16="http://schemas.microsoft.com/office/drawing/2014/main" id="{9C57E340-0D1A-4ACC-8D24-D5DA41E368F1}"/>
               </a:ext>
             </a:extLst>
           </p:cNvPr>
@@ -3349,7 +6814,7 @@
         </p:nvSpPr>
         <p:spPr>
           <a:xfrm>
-            <a:off x="3403600" y="2845126"/>
+            <a:off x="3403600" y="3211950"/>
             <a:ext cx="3855298" cy="1107996"/>
           </a:xfrm>
           <a:prstGeom prst="rect">
@@ -3364,14 +6829,20 @@
           <a:lstStyle/>
           <a:p>
             <a:r>
-              <a:rPr lang="en-US" sz="6600" b="1" dirty="0">
+              <a:rPr lang="en-US" sz="6600" b="1" dirty="0" smtClean="0">
                 <a:solidFill>
                   <a:schemeClr val="bg1"/>
                 </a:solidFill>
                 <a:latin typeface="Tw Cen MT" panose="020B0602020104020603" pitchFamily="34" charset="0"/>
               </a:rPr>
-              <a:t>NEW</a:t>
+              <a:t>YOU</a:t>
             </a:r>
+            <a:endParaRPr lang="en-US" sz="6600" b="1" dirty="0">
+              <a:solidFill>
+                <a:schemeClr val="bg1"/>
+              </a:solidFill>
+              <a:latin typeface="Tw Cen MT" panose="020B0602020104020603" pitchFamily="34" charset="0"/>
+            </a:endParaRPr>
           </a:p>
         </p:txBody>
       </p:sp>
@@ -3380,7 +6851,7 @@
           <p:cNvPr id="20" name="Rectangle 19">
             <a:extLst>
               <a:ext uri="{FF2B5EF4-FFF2-40B4-BE49-F238E27FC236}">
-                <a16:creationId xmlns:a16="http://schemas.microsoft.com/office/drawing/2014/main" xmlns="" id="{5B7AF43A-9981-4AB6-98A8-D142DF81434C}"/>
+                <a16:creationId xmlns="" xmlns:a16="http://schemas.microsoft.com/office/drawing/2014/main" id="{5B7AF43A-9981-4AB6-98A8-D142DF81434C}"/>
               </a:ext>
             </a:extLst>
           </p:cNvPr>
@@ -3429,50 +6900,10 @@
       </p:sp>
       <p:sp>
         <p:nvSpPr>
-          <p:cNvPr id="17" name="TextBox 16">
-            <a:extLst>
-              <a:ext uri="{FF2B5EF4-FFF2-40B4-BE49-F238E27FC236}">
-                <a16:creationId xmlns:a16="http://schemas.microsoft.com/office/drawing/2014/main" xmlns="" id="{A2347291-E14A-4C41-ADE2-84F01D888DC0}"/>
-              </a:ext>
-            </a:extLst>
-          </p:cNvPr>
-          <p:cNvSpPr txBox="1"/>
-          <p:nvPr/>
-        </p:nvSpPr>
-        <p:spPr>
-          <a:xfrm>
-            <a:off x="3403599" y="3520127"/>
-            <a:ext cx="4711261" cy="1107996"/>
-          </a:xfrm>
-          <a:prstGeom prst="rect">
-            <a:avLst/>
-          </a:prstGeom>
-          <a:noFill/>
-        </p:spPr>
-        <p:txBody>
-          <a:bodyPr wrap="square" rtlCol="0">
-            <a:spAutoFit/>
-          </a:bodyPr>
-          <a:lstStyle/>
-          <a:p>
-            <a:r>
-              <a:rPr lang="en-US" sz="6600" b="1" dirty="0">
-                <a:solidFill>
-                  <a:schemeClr val="bg1"/>
-                </a:solidFill>
-                <a:latin typeface="Tw Cen MT" panose="020B0602020104020603" pitchFamily="34" charset="0"/>
-              </a:rPr>
-              <a:t>GRAPHICS</a:t>
-            </a:r>
-          </a:p>
-        </p:txBody>
-      </p:sp>
-      <p:sp>
-        <p:nvSpPr>
           <p:cNvPr id="19" name="Rectangle 18">
             <a:extLst>
               <a:ext uri="{FF2B5EF4-FFF2-40B4-BE49-F238E27FC236}">
-                <a16:creationId xmlns:a16="http://schemas.microsoft.com/office/drawing/2014/main" xmlns="" id="{CFFBF42E-478C-47F4-8769-C5FC79FE1DE1}"/>
+                <a16:creationId xmlns="" xmlns:a16="http://schemas.microsoft.com/office/drawing/2014/main" id="{CFFBF42E-478C-47F4-8769-C5FC79FE1DE1}"/>
               </a:ext>
             </a:extLst>
           </p:cNvPr>
@@ -3524,7 +6955,7 @@
           <p:cNvPr id="15" name="TextBox 14">
             <a:extLst>
               <a:ext uri="{FF2B5EF4-FFF2-40B4-BE49-F238E27FC236}">
-                <a16:creationId xmlns:a16="http://schemas.microsoft.com/office/drawing/2014/main" xmlns="" id="{FA190EE7-CF11-43A9-A5FA-A9EBF0755B25}"/>
+                <a16:creationId xmlns="" xmlns:a16="http://schemas.microsoft.com/office/drawing/2014/main" id="{FA190EE7-CF11-43A9-A5FA-A9EBF0755B25}"/>
               </a:ext>
             </a:extLst>
           </p:cNvPr>
@@ -3533,7 +6964,7 @@
         </p:nvSpPr>
         <p:spPr>
           <a:xfrm>
-            <a:off x="3403600" y="2156432"/>
+            <a:off x="3403600" y="2519382"/>
             <a:ext cx="3855298" cy="1107996"/>
           </a:xfrm>
           <a:prstGeom prst="rect">
@@ -3548,14 +6979,20 @@
           <a:lstStyle/>
           <a:p>
             <a:r>
-              <a:rPr lang="en-US" sz="6600" b="1" dirty="0">
+              <a:rPr lang="en-US" sz="6600" b="1" dirty="0" smtClean="0">
                 <a:solidFill>
                   <a:schemeClr val="bg1"/>
                 </a:solidFill>
                 <a:latin typeface="Tw Cen MT" panose="020B0602020104020603" pitchFamily="34" charset="0"/>
               </a:rPr>
-              <a:t>CREATE</a:t>
+              <a:t>THANK</a:t>
             </a:r>
+            <a:endParaRPr lang="en-US" sz="6600" b="1" dirty="0">
+              <a:solidFill>
+                <a:schemeClr val="bg1"/>
+              </a:solidFill>
+              <a:latin typeface="Tw Cen MT" panose="020B0602020104020603" pitchFamily="34" charset="0"/>
+            </a:endParaRPr>
           </a:p>
         </p:txBody>
       </p:sp>
@@ -3564,7 +7001,7 @@
           <p:cNvPr id="18" name="Rectangle 17">
             <a:extLst>
               <a:ext uri="{FF2B5EF4-FFF2-40B4-BE49-F238E27FC236}">
-                <a16:creationId xmlns:a16="http://schemas.microsoft.com/office/drawing/2014/main" xmlns="" id="{696D9D43-350F-446C-A1B2-825F4963AFFC}"/>
+                <a16:creationId xmlns="" xmlns:a16="http://schemas.microsoft.com/office/drawing/2014/main" id="{696D9D43-350F-446C-A1B2-825F4963AFFC}"/>
               </a:ext>
             </a:extLst>
           </p:cNvPr>
@@ -3616,7 +7053,7 @@
           <p:cNvPr id="7" name="Straight Connector 6">
             <a:extLst>
               <a:ext uri="{FF2B5EF4-FFF2-40B4-BE49-F238E27FC236}">
-                <a16:creationId xmlns:a16="http://schemas.microsoft.com/office/drawing/2014/main" xmlns="" id="{F4051ABA-04D7-4D17-A46A-7024066DA1AF}"/>
+                <a16:creationId xmlns="" xmlns:a16="http://schemas.microsoft.com/office/drawing/2014/main" id="{F4051ABA-04D7-4D17-A46A-7024066DA1AF}"/>
               </a:ext>
             </a:extLst>
           </p:cNvPr>
@@ -3659,7 +7096,7 @@
           <p:cNvPr id="9" name="Straight Connector 8">
             <a:extLst>
               <a:ext uri="{FF2B5EF4-FFF2-40B4-BE49-F238E27FC236}">
-                <a16:creationId xmlns:a16="http://schemas.microsoft.com/office/drawing/2014/main" xmlns="" id="{9F188DB2-A583-4125-A1C8-A0E1B9AE2E35}"/>
+                <a16:creationId xmlns="" xmlns:a16="http://schemas.microsoft.com/office/drawing/2014/main" id="{9F188DB2-A583-4125-A1C8-A0E1B9AE2E35}"/>
               </a:ext>
             </a:extLst>
           </p:cNvPr>
@@ -3702,7 +7139,7 @@
           <p:cNvPr id="10" name="Straight Connector 9">
             <a:extLst>
               <a:ext uri="{FF2B5EF4-FFF2-40B4-BE49-F238E27FC236}">
-                <a16:creationId xmlns:a16="http://schemas.microsoft.com/office/drawing/2014/main" xmlns="" id="{7848A8EE-6B05-4B73-88E5-ACADE64F49E6}"/>
+                <a16:creationId xmlns="" xmlns:a16="http://schemas.microsoft.com/office/drawing/2014/main" id="{7848A8EE-6B05-4B73-88E5-ACADE64F49E6}"/>
               </a:ext>
             </a:extLst>
           </p:cNvPr>
@@ -3745,7 +7182,7 @@
           <p:cNvPr id="11" name="Straight Connector 10">
             <a:extLst>
               <a:ext uri="{FF2B5EF4-FFF2-40B4-BE49-F238E27FC236}">
-                <a16:creationId xmlns:a16="http://schemas.microsoft.com/office/drawing/2014/main" xmlns="" id="{2590B1C1-9717-44CD-9713-093B4CA349A1}"/>
+                <a16:creationId xmlns="" xmlns:a16="http://schemas.microsoft.com/office/drawing/2014/main" id="{2590B1C1-9717-44CD-9713-093B4CA349A1}"/>
               </a:ext>
             </a:extLst>
           </p:cNvPr>
@@ -3788,7 +7225,7 @@
           <p:cNvPr id="13" name="Straight Connector 12">
             <a:extLst>
               <a:ext uri="{FF2B5EF4-FFF2-40B4-BE49-F238E27FC236}">
-                <a16:creationId xmlns:a16="http://schemas.microsoft.com/office/drawing/2014/main" xmlns="" id="{16333020-CB81-452F-9BE2-B43C85797E36}"/>
+                <a16:creationId xmlns="" xmlns:a16="http://schemas.microsoft.com/office/drawing/2014/main" id="{16333020-CB81-452F-9BE2-B43C85797E36}"/>
               </a:ext>
             </a:extLst>
           </p:cNvPr>
@@ -4222,79 +7659,6 @@
                                   </p:childTnLst>
                                 </p:cTn>
                               </p:par>
-                              <p:par>
-                                <p:cTn id="33" presetID="2" presetClass="entr" presetSubtype="2" decel="100000" fill="hold" grpId="0" nodeType="withEffect">
-                                  <p:stCondLst>
-                                    <p:cond delay="0"/>
-                                  </p:stCondLst>
-                                  <p:childTnLst>
-                                    <p:set>
-                                      <p:cBhvr>
-                                        <p:cTn id="34" dur="1" fill="hold">
-                                          <p:stCondLst>
-                                            <p:cond delay="0"/>
-                                          </p:stCondLst>
-                                        </p:cTn>
-                                        <p:tgtEl>
-                                          <p:spTgt spid="17"/>
-                                        </p:tgtEl>
-                                        <p:attrNameLst>
-                                          <p:attrName>style.visibility</p:attrName>
-                                        </p:attrNameLst>
-                                      </p:cBhvr>
-                                      <p:to>
-                                        <p:strVal val="visible"/>
-                                      </p:to>
-                                    </p:set>
-                                    <p:anim calcmode="lin" valueType="num">
-                                      <p:cBhvr additive="base">
-                                        <p:cTn id="35" dur="500" fill="hold"/>
-                                        <p:tgtEl>
-                                          <p:spTgt spid="17"/>
-                                        </p:tgtEl>
-                                        <p:attrNameLst>
-                                          <p:attrName>ppt_x</p:attrName>
-                                        </p:attrNameLst>
-                                      </p:cBhvr>
-                                      <p:tavLst>
-                                        <p:tav tm="0">
-                                          <p:val>
-                                            <p:strVal val="1+#ppt_w/2"/>
-                                          </p:val>
-                                        </p:tav>
-                                        <p:tav tm="100000">
-                                          <p:val>
-                                            <p:strVal val="#ppt_x"/>
-                                          </p:val>
-                                        </p:tav>
-                                      </p:tavLst>
-                                    </p:anim>
-                                    <p:anim calcmode="lin" valueType="num">
-                                      <p:cBhvr additive="base">
-                                        <p:cTn id="36" dur="500" fill="hold"/>
-                                        <p:tgtEl>
-                                          <p:spTgt spid="17"/>
-                                        </p:tgtEl>
-                                        <p:attrNameLst>
-                                          <p:attrName>ppt_y</p:attrName>
-                                        </p:attrNameLst>
-                                      </p:cBhvr>
-                                      <p:tavLst>
-                                        <p:tav tm="0">
-                                          <p:val>
-                                            <p:strVal val="#ppt_y"/>
-                                          </p:val>
-                                        </p:tav>
-                                        <p:tav tm="100000">
-                                          <p:val>
-                                            <p:strVal val="#ppt_y"/>
-                                          </p:val>
-                                        </p:tav>
-                                      </p:tavLst>
-                                    </p:anim>
-                                  </p:childTnLst>
-                                </p:cTn>
-                              </p:par>
                             </p:childTnLst>
                           </p:cTn>
                         </p:par>
@@ -4302,28 +7666,72 @@
                     </p:cTn>
                   </p:par>
                   <p:par>
-                    <p:cTn id="37" fill="hold">
+                    <p:cTn id="33" fill="hold">
                       <p:stCondLst>
                         <p:cond delay="indefinite"/>
                       </p:stCondLst>
                       <p:childTnLst>
                         <p:par>
-                          <p:cTn id="38" fill="hold">
+                          <p:cTn id="34" fill="hold">
                             <p:stCondLst>
                               <p:cond delay="0"/>
                             </p:stCondLst>
                             <p:childTnLst>
                               <p:par>
-                                <p:cTn id="39" presetID="22" presetClass="exit" presetSubtype="1" fill="hold" nodeType="clickEffect">
+                                <p:cTn id="35" presetID="22" presetClass="exit" presetSubtype="1" fill="hold" nodeType="clickEffect">
                                   <p:stCondLst>
                                     <p:cond delay="0"/>
                                   </p:stCondLst>
                                   <p:childTnLst>
                                     <p:animEffect transition="out" filter="wipe(up)">
                                       <p:cBhvr>
+                                        <p:cTn id="36" dur="250"/>
+                                        <p:tgtEl>
+                                          <p:spTgt spid="11"/>
+                                        </p:tgtEl>
+                                      </p:cBhvr>
+                                    </p:animEffect>
+                                    <p:set>
+                                      <p:cBhvr>
+                                        <p:cTn id="37" dur="1" fill="hold">
+                                          <p:stCondLst>
+                                            <p:cond delay="249"/>
+                                          </p:stCondLst>
+                                        </p:cTn>
+                                        <p:tgtEl>
+                                          <p:spTgt spid="11"/>
+                                        </p:tgtEl>
+                                        <p:attrNameLst>
+                                          <p:attrName>style.visibility</p:attrName>
+                                        </p:attrNameLst>
+                                      </p:cBhvr>
+                                      <p:to>
+                                        <p:strVal val="hidden"/>
+                                      </p:to>
+                                    </p:set>
+                                  </p:childTnLst>
+                                </p:cTn>
+                              </p:par>
+                            </p:childTnLst>
+                          </p:cTn>
+                        </p:par>
+                        <p:par>
+                          <p:cTn id="38" fill="hold">
+                            <p:stCondLst>
+                              <p:cond delay="250"/>
+                            </p:stCondLst>
+                            <p:childTnLst>
+                              <p:par>
+                                <p:cTn id="39" presetID="22" presetClass="exit" presetSubtype="8" fill="hold" nodeType="afterEffect">
+                                  <p:stCondLst>
+                                    <p:cond delay="0"/>
+                                  </p:stCondLst>
+                                  <p:childTnLst>
+                                    <p:animEffect transition="out" filter="wipe(left)">
+                                      <p:cBhvr>
                                         <p:cTn id="40" dur="250"/>
                                         <p:tgtEl>
-                                          <p:spTgt spid="11"/>
+                                          <p:spTgt spid="10"/>
                                         </p:tgtEl>
                                       </p:cBhvr>
                                     </p:animEffect>
@@ -4335,7 +7743,7 @@
                                           </p:stCondLst>
                                         </p:cTn>
                                         <p:tgtEl>
-                                          <p:spTgt spid="11"/>
+                                          <p:spTgt spid="10"/>
                                         </p:tgtEl>
                                         <p:attrNameLst>
                                           <p:attrName>style.visibility</p:attrName>
@@ -4354,20 +7762,20 @@
                         <p:par>
                           <p:cTn id="42" fill="hold">
                             <p:stCondLst>
-                              <p:cond delay="250"/>
+                              <p:cond delay="500"/>
                             </p:stCondLst>
                             <p:childTnLst>
                               <p:par>
-                                <p:cTn id="43" presetID="22" presetClass="exit" presetSubtype="8" fill="hold" nodeType="afterEffect">
+                                <p:cTn id="43" presetID="22" presetClass="exit" presetSubtype="4" fill="hold" nodeType="afterEffect">
                                   <p:stCondLst>
                                     <p:cond delay="0"/>
                                   </p:stCondLst>
                                   <p:childTnLst>
-                                    <p:animEffect transition="out" filter="wipe(left)">
+                                    <p:animEffect transition="out" filter="wipe(down)">
                                       <p:cBhvr>
                                         <p:cTn id="44" dur="250"/>
                                         <p:tgtEl>
-                                          <p:spTgt spid="10"/>
+                                          <p:spTgt spid="9"/>
                                         </p:tgtEl>
                                       </p:cBhvr>
                                     </p:animEffect>
@@ -4379,7 +7787,7 @@
                                           </p:stCondLst>
                                         </p:cTn>
                                         <p:tgtEl>
-                                          <p:spTgt spid="10"/>
+                                          <p:spTgt spid="9"/>
                                         </p:tgtEl>
                                         <p:attrNameLst>
                                           <p:attrName>style.visibility</p:attrName>
@@ -4398,20 +7806,20 @@
                         <p:par>
                           <p:cTn id="46" fill="hold">
                             <p:stCondLst>
-                              <p:cond delay="500"/>
+                              <p:cond delay="750"/>
                             </p:stCondLst>
                             <p:childTnLst>
                               <p:par>
-                                <p:cTn id="47" presetID="22" presetClass="exit" presetSubtype="4" fill="hold" nodeType="afterEffect">
+                                <p:cTn id="47" presetID="22" presetClass="exit" presetSubtype="2" fill="hold" nodeType="afterEffect">
                                   <p:stCondLst>
                                     <p:cond delay="0"/>
                                   </p:stCondLst>
                                   <p:childTnLst>
-                                    <p:animEffect transition="out" filter="wipe(down)">
+                                    <p:animEffect transition="out" filter="wipe(right)">
                                       <p:cBhvr>
                                         <p:cTn id="48" dur="250"/>
                                         <p:tgtEl>
-                                          <p:spTgt spid="9"/>
+                                          <p:spTgt spid="7"/>
                                         </p:tgtEl>
                                       </p:cBhvr>
                                     </p:animEffect>
@@ -4423,7 +7831,7 @@
                                           </p:stCondLst>
                                         </p:cTn>
                                         <p:tgtEl>
-                                          <p:spTgt spid="9"/>
+                                          <p:spTgt spid="7"/>
                                         </p:tgtEl>
                                         <p:attrNameLst>
                                           <p:attrName>style.visibility</p:attrName>
@@ -4442,20 +7850,20 @@
                         <p:par>
                           <p:cTn id="50" fill="hold">
                             <p:stCondLst>
-                              <p:cond delay="750"/>
+                              <p:cond delay="1000"/>
                             </p:stCondLst>
                             <p:childTnLst>
                               <p:par>
-                                <p:cTn id="51" presetID="22" presetClass="exit" presetSubtype="2" fill="hold" nodeType="afterEffect">
+                                <p:cTn id="51" presetID="22" presetClass="exit" presetSubtype="1" fill="hold" nodeType="afterEffect">
                                   <p:stCondLst>
                                     <p:cond delay="0"/>
                                   </p:stCondLst>
                                   <p:childTnLst>
-                                    <p:animEffect transition="out" filter="wipe(right)">
+                                    <p:animEffect transition="out" filter="wipe(up)">
                                       <p:cBhvr>
                                         <p:cTn id="52" dur="250"/>
                                         <p:tgtEl>
-                                          <p:spTgt spid="7"/>
+                                          <p:spTgt spid="13"/>
                                         </p:tgtEl>
                                       </p:cBhvr>
                                     </p:animEffect>
@@ -4467,50 +7875,6 @@
                                           </p:stCondLst>
                                         </p:cTn>
                                         <p:tgtEl>
-                                          <p:spTgt spid="7"/>
-                                        </p:tgtEl>
-                                        <p:attrNameLst>
-                                          <p:attrName>style.visibility</p:attrName>
-                                        </p:attrNameLst>
-                                      </p:cBhvr>
-                                      <p:to>
-                                        <p:strVal val="hidden"/>
-                                      </p:to>
-                                    </p:set>
-                                  </p:childTnLst>
-                                </p:cTn>
-                              </p:par>
-                            </p:childTnLst>
-                          </p:cTn>
-                        </p:par>
-                        <p:par>
-                          <p:cTn id="54" fill="hold">
-                            <p:stCondLst>
-                              <p:cond delay="1000"/>
-                            </p:stCondLst>
-                            <p:childTnLst>
-                              <p:par>
-                                <p:cTn id="55" presetID="22" presetClass="exit" presetSubtype="1" fill="hold" nodeType="afterEffect">
-                                  <p:stCondLst>
-                                    <p:cond delay="0"/>
-                                  </p:stCondLst>
-                                  <p:childTnLst>
-                                    <p:animEffect transition="out" filter="wipe(up)">
-                                      <p:cBhvr>
-                                        <p:cTn id="56" dur="250"/>
-                                        <p:tgtEl>
-                                          <p:spTgt spid="13"/>
-                                        </p:tgtEl>
-                                      </p:cBhvr>
-                                    </p:animEffect>
-                                    <p:set>
-                                      <p:cBhvr>
-                                        <p:cTn id="57" dur="1" fill="hold">
-                                          <p:stCondLst>
-                                            <p:cond delay="249"/>
-                                          </p:stCondLst>
-                                        </p:cTn>
-                                        <p:tgtEl>
                                           <p:spTgt spid="13"/>
                                         </p:tgtEl>
                                         <p:attrNameLst>
@@ -4525,14 +7889,14 @@
                                 </p:cTn>
                               </p:par>
                               <p:par>
-                                <p:cTn id="58" presetID="2" presetClass="exit" presetSubtype="2" accel="100000" fill="hold" grpId="1" nodeType="withEffect">
+                                <p:cTn id="54" presetID="2" presetClass="exit" presetSubtype="2" accel="100000" fill="hold" grpId="1" nodeType="withEffect">
                                   <p:stCondLst>
                                     <p:cond delay="0"/>
                                   </p:stCondLst>
                                   <p:childTnLst>
                                     <p:anim calcmode="lin" valueType="num">
                                       <p:cBhvr additive="base">
-                                        <p:cTn id="59" dur="500"/>
+                                        <p:cTn id="55" dur="500"/>
                                         <p:tgtEl>
                                           <p:spTgt spid="15"/>
                                         </p:tgtEl>
@@ -4555,9 +7919,82 @@
                                     </p:anim>
                                     <p:anim calcmode="lin" valueType="num">
                                       <p:cBhvr additive="base">
+                                        <p:cTn id="56" dur="500"/>
+                                        <p:tgtEl>
+                                          <p:spTgt spid="15"/>
+                                        </p:tgtEl>
+                                        <p:attrNameLst>
+                                          <p:attrName>ppt_y</p:attrName>
+                                        </p:attrNameLst>
+                                      </p:cBhvr>
+                                      <p:tavLst>
+                                        <p:tav tm="0">
+                                          <p:val>
+                                            <p:strVal val="ppt_y"/>
+                                          </p:val>
+                                        </p:tav>
+                                        <p:tav tm="100000">
+                                          <p:val>
+                                            <p:strVal val="ppt_y"/>
+                                          </p:val>
+                                        </p:tav>
+                                      </p:tavLst>
+                                    </p:anim>
+                                    <p:set>
+                                      <p:cBhvr>
+                                        <p:cTn id="57" dur="1" fill="hold">
+                                          <p:stCondLst>
+                                            <p:cond delay="499"/>
+                                          </p:stCondLst>
+                                        </p:cTn>
+                                        <p:tgtEl>
+                                          <p:spTgt spid="15"/>
+                                        </p:tgtEl>
+                                        <p:attrNameLst>
+                                          <p:attrName>style.visibility</p:attrName>
+                                        </p:attrNameLst>
+                                      </p:cBhvr>
+                                      <p:to>
+                                        <p:strVal val="hidden"/>
+                                      </p:to>
+                                    </p:set>
+                                  </p:childTnLst>
+                                </p:cTn>
+                              </p:par>
+                              <p:par>
+                                <p:cTn id="58" presetID="2" presetClass="exit" presetSubtype="8" accel="100000" fill="hold" grpId="1" nodeType="withEffect">
+                                  <p:stCondLst>
+                                    <p:cond delay="0"/>
+                                  </p:stCondLst>
+                                  <p:childTnLst>
+                                    <p:anim calcmode="lin" valueType="num">
+                                      <p:cBhvr additive="base">
+                                        <p:cTn id="59" dur="500"/>
+                                        <p:tgtEl>
+                                          <p:spTgt spid="16"/>
+                                        </p:tgtEl>
+                                        <p:attrNameLst>
+                                          <p:attrName>ppt_x</p:attrName>
+                                        </p:attrNameLst>
+                                      </p:cBhvr>
+                                      <p:tavLst>
+                                        <p:tav tm="0">
+                                          <p:val>
+                                            <p:strVal val="ppt_x"/>
+                                          </p:val>
+                                        </p:tav>
+                                        <p:tav tm="100000">
+                                          <p:val>
+                                            <p:strVal val="0-ppt_w/2"/>
+                                          </p:val>
+                                        </p:tav>
+                                      </p:tavLst>
+                                    </p:anim>
+                                    <p:anim calcmode="lin" valueType="num">
+                                      <p:cBhvr additive="base">
                                         <p:cTn id="60" dur="500"/>
                                         <p:tgtEl>
-                                          <p:spTgt spid="15"/>
+                                          <p:spTgt spid="16"/>
                                         </p:tgtEl>
                                         <p:attrNameLst>
                                           <p:attrName>ppt_y</p:attrName>
@@ -4584,153 +8021,7 @@
                                           </p:stCondLst>
                                         </p:cTn>
                                         <p:tgtEl>
-                                          <p:spTgt spid="15"/>
-                                        </p:tgtEl>
-                                        <p:attrNameLst>
-                                          <p:attrName>style.visibility</p:attrName>
-                                        </p:attrNameLst>
-                                      </p:cBhvr>
-                                      <p:to>
-                                        <p:strVal val="hidden"/>
-                                      </p:to>
-                                    </p:set>
-                                  </p:childTnLst>
-                                </p:cTn>
-                              </p:par>
-                              <p:par>
-                                <p:cTn id="62" presetID="2" presetClass="exit" presetSubtype="8" accel="100000" fill="hold" grpId="1" nodeType="withEffect">
-                                  <p:stCondLst>
-                                    <p:cond delay="0"/>
-                                  </p:stCondLst>
-                                  <p:childTnLst>
-                                    <p:anim calcmode="lin" valueType="num">
-                                      <p:cBhvr additive="base">
-                                        <p:cTn id="63" dur="500"/>
-                                        <p:tgtEl>
                                           <p:spTgt spid="16"/>
-                                        </p:tgtEl>
-                                        <p:attrNameLst>
-                                          <p:attrName>ppt_x</p:attrName>
-                                        </p:attrNameLst>
-                                      </p:cBhvr>
-                                      <p:tavLst>
-                                        <p:tav tm="0">
-                                          <p:val>
-                                            <p:strVal val="ppt_x"/>
-                                          </p:val>
-                                        </p:tav>
-                                        <p:tav tm="100000">
-                                          <p:val>
-                                            <p:strVal val="0-ppt_w/2"/>
-                                          </p:val>
-                                        </p:tav>
-                                      </p:tavLst>
-                                    </p:anim>
-                                    <p:anim calcmode="lin" valueType="num">
-                                      <p:cBhvr additive="base">
-                                        <p:cTn id="64" dur="500"/>
-                                        <p:tgtEl>
-                                          <p:spTgt spid="16"/>
-                                        </p:tgtEl>
-                                        <p:attrNameLst>
-                                          <p:attrName>ppt_y</p:attrName>
-                                        </p:attrNameLst>
-                                      </p:cBhvr>
-                                      <p:tavLst>
-                                        <p:tav tm="0">
-                                          <p:val>
-                                            <p:strVal val="ppt_y"/>
-                                          </p:val>
-                                        </p:tav>
-                                        <p:tav tm="100000">
-                                          <p:val>
-                                            <p:strVal val="ppt_y"/>
-                                          </p:val>
-                                        </p:tav>
-                                      </p:tavLst>
-                                    </p:anim>
-                                    <p:set>
-                                      <p:cBhvr>
-                                        <p:cTn id="65" dur="1" fill="hold">
-                                          <p:stCondLst>
-                                            <p:cond delay="499"/>
-                                          </p:stCondLst>
-                                        </p:cTn>
-                                        <p:tgtEl>
-                                          <p:spTgt spid="16"/>
-                                        </p:tgtEl>
-                                        <p:attrNameLst>
-                                          <p:attrName>style.visibility</p:attrName>
-                                        </p:attrNameLst>
-                                      </p:cBhvr>
-                                      <p:to>
-                                        <p:strVal val="hidden"/>
-                                      </p:to>
-                                    </p:set>
-                                  </p:childTnLst>
-                                </p:cTn>
-                              </p:par>
-                              <p:par>
-                                <p:cTn id="66" presetID="2" presetClass="exit" presetSubtype="2" accel="100000" fill="hold" grpId="1" nodeType="withEffect">
-                                  <p:stCondLst>
-                                    <p:cond delay="0"/>
-                                  </p:stCondLst>
-                                  <p:childTnLst>
-                                    <p:anim calcmode="lin" valueType="num">
-                                      <p:cBhvr additive="base">
-                                        <p:cTn id="67" dur="500"/>
-                                        <p:tgtEl>
-                                          <p:spTgt spid="17"/>
-                                        </p:tgtEl>
-                                        <p:attrNameLst>
-                                          <p:attrName>ppt_x</p:attrName>
-                                        </p:attrNameLst>
-                                      </p:cBhvr>
-                                      <p:tavLst>
-                                        <p:tav tm="0">
-                                          <p:val>
-                                            <p:strVal val="ppt_x"/>
-                                          </p:val>
-                                        </p:tav>
-                                        <p:tav tm="100000">
-                                          <p:val>
-                                            <p:strVal val="1+ppt_w/2"/>
-                                          </p:val>
-                                        </p:tav>
-                                      </p:tavLst>
-                                    </p:anim>
-                                    <p:anim calcmode="lin" valueType="num">
-                                      <p:cBhvr additive="base">
-                                        <p:cTn id="68" dur="500"/>
-                                        <p:tgtEl>
-                                          <p:spTgt spid="17"/>
-                                        </p:tgtEl>
-                                        <p:attrNameLst>
-                                          <p:attrName>ppt_y</p:attrName>
-                                        </p:attrNameLst>
-                                      </p:cBhvr>
-                                      <p:tavLst>
-                                        <p:tav tm="0">
-                                          <p:val>
-                                            <p:strVal val="ppt_y"/>
-                                          </p:val>
-                                        </p:tav>
-                                        <p:tav tm="100000">
-                                          <p:val>
-                                            <p:strVal val="ppt_y"/>
-                                          </p:val>
-                                        </p:tav>
-                                      </p:tavLst>
-                                    </p:anim>
-                                    <p:set>
-                                      <p:cBhvr>
-                                        <p:cTn id="69" dur="1" fill="hold">
-                                          <p:stCondLst>
-                                            <p:cond delay="499"/>
-                                          </p:stCondLst>
-                                        </p:cTn>
-                                        <p:tgtEl>
-                                          <p:spTgt spid="17"/>
                                         </p:tgtEl>
                                         <p:attrNameLst>
                                           <p:attrName>style.visibility</p:attrName>
@@ -4773,1512 +8064,6 @@
     <p:bldLst>
       <p:bldP spid="16" grpId="0"/>
       <p:bldP spid="16" grpId="1"/>
-      <p:bldP spid="17" grpId="0"/>
-      <p:bldP spid="17" grpId="1"/>
-      <p:bldP spid="15" grpId="0"/>
-      <p:bldP spid="15" grpId="1"/>
-    </p:bldLst>
-  </p:timing>
-</p:sld>
-</file>
-
-<file path=ppt/slides/slide2.xml><?xml version="1.0" encoding="utf-8"?>
-<p:sld xmlns:a="http://schemas.openxmlformats.org/drawingml/2006/main" xmlns:r="http://schemas.openxmlformats.org/officeDocument/2006/relationships" xmlns:p="http://schemas.openxmlformats.org/presentationml/2006/main">
-  <p:cSld>
-    <p:bg>
-      <p:bgPr>
-        <a:solidFill>
-          <a:schemeClr val="bg1">
-            <a:lumMod val="95000"/>
-          </a:schemeClr>
-        </a:solidFill>
-        <a:effectLst/>
-      </p:bgPr>
-    </p:bg>
-    <p:spTree>
-      <p:nvGrpSpPr>
-        <p:cNvPr id="1" name=""/>
-        <p:cNvGrpSpPr/>
-        <p:nvPr/>
-      </p:nvGrpSpPr>
-      <p:grpSpPr>
-        <a:xfrm>
-          <a:off x="0" y="0"/>
-          <a:ext cx="0" cy="0"/>
-          <a:chOff x="0" y="0"/>
-          <a:chExt cx="0" cy="0"/>
-        </a:xfrm>
-      </p:grpSpPr>
-      <p:sp>
-        <p:nvSpPr>
-          <p:cNvPr id="16" name="TextBox 15">
-            <a:extLst>
-              <a:ext uri="{FF2B5EF4-FFF2-40B4-BE49-F238E27FC236}">
-                <a16:creationId xmlns:a16="http://schemas.microsoft.com/office/drawing/2014/main" xmlns="" id="{9C57E340-0D1A-4ACC-8D24-D5DA41E368F1}"/>
-              </a:ext>
-            </a:extLst>
-          </p:cNvPr>
-          <p:cNvSpPr txBox="1"/>
-          <p:nvPr/>
-        </p:nvSpPr>
-        <p:spPr>
-          <a:xfrm>
-            <a:off x="3403600" y="2845126"/>
-            <a:ext cx="3855298" cy="1107996"/>
-          </a:xfrm>
-          <a:prstGeom prst="rect">
-            <a:avLst/>
-          </a:prstGeom>
-          <a:noFill/>
-        </p:spPr>
-        <p:txBody>
-          <a:bodyPr wrap="square" rtlCol="0">
-            <a:spAutoFit/>
-          </a:bodyPr>
-          <a:lstStyle/>
-          <a:p>
-            <a:r>
-              <a:rPr lang="en-US" sz="6600" b="1" dirty="0">
-                <a:solidFill>
-                  <a:schemeClr val="tx1">
-                    <a:lumMod val="75000"/>
-                    <a:lumOff val="25000"/>
-                  </a:schemeClr>
-                </a:solidFill>
-                <a:latin typeface="Tw Cen MT" panose="020B0602020104020603" pitchFamily="34" charset="0"/>
-              </a:rPr>
-              <a:t>NEW</a:t>
-            </a:r>
-          </a:p>
-        </p:txBody>
-      </p:sp>
-      <p:sp>
-        <p:nvSpPr>
-          <p:cNvPr id="20" name="Rectangle 19">
-            <a:extLst>
-              <a:ext uri="{FF2B5EF4-FFF2-40B4-BE49-F238E27FC236}">
-                <a16:creationId xmlns:a16="http://schemas.microsoft.com/office/drawing/2014/main" xmlns="" id="{5B7AF43A-9981-4AB6-98A8-D142DF81434C}"/>
-              </a:ext>
-            </a:extLst>
-          </p:cNvPr>
-          <p:cNvSpPr/>
-          <p:nvPr/>
-        </p:nvSpPr>
-        <p:spPr>
-          <a:xfrm>
-            <a:off x="0" y="2793695"/>
-            <a:ext cx="3403598" cy="1292985"/>
-          </a:xfrm>
-          <a:prstGeom prst="rect">
-            <a:avLst/>
-          </a:prstGeom>
-          <a:solidFill>
-            <a:schemeClr val="bg1">
-              <a:lumMod val="95000"/>
-            </a:schemeClr>
-          </a:solidFill>
-          <a:ln>
-            <a:noFill/>
-          </a:ln>
-        </p:spPr>
-        <p:style>
-          <a:lnRef idx="2">
-            <a:schemeClr val="accent1">
-              <a:shade val="50000"/>
-            </a:schemeClr>
-          </a:lnRef>
-          <a:fillRef idx="1">
-            <a:schemeClr val="accent1"/>
-          </a:fillRef>
-          <a:effectRef idx="0">
-            <a:schemeClr val="accent1"/>
-          </a:effectRef>
-          <a:fontRef idx="minor">
-            <a:schemeClr val="lt1"/>
-          </a:fontRef>
-        </p:style>
-        <p:txBody>
-          <a:bodyPr rtlCol="0" anchor="ctr"/>
-          <a:lstStyle/>
-          <a:p>
-            <a:pPr algn="ctr"/>
-            <a:endParaRPr lang="en-US"/>
-          </a:p>
-        </p:txBody>
-      </p:sp>
-      <p:sp>
-        <p:nvSpPr>
-          <p:cNvPr id="17" name="TextBox 16">
-            <a:extLst>
-              <a:ext uri="{FF2B5EF4-FFF2-40B4-BE49-F238E27FC236}">
-                <a16:creationId xmlns:a16="http://schemas.microsoft.com/office/drawing/2014/main" xmlns="" id="{A2347291-E14A-4C41-ADE2-84F01D888DC0}"/>
-              </a:ext>
-            </a:extLst>
-          </p:cNvPr>
-          <p:cNvSpPr txBox="1"/>
-          <p:nvPr/>
-        </p:nvSpPr>
-        <p:spPr>
-          <a:xfrm>
-            <a:off x="3403599" y="3520127"/>
-            <a:ext cx="4711261" cy="1107996"/>
-          </a:xfrm>
-          <a:prstGeom prst="rect">
-            <a:avLst/>
-          </a:prstGeom>
-          <a:noFill/>
-        </p:spPr>
-        <p:txBody>
-          <a:bodyPr wrap="square" rtlCol="0">
-            <a:spAutoFit/>
-          </a:bodyPr>
-          <a:lstStyle/>
-          <a:p>
-            <a:r>
-              <a:rPr lang="en-US" sz="6600" b="1" dirty="0">
-                <a:solidFill>
-                  <a:schemeClr val="tx1">
-                    <a:lumMod val="75000"/>
-                    <a:lumOff val="25000"/>
-                  </a:schemeClr>
-                </a:solidFill>
-                <a:latin typeface="Tw Cen MT" panose="020B0602020104020603" pitchFamily="34" charset="0"/>
-              </a:rPr>
-              <a:t>GRAPHICS</a:t>
-            </a:r>
-          </a:p>
-        </p:txBody>
-      </p:sp>
-      <p:sp>
-        <p:nvSpPr>
-          <p:cNvPr id="19" name="Rectangle 18">
-            <a:extLst>
-              <a:ext uri="{FF2B5EF4-FFF2-40B4-BE49-F238E27FC236}">
-                <a16:creationId xmlns:a16="http://schemas.microsoft.com/office/drawing/2014/main" xmlns="" id="{CFFBF42E-478C-47F4-8769-C5FC79FE1DE1}"/>
-              </a:ext>
-            </a:extLst>
-          </p:cNvPr>
-          <p:cNvSpPr/>
-          <p:nvPr/>
-        </p:nvSpPr>
-        <p:spPr>
-          <a:xfrm>
-            <a:off x="7258898" y="3644130"/>
-            <a:ext cx="4933102" cy="1292985"/>
-          </a:xfrm>
-          <a:prstGeom prst="rect">
-            <a:avLst/>
-          </a:prstGeom>
-          <a:solidFill>
-            <a:schemeClr val="bg1">
-              <a:lumMod val="95000"/>
-            </a:schemeClr>
-          </a:solidFill>
-          <a:ln>
-            <a:noFill/>
-          </a:ln>
-        </p:spPr>
-        <p:style>
-          <a:lnRef idx="2">
-            <a:schemeClr val="accent1">
-              <a:shade val="50000"/>
-            </a:schemeClr>
-          </a:lnRef>
-          <a:fillRef idx="1">
-            <a:schemeClr val="accent1"/>
-          </a:fillRef>
-          <a:effectRef idx="0">
-            <a:schemeClr val="accent1"/>
-          </a:effectRef>
-          <a:fontRef idx="minor">
-            <a:schemeClr val="lt1"/>
-          </a:fontRef>
-        </p:style>
-        <p:txBody>
-          <a:bodyPr rtlCol="0" anchor="ctr"/>
-          <a:lstStyle/>
-          <a:p>
-            <a:pPr algn="ctr"/>
-            <a:endParaRPr lang="en-US"/>
-          </a:p>
-        </p:txBody>
-      </p:sp>
-      <p:sp>
-        <p:nvSpPr>
-          <p:cNvPr id="15" name="TextBox 14">
-            <a:extLst>
-              <a:ext uri="{FF2B5EF4-FFF2-40B4-BE49-F238E27FC236}">
-                <a16:creationId xmlns:a16="http://schemas.microsoft.com/office/drawing/2014/main" xmlns="" id="{FA190EE7-CF11-43A9-A5FA-A9EBF0755B25}"/>
-              </a:ext>
-            </a:extLst>
-          </p:cNvPr>
-          <p:cNvSpPr txBox="1"/>
-          <p:nvPr/>
-        </p:nvSpPr>
-        <p:spPr>
-          <a:xfrm>
-            <a:off x="3403600" y="2156432"/>
-            <a:ext cx="3855298" cy="1107996"/>
-          </a:xfrm>
-          <a:prstGeom prst="rect">
-            <a:avLst/>
-          </a:prstGeom>
-          <a:noFill/>
-        </p:spPr>
-        <p:txBody>
-          <a:bodyPr wrap="square" rtlCol="0">
-            <a:spAutoFit/>
-          </a:bodyPr>
-          <a:lstStyle/>
-          <a:p>
-            <a:r>
-              <a:rPr lang="en-US" sz="6600" b="1" dirty="0">
-                <a:solidFill>
-                  <a:schemeClr val="tx1">
-                    <a:lumMod val="75000"/>
-                    <a:lumOff val="25000"/>
-                  </a:schemeClr>
-                </a:solidFill>
-                <a:latin typeface="Tw Cen MT" panose="020B0602020104020603" pitchFamily="34" charset="0"/>
-              </a:rPr>
-              <a:t>CREATE</a:t>
-            </a:r>
-          </a:p>
-        </p:txBody>
-      </p:sp>
-      <p:sp>
-        <p:nvSpPr>
-          <p:cNvPr id="18" name="Rectangle 17">
-            <a:extLst>
-              <a:ext uri="{FF2B5EF4-FFF2-40B4-BE49-F238E27FC236}">
-                <a16:creationId xmlns:a16="http://schemas.microsoft.com/office/drawing/2014/main" xmlns="" id="{696D9D43-350F-446C-A1B2-825F4963AFFC}"/>
-              </a:ext>
-            </a:extLst>
-          </p:cNvPr>
-          <p:cNvSpPr/>
-          <p:nvPr/>
-        </p:nvSpPr>
-        <p:spPr>
-          <a:xfrm>
-            <a:off x="6179820" y="2156432"/>
-            <a:ext cx="6012180" cy="1292985"/>
-          </a:xfrm>
-          <a:prstGeom prst="rect">
-            <a:avLst/>
-          </a:prstGeom>
-          <a:solidFill>
-            <a:schemeClr val="bg1">
-              <a:lumMod val="95000"/>
-            </a:schemeClr>
-          </a:solidFill>
-          <a:ln>
-            <a:noFill/>
-          </a:ln>
-        </p:spPr>
-        <p:style>
-          <a:lnRef idx="2">
-            <a:schemeClr val="accent1">
-              <a:shade val="50000"/>
-            </a:schemeClr>
-          </a:lnRef>
-          <a:fillRef idx="1">
-            <a:schemeClr val="accent1"/>
-          </a:fillRef>
-          <a:effectRef idx="0">
-            <a:schemeClr val="accent1"/>
-          </a:effectRef>
-          <a:fontRef idx="minor">
-            <a:schemeClr val="lt1"/>
-          </a:fontRef>
-        </p:style>
-        <p:txBody>
-          <a:bodyPr rtlCol="0" anchor="ctr"/>
-          <a:lstStyle/>
-          <a:p>
-            <a:pPr algn="ctr"/>
-            <a:endParaRPr lang="en-US"/>
-          </a:p>
-        </p:txBody>
-      </p:sp>
-      <p:cxnSp>
-        <p:nvCxnSpPr>
-          <p:cNvPr id="7" name="Straight Connector 6">
-            <a:extLst>
-              <a:ext uri="{FF2B5EF4-FFF2-40B4-BE49-F238E27FC236}">
-                <a16:creationId xmlns:a16="http://schemas.microsoft.com/office/drawing/2014/main" xmlns="" id="{F4051ABA-04D7-4D17-A46A-7024066DA1AF}"/>
-              </a:ext>
-            </a:extLst>
-          </p:cNvPr>
-          <p:cNvCxnSpPr>
-            <a:cxnSpLocks/>
-          </p:cNvCxnSpPr>
-          <p:nvPr/>
-        </p:nvCxnSpPr>
-        <p:spPr>
-          <a:xfrm>
-            <a:off x="4361592" y="1501346"/>
-            <a:ext cx="3855308" cy="0"/>
-          </a:xfrm>
-          <a:prstGeom prst="line">
-            <a:avLst/>
-          </a:prstGeom>
-          <a:ln w="152400">
-            <a:solidFill>
-              <a:schemeClr val="tx1">
-                <a:lumMod val="75000"/>
-                <a:lumOff val="25000"/>
-              </a:schemeClr>
-            </a:solidFill>
-          </a:ln>
-        </p:spPr>
-        <p:style>
-          <a:lnRef idx="1">
-            <a:schemeClr val="accent1"/>
-          </a:lnRef>
-          <a:fillRef idx="0">
-            <a:schemeClr val="accent1"/>
-          </a:fillRef>
-          <a:effectRef idx="0">
-            <a:schemeClr val="accent1"/>
-          </a:effectRef>
-          <a:fontRef idx="minor">
-            <a:schemeClr val="tx1"/>
-          </a:fontRef>
-        </p:style>
-      </p:cxnSp>
-      <p:cxnSp>
-        <p:nvCxnSpPr>
-          <p:cNvPr id="9" name="Straight Connector 8">
-            <a:extLst>
-              <a:ext uri="{FF2B5EF4-FFF2-40B4-BE49-F238E27FC236}">
-                <a16:creationId xmlns:a16="http://schemas.microsoft.com/office/drawing/2014/main" xmlns="" id="{9F188DB2-A583-4125-A1C8-A0E1B9AE2E35}"/>
-              </a:ext>
-            </a:extLst>
-          </p:cNvPr>
-          <p:cNvCxnSpPr>
-            <a:cxnSpLocks/>
-          </p:cNvCxnSpPr>
-          <p:nvPr/>
-        </p:nvCxnSpPr>
-        <p:spPr>
-          <a:xfrm rot="5400000">
-            <a:off x="6212617" y="3429000"/>
-            <a:ext cx="3855308" cy="0"/>
-          </a:xfrm>
-          <a:prstGeom prst="line">
-            <a:avLst/>
-          </a:prstGeom>
-          <a:ln w="152400">
-            <a:solidFill>
-              <a:schemeClr val="tx1">
-                <a:lumMod val="75000"/>
-                <a:lumOff val="25000"/>
-              </a:schemeClr>
-            </a:solidFill>
-          </a:ln>
-        </p:spPr>
-        <p:style>
-          <a:lnRef idx="1">
-            <a:schemeClr val="accent1"/>
-          </a:lnRef>
-          <a:fillRef idx="0">
-            <a:schemeClr val="accent1"/>
-          </a:fillRef>
-          <a:effectRef idx="0">
-            <a:schemeClr val="accent1"/>
-          </a:effectRef>
-          <a:fontRef idx="minor">
-            <a:schemeClr val="tx1"/>
-          </a:fontRef>
-        </p:style>
-      </p:cxnSp>
-      <p:cxnSp>
-        <p:nvCxnSpPr>
-          <p:cNvPr id="10" name="Straight Connector 9">
-            <a:extLst>
-              <a:ext uri="{FF2B5EF4-FFF2-40B4-BE49-F238E27FC236}">
-                <a16:creationId xmlns:a16="http://schemas.microsoft.com/office/drawing/2014/main" xmlns="" id="{7848A8EE-6B05-4B73-88E5-ACADE64F49E6}"/>
-              </a:ext>
-            </a:extLst>
-          </p:cNvPr>
-          <p:cNvCxnSpPr>
-            <a:cxnSpLocks/>
-          </p:cNvCxnSpPr>
-          <p:nvPr/>
-        </p:nvCxnSpPr>
-        <p:spPr>
-          <a:xfrm>
-            <a:off x="4361592" y="5285946"/>
-            <a:ext cx="3855308" cy="0"/>
-          </a:xfrm>
-          <a:prstGeom prst="line">
-            <a:avLst/>
-          </a:prstGeom>
-          <a:ln w="152400">
-            <a:solidFill>
-              <a:schemeClr val="tx1">
-                <a:lumMod val="75000"/>
-                <a:lumOff val="25000"/>
-              </a:schemeClr>
-            </a:solidFill>
-          </a:ln>
-        </p:spPr>
-        <p:style>
-          <a:lnRef idx="1">
-            <a:schemeClr val="accent1"/>
-          </a:lnRef>
-          <a:fillRef idx="0">
-            <a:schemeClr val="accent1"/>
-          </a:fillRef>
-          <a:effectRef idx="0">
-            <a:schemeClr val="accent1"/>
-          </a:effectRef>
-          <a:fontRef idx="minor">
-            <a:schemeClr val="tx1"/>
-          </a:fontRef>
-        </p:style>
-      </p:cxnSp>
-      <p:cxnSp>
-        <p:nvCxnSpPr>
-          <p:cNvPr id="11" name="Straight Connector 10">
-            <a:extLst>
-              <a:ext uri="{FF2B5EF4-FFF2-40B4-BE49-F238E27FC236}">
-                <a16:creationId xmlns:a16="http://schemas.microsoft.com/office/drawing/2014/main" xmlns="" id="{2590B1C1-9717-44CD-9713-093B4CA349A1}"/>
-              </a:ext>
-            </a:extLst>
-          </p:cNvPr>
-          <p:cNvCxnSpPr>
-            <a:cxnSpLocks/>
-          </p:cNvCxnSpPr>
-          <p:nvPr/>
-        </p:nvCxnSpPr>
-        <p:spPr>
-          <a:xfrm>
-            <a:off x="4431871" y="4715137"/>
-            <a:ext cx="0" cy="641517"/>
-          </a:xfrm>
-          <a:prstGeom prst="line">
-            <a:avLst/>
-          </a:prstGeom>
-          <a:ln w="152400">
-            <a:solidFill>
-              <a:schemeClr val="tx1">
-                <a:lumMod val="75000"/>
-                <a:lumOff val="25000"/>
-              </a:schemeClr>
-            </a:solidFill>
-          </a:ln>
-        </p:spPr>
-        <p:style>
-          <a:lnRef idx="1">
-            <a:schemeClr val="accent1"/>
-          </a:lnRef>
-          <a:fillRef idx="0">
-            <a:schemeClr val="accent1"/>
-          </a:fillRef>
-          <a:effectRef idx="0">
-            <a:schemeClr val="accent1"/>
-          </a:effectRef>
-          <a:fontRef idx="minor">
-            <a:schemeClr val="tx1"/>
-          </a:fontRef>
-        </p:style>
-      </p:cxnSp>
-      <p:cxnSp>
-        <p:nvCxnSpPr>
-          <p:cNvPr id="13" name="Straight Connector 12">
-            <a:extLst>
-              <a:ext uri="{FF2B5EF4-FFF2-40B4-BE49-F238E27FC236}">
-                <a16:creationId xmlns:a16="http://schemas.microsoft.com/office/drawing/2014/main" xmlns="" id="{16333020-CB81-452F-9BE2-B43C85797E36}"/>
-              </a:ext>
-            </a:extLst>
-          </p:cNvPr>
-          <p:cNvCxnSpPr>
-            <a:cxnSpLocks/>
-          </p:cNvCxnSpPr>
-          <p:nvPr/>
-        </p:nvCxnSpPr>
-        <p:spPr>
-          <a:xfrm>
-            <a:off x="4431871" y="1501346"/>
-            <a:ext cx="0" cy="641517"/>
-          </a:xfrm>
-          <a:prstGeom prst="line">
-            <a:avLst/>
-          </a:prstGeom>
-          <a:ln w="152400">
-            <a:solidFill>
-              <a:schemeClr val="tx1">
-                <a:lumMod val="75000"/>
-                <a:lumOff val="25000"/>
-              </a:schemeClr>
-            </a:solidFill>
-          </a:ln>
-        </p:spPr>
-        <p:style>
-          <a:lnRef idx="1">
-            <a:schemeClr val="accent1"/>
-          </a:lnRef>
-          <a:fillRef idx="0">
-            <a:schemeClr val="accent1"/>
-          </a:fillRef>
-          <a:effectRef idx="0">
-            <a:schemeClr val="accent1"/>
-          </a:effectRef>
-          <a:fontRef idx="minor">
-            <a:schemeClr val="tx1"/>
-          </a:fontRef>
-        </p:style>
-      </p:cxnSp>
-    </p:spTree>
-    <p:extLst>
-      <p:ext uri="{BB962C8B-B14F-4D97-AF65-F5344CB8AC3E}">
-        <p14:creationId xmlns:p14="http://schemas.microsoft.com/office/powerpoint/2010/main" val="3034345492"/>
-      </p:ext>
-    </p:extLst>
-  </p:cSld>
-  <p:clrMapOvr>
-    <a:masterClrMapping/>
-  </p:clrMapOvr>
-  <p:timing>
-    <p:tnLst>
-      <p:par>
-        <p:cTn id="1" dur="indefinite" restart="never" nodeType="tmRoot">
-          <p:childTnLst>
-            <p:seq concurrent="1" nextAc="seek">
-              <p:cTn id="2" dur="indefinite" nodeType="mainSeq">
-                <p:childTnLst>
-                  <p:par>
-                    <p:cTn id="3" fill="hold">
-                      <p:stCondLst>
-                        <p:cond delay="indefinite"/>
-                      </p:stCondLst>
-                      <p:childTnLst>
-                        <p:par>
-                          <p:cTn id="4" fill="hold">
-                            <p:stCondLst>
-                              <p:cond delay="0"/>
-                            </p:stCondLst>
-                            <p:childTnLst>
-                              <p:par>
-                                <p:cTn id="5" presetID="22" presetClass="entr" presetSubtype="4" fill="hold" nodeType="clickEffect">
-                                  <p:stCondLst>
-                                    <p:cond delay="0"/>
-                                  </p:stCondLst>
-                                  <p:childTnLst>
-                                    <p:set>
-                                      <p:cBhvr>
-                                        <p:cTn id="6" dur="1" fill="hold">
-                                          <p:stCondLst>
-                                            <p:cond delay="0"/>
-                                          </p:stCondLst>
-                                        </p:cTn>
-                                        <p:tgtEl>
-                                          <p:spTgt spid="13"/>
-                                        </p:tgtEl>
-                                        <p:attrNameLst>
-                                          <p:attrName>style.visibility</p:attrName>
-                                        </p:attrNameLst>
-                                      </p:cBhvr>
-                                      <p:to>
-                                        <p:strVal val="visible"/>
-                                      </p:to>
-                                    </p:set>
-                                    <p:animEffect transition="in" filter="wipe(down)">
-                                      <p:cBhvr>
-                                        <p:cTn id="7" dur="250"/>
-                                        <p:tgtEl>
-                                          <p:spTgt spid="13"/>
-                                        </p:tgtEl>
-                                      </p:cBhvr>
-                                    </p:animEffect>
-                                  </p:childTnLst>
-                                </p:cTn>
-                              </p:par>
-                            </p:childTnLst>
-                          </p:cTn>
-                        </p:par>
-                        <p:par>
-                          <p:cTn id="8" fill="hold">
-                            <p:stCondLst>
-                              <p:cond delay="250"/>
-                            </p:stCondLst>
-                            <p:childTnLst>
-                              <p:par>
-                                <p:cTn id="9" presetID="22" presetClass="entr" presetSubtype="8" fill="hold" nodeType="afterEffect">
-                                  <p:stCondLst>
-                                    <p:cond delay="0"/>
-                                  </p:stCondLst>
-                                  <p:childTnLst>
-                                    <p:set>
-                                      <p:cBhvr>
-                                        <p:cTn id="10" dur="1" fill="hold">
-                                          <p:stCondLst>
-                                            <p:cond delay="0"/>
-                                          </p:stCondLst>
-                                        </p:cTn>
-                                        <p:tgtEl>
-                                          <p:spTgt spid="7"/>
-                                        </p:tgtEl>
-                                        <p:attrNameLst>
-                                          <p:attrName>style.visibility</p:attrName>
-                                        </p:attrNameLst>
-                                      </p:cBhvr>
-                                      <p:to>
-                                        <p:strVal val="visible"/>
-                                      </p:to>
-                                    </p:set>
-                                    <p:animEffect transition="in" filter="wipe(left)">
-                                      <p:cBhvr>
-                                        <p:cTn id="11" dur="250"/>
-                                        <p:tgtEl>
-                                          <p:spTgt spid="7"/>
-                                        </p:tgtEl>
-                                      </p:cBhvr>
-                                    </p:animEffect>
-                                  </p:childTnLst>
-                                </p:cTn>
-                              </p:par>
-                            </p:childTnLst>
-                          </p:cTn>
-                        </p:par>
-                        <p:par>
-                          <p:cTn id="12" fill="hold">
-                            <p:stCondLst>
-                              <p:cond delay="500"/>
-                            </p:stCondLst>
-                            <p:childTnLst>
-                              <p:par>
-                                <p:cTn id="13" presetID="22" presetClass="entr" presetSubtype="1" fill="hold" nodeType="afterEffect">
-                                  <p:stCondLst>
-                                    <p:cond delay="0"/>
-                                  </p:stCondLst>
-                                  <p:childTnLst>
-                                    <p:set>
-                                      <p:cBhvr>
-                                        <p:cTn id="14" dur="1" fill="hold">
-                                          <p:stCondLst>
-                                            <p:cond delay="0"/>
-                                          </p:stCondLst>
-                                        </p:cTn>
-                                        <p:tgtEl>
-                                          <p:spTgt spid="9"/>
-                                        </p:tgtEl>
-                                        <p:attrNameLst>
-                                          <p:attrName>style.visibility</p:attrName>
-                                        </p:attrNameLst>
-                                      </p:cBhvr>
-                                      <p:to>
-                                        <p:strVal val="visible"/>
-                                      </p:to>
-                                    </p:set>
-                                    <p:animEffect transition="in" filter="wipe(up)">
-                                      <p:cBhvr>
-                                        <p:cTn id="15" dur="250"/>
-                                        <p:tgtEl>
-                                          <p:spTgt spid="9"/>
-                                        </p:tgtEl>
-                                      </p:cBhvr>
-                                    </p:animEffect>
-                                  </p:childTnLst>
-                                </p:cTn>
-                              </p:par>
-                            </p:childTnLst>
-                          </p:cTn>
-                        </p:par>
-                        <p:par>
-                          <p:cTn id="16" fill="hold">
-                            <p:stCondLst>
-                              <p:cond delay="750"/>
-                            </p:stCondLst>
-                            <p:childTnLst>
-                              <p:par>
-                                <p:cTn id="17" presetID="22" presetClass="entr" presetSubtype="2" fill="hold" nodeType="afterEffect">
-                                  <p:stCondLst>
-                                    <p:cond delay="0"/>
-                                  </p:stCondLst>
-                                  <p:childTnLst>
-                                    <p:set>
-                                      <p:cBhvr>
-                                        <p:cTn id="18" dur="1" fill="hold">
-                                          <p:stCondLst>
-                                            <p:cond delay="0"/>
-                                          </p:stCondLst>
-                                        </p:cTn>
-                                        <p:tgtEl>
-                                          <p:spTgt spid="10"/>
-                                        </p:tgtEl>
-                                        <p:attrNameLst>
-                                          <p:attrName>style.visibility</p:attrName>
-                                        </p:attrNameLst>
-                                      </p:cBhvr>
-                                      <p:to>
-                                        <p:strVal val="visible"/>
-                                      </p:to>
-                                    </p:set>
-                                    <p:animEffect transition="in" filter="wipe(right)">
-                                      <p:cBhvr>
-                                        <p:cTn id="19" dur="250"/>
-                                        <p:tgtEl>
-                                          <p:spTgt spid="10"/>
-                                        </p:tgtEl>
-                                      </p:cBhvr>
-                                    </p:animEffect>
-                                  </p:childTnLst>
-                                </p:cTn>
-                              </p:par>
-                            </p:childTnLst>
-                          </p:cTn>
-                        </p:par>
-                        <p:par>
-                          <p:cTn id="20" fill="hold">
-                            <p:stCondLst>
-                              <p:cond delay="1000"/>
-                            </p:stCondLst>
-                            <p:childTnLst>
-                              <p:par>
-                                <p:cTn id="21" presetID="22" presetClass="entr" presetSubtype="4" fill="hold" nodeType="afterEffect">
-                                  <p:stCondLst>
-                                    <p:cond delay="0"/>
-                                  </p:stCondLst>
-                                  <p:childTnLst>
-                                    <p:set>
-                                      <p:cBhvr>
-                                        <p:cTn id="22" dur="1" fill="hold">
-                                          <p:stCondLst>
-                                            <p:cond delay="0"/>
-                                          </p:stCondLst>
-                                        </p:cTn>
-                                        <p:tgtEl>
-                                          <p:spTgt spid="11"/>
-                                        </p:tgtEl>
-                                        <p:attrNameLst>
-                                          <p:attrName>style.visibility</p:attrName>
-                                        </p:attrNameLst>
-                                      </p:cBhvr>
-                                      <p:to>
-                                        <p:strVal val="visible"/>
-                                      </p:to>
-                                    </p:set>
-                                    <p:animEffect transition="in" filter="wipe(down)">
-                                      <p:cBhvr>
-                                        <p:cTn id="23" dur="250"/>
-                                        <p:tgtEl>
-                                          <p:spTgt spid="11"/>
-                                        </p:tgtEl>
-                                      </p:cBhvr>
-                                    </p:animEffect>
-                                  </p:childTnLst>
-                                </p:cTn>
-                              </p:par>
-                            </p:childTnLst>
-                          </p:cTn>
-                        </p:par>
-                        <p:par>
-                          <p:cTn id="24" fill="hold">
-                            <p:stCondLst>
-                              <p:cond delay="1250"/>
-                            </p:stCondLst>
-                            <p:childTnLst>
-                              <p:par>
-                                <p:cTn id="25" presetID="2" presetClass="entr" presetSubtype="2" decel="100000" fill="hold" grpId="0" nodeType="afterEffect">
-                                  <p:stCondLst>
-                                    <p:cond delay="0"/>
-                                  </p:stCondLst>
-                                  <p:childTnLst>
-                                    <p:set>
-                                      <p:cBhvr>
-                                        <p:cTn id="26" dur="1" fill="hold">
-                                          <p:stCondLst>
-                                            <p:cond delay="0"/>
-                                          </p:stCondLst>
-                                        </p:cTn>
-                                        <p:tgtEl>
-                                          <p:spTgt spid="15"/>
-                                        </p:tgtEl>
-                                        <p:attrNameLst>
-                                          <p:attrName>style.visibility</p:attrName>
-                                        </p:attrNameLst>
-                                      </p:cBhvr>
-                                      <p:to>
-                                        <p:strVal val="visible"/>
-                                      </p:to>
-                                    </p:set>
-                                    <p:anim calcmode="lin" valueType="num">
-                                      <p:cBhvr additive="base">
-                                        <p:cTn id="27" dur="500" fill="hold"/>
-                                        <p:tgtEl>
-                                          <p:spTgt spid="15"/>
-                                        </p:tgtEl>
-                                        <p:attrNameLst>
-                                          <p:attrName>ppt_x</p:attrName>
-                                        </p:attrNameLst>
-                                      </p:cBhvr>
-                                      <p:tavLst>
-                                        <p:tav tm="0">
-                                          <p:val>
-                                            <p:strVal val="1+#ppt_w/2"/>
-                                          </p:val>
-                                        </p:tav>
-                                        <p:tav tm="100000">
-                                          <p:val>
-                                            <p:strVal val="#ppt_x"/>
-                                          </p:val>
-                                        </p:tav>
-                                      </p:tavLst>
-                                    </p:anim>
-                                    <p:anim calcmode="lin" valueType="num">
-                                      <p:cBhvr additive="base">
-                                        <p:cTn id="28" dur="500" fill="hold"/>
-                                        <p:tgtEl>
-                                          <p:spTgt spid="15"/>
-                                        </p:tgtEl>
-                                        <p:attrNameLst>
-                                          <p:attrName>ppt_y</p:attrName>
-                                        </p:attrNameLst>
-                                      </p:cBhvr>
-                                      <p:tavLst>
-                                        <p:tav tm="0">
-                                          <p:val>
-                                            <p:strVal val="#ppt_y"/>
-                                          </p:val>
-                                        </p:tav>
-                                        <p:tav tm="100000">
-                                          <p:val>
-                                            <p:strVal val="#ppt_y"/>
-                                          </p:val>
-                                        </p:tav>
-                                      </p:tavLst>
-                                    </p:anim>
-                                  </p:childTnLst>
-                                </p:cTn>
-                              </p:par>
-                              <p:par>
-                                <p:cTn id="29" presetID="2" presetClass="entr" presetSubtype="8" decel="100000" fill="hold" grpId="0" nodeType="withEffect">
-                                  <p:stCondLst>
-                                    <p:cond delay="0"/>
-                                  </p:stCondLst>
-                                  <p:childTnLst>
-                                    <p:set>
-                                      <p:cBhvr>
-                                        <p:cTn id="30" dur="1" fill="hold">
-                                          <p:stCondLst>
-                                            <p:cond delay="0"/>
-                                          </p:stCondLst>
-                                        </p:cTn>
-                                        <p:tgtEl>
-                                          <p:spTgt spid="16"/>
-                                        </p:tgtEl>
-                                        <p:attrNameLst>
-                                          <p:attrName>style.visibility</p:attrName>
-                                        </p:attrNameLst>
-                                      </p:cBhvr>
-                                      <p:to>
-                                        <p:strVal val="visible"/>
-                                      </p:to>
-                                    </p:set>
-                                    <p:anim calcmode="lin" valueType="num">
-                                      <p:cBhvr additive="base">
-                                        <p:cTn id="31" dur="500" fill="hold"/>
-                                        <p:tgtEl>
-                                          <p:spTgt spid="16"/>
-                                        </p:tgtEl>
-                                        <p:attrNameLst>
-                                          <p:attrName>ppt_x</p:attrName>
-                                        </p:attrNameLst>
-                                      </p:cBhvr>
-                                      <p:tavLst>
-                                        <p:tav tm="0">
-                                          <p:val>
-                                            <p:strVal val="0-#ppt_w/2"/>
-                                          </p:val>
-                                        </p:tav>
-                                        <p:tav tm="100000">
-                                          <p:val>
-                                            <p:strVal val="#ppt_x"/>
-                                          </p:val>
-                                        </p:tav>
-                                      </p:tavLst>
-                                    </p:anim>
-                                    <p:anim calcmode="lin" valueType="num">
-                                      <p:cBhvr additive="base">
-                                        <p:cTn id="32" dur="500" fill="hold"/>
-                                        <p:tgtEl>
-                                          <p:spTgt spid="16"/>
-                                        </p:tgtEl>
-                                        <p:attrNameLst>
-                                          <p:attrName>ppt_y</p:attrName>
-                                        </p:attrNameLst>
-                                      </p:cBhvr>
-                                      <p:tavLst>
-                                        <p:tav tm="0">
-                                          <p:val>
-                                            <p:strVal val="#ppt_y"/>
-                                          </p:val>
-                                        </p:tav>
-                                        <p:tav tm="100000">
-                                          <p:val>
-                                            <p:strVal val="#ppt_y"/>
-                                          </p:val>
-                                        </p:tav>
-                                      </p:tavLst>
-                                    </p:anim>
-                                  </p:childTnLst>
-                                </p:cTn>
-                              </p:par>
-                              <p:par>
-                                <p:cTn id="33" presetID="2" presetClass="entr" presetSubtype="2" decel="100000" fill="hold" grpId="0" nodeType="withEffect">
-                                  <p:stCondLst>
-                                    <p:cond delay="0"/>
-                                  </p:stCondLst>
-                                  <p:childTnLst>
-                                    <p:set>
-                                      <p:cBhvr>
-                                        <p:cTn id="34" dur="1" fill="hold">
-                                          <p:stCondLst>
-                                            <p:cond delay="0"/>
-                                          </p:stCondLst>
-                                        </p:cTn>
-                                        <p:tgtEl>
-                                          <p:spTgt spid="17"/>
-                                        </p:tgtEl>
-                                        <p:attrNameLst>
-                                          <p:attrName>style.visibility</p:attrName>
-                                        </p:attrNameLst>
-                                      </p:cBhvr>
-                                      <p:to>
-                                        <p:strVal val="visible"/>
-                                      </p:to>
-                                    </p:set>
-                                    <p:anim calcmode="lin" valueType="num">
-                                      <p:cBhvr additive="base">
-                                        <p:cTn id="35" dur="500" fill="hold"/>
-                                        <p:tgtEl>
-                                          <p:spTgt spid="17"/>
-                                        </p:tgtEl>
-                                        <p:attrNameLst>
-                                          <p:attrName>ppt_x</p:attrName>
-                                        </p:attrNameLst>
-                                      </p:cBhvr>
-                                      <p:tavLst>
-                                        <p:tav tm="0">
-                                          <p:val>
-                                            <p:strVal val="1+#ppt_w/2"/>
-                                          </p:val>
-                                        </p:tav>
-                                        <p:tav tm="100000">
-                                          <p:val>
-                                            <p:strVal val="#ppt_x"/>
-                                          </p:val>
-                                        </p:tav>
-                                      </p:tavLst>
-                                    </p:anim>
-                                    <p:anim calcmode="lin" valueType="num">
-                                      <p:cBhvr additive="base">
-                                        <p:cTn id="36" dur="500" fill="hold"/>
-                                        <p:tgtEl>
-                                          <p:spTgt spid="17"/>
-                                        </p:tgtEl>
-                                        <p:attrNameLst>
-                                          <p:attrName>ppt_y</p:attrName>
-                                        </p:attrNameLst>
-                                      </p:cBhvr>
-                                      <p:tavLst>
-                                        <p:tav tm="0">
-                                          <p:val>
-                                            <p:strVal val="#ppt_y"/>
-                                          </p:val>
-                                        </p:tav>
-                                        <p:tav tm="100000">
-                                          <p:val>
-                                            <p:strVal val="#ppt_y"/>
-                                          </p:val>
-                                        </p:tav>
-                                      </p:tavLst>
-                                    </p:anim>
-                                  </p:childTnLst>
-                                </p:cTn>
-                              </p:par>
-                            </p:childTnLst>
-                          </p:cTn>
-                        </p:par>
-                      </p:childTnLst>
-                    </p:cTn>
-                  </p:par>
-                  <p:par>
-                    <p:cTn id="37" fill="hold">
-                      <p:stCondLst>
-                        <p:cond delay="indefinite"/>
-                      </p:stCondLst>
-                      <p:childTnLst>
-                        <p:par>
-                          <p:cTn id="38" fill="hold">
-                            <p:stCondLst>
-                              <p:cond delay="0"/>
-                            </p:stCondLst>
-                            <p:childTnLst>
-                              <p:par>
-                                <p:cTn id="39" presetID="22" presetClass="exit" presetSubtype="1" fill="hold" nodeType="clickEffect">
-                                  <p:stCondLst>
-                                    <p:cond delay="0"/>
-                                  </p:stCondLst>
-                                  <p:childTnLst>
-                                    <p:animEffect transition="out" filter="wipe(up)">
-                                      <p:cBhvr>
-                                        <p:cTn id="40" dur="250"/>
-                                        <p:tgtEl>
-                                          <p:spTgt spid="11"/>
-                                        </p:tgtEl>
-                                      </p:cBhvr>
-                                    </p:animEffect>
-                                    <p:set>
-                                      <p:cBhvr>
-                                        <p:cTn id="41" dur="1" fill="hold">
-                                          <p:stCondLst>
-                                            <p:cond delay="249"/>
-                                          </p:stCondLst>
-                                        </p:cTn>
-                                        <p:tgtEl>
-                                          <p:spTgt spid="11"/>
-                                        </p:tgtEl>
-                                        <p:attrNameLst>
-                                          <p:attrName>style.visibility</p:attrName>
-                                        </p:attrNameLst>
-                                      </p:cBhvr>
-                                      <p:to>
-                                        <p:strVal val="hidden"/>
-                                      </p:to>
-                                    </p:set>
-                                  </p:childTnLst>
-                                </p:cTn>
-                              </p:par>
-                            </p:childTnLst>
-                          </p:cTn>
-                        </p:par>
-                        <p:par>
-                          <p:cTn id="42" fill="hold">
-                            <p:stCondLst>
-                              <p:cond delay="250"/>
-                            </p:stCondLst>
-                            <p:childTnLst>
-                              <p:par>
-                                <p:cTn id="43" presetID="22" presetClass="exit" presetSubtype="8" fill="hold" nodeType="afterEffect">
-                                  <p:stCondLst>
-                                    <p:cond delay="0"/>
-                                  </p:stCondLst>
-                                  <p:childTnLst>
-                                    <p:animEffect transition="out" filter="wipe(left)">
-                                      <p:cBhvr>
-                                        <p:cTn id="44" dur="250"/>
-                                        <p:tgtEl>
-                                          <p:spTgt spid="10"/>
-                                        </p:tgtEl>
-                                      </p:cBhvr>
-                                    </p:animEffect>
-                                    <p:set>
-                                      <p:cBhvr>
-                                        <p:cTn id="45" dur="1" fill="hold">
-                                          <p:stCondLst>
-                                            <p:cond delay="249"/>
-                                          </p:stCondLst>
-                                        </p:cTn>
-                                        <p:tgtEl>
-                                          <p:spTgt spid="10"/>
-                                        </p:tgtEl>
-                                        <p:attrNameLst>
-                                          <p:attrName>style.visibility</p:attrName>
-                                        </p:attrNameLst>
-                                      </p:cBhvr>
-                                      <p:to>
-                                        <p:strVal val="hidden"/>
-                                      </p:to>
-                                    </p:set>
-                                  </p:childTnLst>
-                                </p:cTn>
-                              </p:par>
-                            </p:childTnLst>
-                          </p:cTn>
-                        </p:par>
-                        <p:par>
-                          <p:cTn id="46" fill="hold">
-                            <p:stCondLst>
-                              <p:cond delay="500"/>
-                            </p:stCondLst>
-                            <p:childTnLst>
-                              <p:par>
-                                <p:cTn id="47" presetID="22" presetClass="exit" presetSubtype="4" fill="hold" nodeType="afterEffect">
-                                  <p:stCondLst>
-                                    <p:cond delay="0"/>
-                                  </p:stCondLst>
-                                  <p:childTnLst>
-                                    <p:animEffect transition="out" filter="wipe(down)">
-                                      <p:cBhvr>
-                                        <p:cTn id="48" dur="250"/>
-                                        <p:tgtEl>
-                                          <p:spTgt spid="9"/>
-                                        </p:tgtEl>
-                                      </p:cBhvr>
-                                    </p:animEffect>
-                                    <p:set>
-                                      <p:cBhvr>
-                                        <p:cTn id="49" dur="1" fill="hold">
-                                          <p:stCondLst>
-                                            <p:cond delay="249"/>
-                                          </p:stCondLst>
-                                        </p:cTn>
-                                        <p:tgtEl>
-                                          <p:spTgt spid="9"/>
-                                        </p:tgtEl>
-                                        <p:attrNameLst>
-                                          <p:attrName>style.visibility</p:attrName>
-                                        </p:attrNameLst>
-                                      </p:cBhvr>
-                                      <p:to>
-                                        <p:strVal val="hidden"/>
-                                      </p:to>
-                                    </p:set>
-                                  </p:childTnLst>
-                                </p:cTn>
-                              </p:par>
-                            </p:childTnLst>
-                          </p:cTn>
-                        </p:par>
-                        <p:par>
-                          <p:cTn id="50" fill="hold">
-                            <p:stCondLst>
-                              <p:cond delay="750"/>
-                            </p:stCondLst>
-                            <p:childTnLst>
-                              <p:par>
-                                <p:cTn id="51" presetID="22" presetClass="exit" presetSubtype="2" fill="hold" nodeType="afterEffect">
-                                  <p:stCondLst>
-                                    <p:cond delay="0"/>
-                                  </p:stCondLst>
-                                  <p:childTnLst>
-                                    <p:animEffect transition="out" filter="wipe(right)">
-                                      <p:cBhvr>
-                                        <p:cTn id="52" dur="250"/>
-                                        <p:tgtEl>
-                                          <p:spTgt spid="7"/>
-                                        </p:tgtEl>
-                                      </p:cBhvr>
-                                    </p:animEffect>
-                                    <p:set>
-                                      <p:cBhvr>
-                                        <p:cTn id="53" dur="1" fill="hold">
-                                          <p:stCondLst>
-                                            <p:cond delay="249"/>
-                                          </p:stCondLst>
-                                        </p:cTn>
-                                        <p:tgtEl>
-                                          <p:spTgt spid="7"/>
-                                        </p:tgtEl>
-                                        <p:attrNameLst>
-                                          <p:attrName>style.visibility</p:attrName>
-                                        </p:attrNameLst>
-                                      </p:cBhvr>
-                                      <p:to>
-                                        <p:strVal val="hidden"/>
-                                      </p:to>
-                                    </p:set>
-                                  </p:childTnLst>
-                                </p:cTn>
-                              </p:par>
-                            </p:childTnLst>
-                          </p:cTn>
-                        </p:par>
-                        <p:par>
-                          <p:cTn id="54" fill="hold">
-                            <p:stCondLst>
-                              <p:cond delay="1000"/>
-                            </p:stCondLst>
-                            <p:childTnLst>
-                              <p:par>
-                                <p:cTn id="55" presetID="22" presetClass="exit" presetSubtype="1" fill="hold" nodeType="afterEffect">
-                                  <p:stCondLst>
-                                    <p:cond delay="0"/>
-                                  </p:stCondLst>
-                                  <p:childTnLst>
-                                    <p:animEffect transition="out" filter="wipe(up)">
-                                      <p:cBhvr>
-                                        <p:cTn id="56" dur="250"/>
-                                        <p:tgtEl>
-                                          <p:spTgt spid="13"/>
-                                        </p:tgtEl>
-                                      </p:cBhvr>
-                                    </p:animEffect>
-                                    <p:set>
-                                      <p:cBhvr>
-                                        <p:cTn id="57" dur="1" fill="hold">
-                                          <p:stCondLst>
-                                            <p:cond delay="249"/>
-                                          </p:stCondLst>
-                                        </p:cTn>
-                                        <p:tgtEl>
-                                          <p:spTgt spid="13"/>
-                                        </p:tgtEl>
-                                        <p:attrNameLst>
-                                          <p:attrName>style.visibility</p:attrName>
-                                        </p:attrNameLst>
-                                      </p:cBhvr>
-                                      <p:to>
-                                        <p:strVal val="hidden"/>
-                                      </p:to>
-                                    </p:set>
-                                  </p:childTnLst>
-                                </p:cTn>
-                              </p:par>
-                              <p:par>
-                                <p:cTn id="58" presetID="2" presetClass="exit" presetSubtype="2" accel="100000" fill="hold" grpId="1" nodeType="withEffect">
-                                  <p:stCondLst>
-                                    <p:cond delay="0"/>
-                                  </p:stCondLst>
-                                  <p:childTnLst>
-                                    <p:anim calcmode="lin" valueType="num">
-                                      <p:cBhvr additive="base">
-                                        <p:cTn id="59" dur="500"/>
-                                        <p:tgtEl>
-                                          <p:spTgt spid="15"/>
-                                        </p:tgtEl>
-                                        <p:attrNameLst>
-                                          <p:attrName>ppt_x</p:attrName>
-                                        </p:attrNameLst>
-                                      </p:cBhvr>
-                                      <p:tavLst>
-                                        <p:tav tm="0">
-                                          <p:val>
-                                            <p:strVal val="ppt_x"/>
-                                          </p:val>
-                                        </p:tav>
-                                        <p:tav tm="100000">
-                                          <p:val>
-                                            <p:strVal val="1+ppt_w/2"/>
-                                          </p:val>
-                                        </p:tav>
-                                      </p:tavLst>
-                                    </p:anim>
-                                    <p:anim calcmode="lin" valueType="num">
-                                      <p:cBhvr additive="base">
-                                        <p:cTn id="60" dur="500"/>
-                                        <p:tgtEl>
-                                          <p:spTgt spid="15"/>
-                                        </p:tgtEl>
-                                        <p:attrNameLst>
-                                          <p:attrName>ppt_y</p:attrName>
-                                        </p:attrNameLst>
-                                      </p:cBhvr>
-                                      <p:tavLst>
-                                        <p:tav tm="0">
-                                          <p:val>
-                                            <p:strVal val="ppt_y"/>
-                                          </p:val>
-                                        </p:tav>
-                                        <p:tav tm="100000">
-                                          <p:val>
-                                            <p:strVal val="ppt_y"/>
-                                          </p:val>
-                                        </p:tav>
-                                      </p:tavLst>
-                                    </p:anim>
-                                    <p:set>
-                                      <p:cBhvr>
-                                        <p:cTn id="61" dur="1" fill="hold">
-                                          <p:stCondLst>
-                                            <p:cond delay="499"/>
-                                          </p:stCondLst>
-                                        </p:cTn>
-                                        <p:tgtEl>
-                                          <p:spTgt spid="15"/>
-                                        </p:tgtEl>
-                                        <p:attrNameLst>
-                                          <p:attrName>style.visibility</p:attrName>
-                                        </p:attrNameLst>
-                                      </p:cBhvr>
-                                      <p:to>
-                                        <p:strVal val="hidden"/>
-                                      </p:to>
-                                    </p:set>
-                                  </p:childTnLst>
-                                </p:cTn>
-                              </p:par>
-                              <p:par>
-                                <p:cTn id="62" presetID="2" presetClass="exit" presetSubtype="8" accel="100000" fill="hold" grpId="1" nodeType="withEffect">
-                                  <p:stCondLst>
-                                    <p:cond delay="0"/>
-                                  </p:stCondLst>
-                                  <p:childTnLst>
-                                    <p:anim calcmode="lin" valueType="num">
-                                      <p:cBhvr additive="base">
-                                        <p:cTn id="63" dur="500"/>
-                                        <p:tgtEl>
-                                          <p:spTgt spid="16"/>
-                                        </p:tgtEl>
-                                        <p:attrNameLst>
-                                          <p:attrName>ppt_x</p:attrName>
-                                        </p:attrNameLst>
-                                      </p:cBhvr>
-                                      <p:tavLst>
-                                        <p:tav tm="0">
-                                          <p:val>
-                                            <p:strVal val="ppt_x"/>
-                                          </p:val>
-                                        </p:tav>
-                                        <p:tav tm="100000">
-                                          <p:val>
-                                            <p:strVal val="0-ppt_w/2"/>
-                                          </p:val>
-                                        </p:tav>
-                                      </p:tavLst>
-                                    </p:anim>
-                                    <p:anim calcmode="lin" valueType="num">
-                                      <p:cBhvr additive="base">
-                                        <p:cTn id="64" dur="500"/>
-                                        <p:tgtEl>
-                                          <p:spTgt spid="16"/>
-                                        </p:tgtEl>
-                                        <p:attrNameLst>
-                                          <p:attrName>ppt_y</p:attrName>
-                                        </p:attrNameLst>
-                                      </p:cBhvr>
-                                      <p:tavLst>
-                                        <p:tav tm="0">
-                                          <p:val>
-                                            <p:strVal val="ppt_y"/>
-                                          </p:val>
-                                        </p:tav>
-                                        <p:tav tm="100000">
-                                          <p:val>
-                                            <p:strVal val="ppt_y"/>
-                                          </p:val>
-                                        </p:tav>
-                                      </p:tavLst>
-                                    </p:anim>
-                                    <p:set>
-                                      <p:cBhvr>
-                                        <p:cTn id="65" dur="1" fill="hold">
-                                          <p:stCondLst>
-                                            <p:cond delay="499"/>
-                                          </p:stCondLst>
-                                        </p:cTn>
-                                        <p:tgtEl>
-                                          <p:spTgt spid="16"/>
-                                        </p:tgtEl>
-                                        <p:attrNameLst>
-                                          <p:attrName>style.visibility</p:attrName>
-                                        </p:attrNameLst>
-                                      </p:cBhvr>
-                                      <p:to>
-                                        <p:strVal val="hidden"/>
-                                      </p:to>
-                                    </p:set>
-                                  </p:childTnLst>
-                                </p:cTn>
-                              </p:par>
-                              <p:par>
-                                <p:cTn id="66" presetID="2" presetClass="exit" presetSubtype="2" accel="100000" fill="hold" grpId="1" nodeType="withEffect">
-                                  <p:stCondLst>
-                                    <p:cond delay="0"/>
-                                  </p:stCondLst>
-                                  <p:childTnLst>
-                                    <p:anim calcmode="lin" valueType="num">
-                                      <p:cBhvr additive="base">
-                                        <p:cTn id="67" dur="500"/>
-                                        <p:tgtEl>
-                                          <p:spTgt spid="17"/>
-                                        </p:tgtEl>
-                                        <p:attrNameLst>
-                                          <p:attrName>ppt_x</p:attrName>
-                                        </p:attrNameLst>
-                                      </p:cBhvr>
-                                      <p:tavLst>
-                                        <p:tav tm="0">
-                                          <p:val>
-                                            <p:strVal val="ppt_x"/>
-                                          </p:val>
-                                        </p:tav>
-                                        <p:tav tm="100000">
-                                          <p:val>
-                                            <p:strVal val="1+ppt_w/2"/>
-                                          </p:val>
-                                        </p:tav>
-                                      </p:tavLst>
-                                    </p:anim>
-                                    <p:anim calcmode="lin" valueType="num">
-                                      <p:cBhvr additive="base">
-                                        <p:cTn id="68" dur="500"/>
-                                        <p:tgtEl>
-                                          <p:spTgt spid="17"/>
-                                        </p:tgtEl>
-                                        <p:attrNameLst>
-                                          <p:attrName>ppt_y</p:attrName>
-                                        </p:attrNameLst>
-                                      </p:cBhvr>
-                                      <p:tavLst>
-                                        <p:tav tm="0">
-                                          <p:val>
-                                            <p:strVal val="ppt_y"/>
-                                          </p:val>
-                                        </p:tav>
-                                        <p:tav tm="100000">
-                                          <p:val>
-                                            <p:strVal val="ppt_y"/>
-                                          </p:val>
-                                        </p:tav>
-                                      </p:tavLst>
-                                    </p:anim>
-                                    <p:set>
-                                      <p:cBhvr>
-                                        <p:cTn id="69" dur="1" fill="hold">
-                                          <p:stCondLst>
-                                            <p:cond delay="499"/>
-                                          </p:stCondLst>
-                                        </p:cTn>
-                                        <p:tgtEl>
-                                          <p:spTgt spid="17"/>
-                                        </p:tgtEl>
-                                        <p:attrNameLst>
-                                          <p:attrName>style.visibility</p:attrName>
-                                        </p:attrNameLst>
-                                      </p:cBhvr>
-                                      <p:to>
-                                        <p:strVal val="hidden"/>
-                                      </p:to>
-                                    </p:set>
-                                  </p:childTnLst>
-                                </p:cTn>
-                              </p:par>
-                            </p:childTnLst>
-                          </p:cTn>
-                        </p:par>
-                      </p:childTnLst>
-                    </p:cTn>
-                  </p:par>
-                </p:childTnLst>
-              </p:cTn>
-              <p:prevCondLst>
-                <p:cond evt="onPrev" delay="0">
-                  <p:tgtEl>
-                    <p:sldTgt/>
-                  </p:tgtEl>
-                </p:cond>
-              </p:prevCondLst>
-              <p:nextCondLst>
-                <p:cond evt="onNext" delay="0">
-                  <p:tgtEl>
-                    <p:sldTgt/>
-                  </p:tgtEl>
-                </p:cond>
-              </p:nextCondLst>
-            </p:seq>
-          </p:childTnLst>
-        </p:cTn>
-      </p:par>
-    </p:tnLst>
-    <p:bldLst>
-      <p:bldP spid="16" grpId="0"/>
-      <p:bldP spid="16" grpId="1"/>
-      <p:bldP spid="17" grpId="0"/>
-      <p:bldP spid="17" grpId="1"/>
       <p:bldP spid="15" grpId="0"/>
       <p:bldP spid="15" grpId="1"/>
     </p:bldLst>
@@ -6575,7 +8360,7 @@
   <a:extraClrSchemeLst/>
   <a:extLst>
     <a:ext uri="{05A4C25C-085E-4340-85A3-A5531E510DB2}">
-      <thm15:themeFamily xmlns:thm15="http://schemas.microsoft.com/office/thememl/2012/main" xmlns="" name="Office Theme" id="{62F939B6-93AF-4DB8-9C6B-D6C7DFDC589F}" vid="{4A3C46E8-61CC-4603-A589-7422A47A8E4A}"/>
+      <thm15:themeFamily xmlns="" xmlns:thm15="http://schemas.microsoft.com/office/thememl/2012/main" name="Office Theme" id="{62F939B6-93AF-4DB8-9C6B-D6C7DFDC589F}" vid="{4A3C46E8-61CC-4603-A589-7422A47A8E4A}"/>
     </a:ext>
   </a:extLst>
 </a:theme>
